--- a/figures/DCVtestkit_Logo.pptx
+++ b/figures/DCVtestkit_Logo.pptx
@@ -265,7 +265,7 @@
           <a:p>
             <a:fld id="{802D4372-E8C8-49E5-9B62-DC56D8CCE950}" type="datetimeFigureOut">
               <a:rPr lang="en-SG" smtClean="0"/>
-              <a:t>17/6/2022</a:t>
+              <a:t>18/6/2022</a:t>
             </a:fld>
             <a:endParaRPr lang="en-SG" dirty="0"/>
           </a:p>
@@ -465,7 +465,7 @@
           <a:p>
             <a:fld id="{802D4372-E8C8-49E5-9B62-DC56D8CCE950}" type="datetimeFigureOut">
               <a:rPr lang="en-SG" smtClean="0"/>
-              <a:t>17/6/2022</a:t>
+              <a:t>18/6/2022</a:t>
             </a:fld>
             <a:endParaRPr lang="en-SG" dirty="0"/>
           </a:p>
@@ -675,7 +675,7 @@
           <a:p>
             <a:fld id="{802D4372-E8C8-49E5-9B62-DC56D8CCE950}" type="datetimeFigureOut">
               <a:rPr lang="en-SG" smtClean="0"/>
-              <a:t>17/6/2022</a:t>
+              <a:t>18/6/2022</a:t>
             </a:fld>
             <a:endParaRPr lang="en-SG" dirty="0"/>
           </a:p>
@@ -875,7 +875,7 @@
           <a:p>
             <a:fld id="{802D4372-E8C8-49E5-9B62-DC56D8CCE950}" type="datetimeFigureOut">
               <a:rPr lang="en-SG" smtClean="0"/>
-              <a:t>17/6/2022</a:t>
+              <a:t>18/6/2022</a:t>
             </a:fld>
             <a:endParaRPr lang="en-SG" dirty="0"/>
           </a:p>
@@ -1151,7 +1151,7 @@
           <a:p>
             <a:fld id="{802D4372-E8C8-49E5-9B62-DC56D8CCE950}" type="datetimeFigureOut">
               <a:rPr lang="en-SG" smtClean="0"/>
-              <a:t>17/6/2022</a:t>
+              <a:t>18/6/2022</a:t>
             </a:fld>
             <a:endParaRPr lang="en-SG" dirty="0"/>
           </a:p>
@@ -1419,7 +1419,7 @@
           <a:p>
             <a:fld id="{802D4372-E8C8-49E5-9B62-DC56D8CCE950}" type="datetimeFigureOut">
               <a:rPr lang="en-SG" smtClean="0"/>
-              <a:t>17/6/2022</a:t>
+              <a:t>18/6/2022</a:t>
             </a:fld>
             <a:endParaRPr lang="en-SG" dirty="0"/>
           </a:p>
@@ -1834,7 +1834,7 @@
           <a:p>
             <a:fld id="{802D4372-E8C8-49E5-9B62-DC56D8CCE950}" type="datetimeFigureOut">
               <a:rPr lang="en-SG" smtClean="0"/>
-              <a:t>17/6/2022</a:t>
+              <a:t>18/6/2022</a:t>
             </a:fld>
             <a:endParaRPr lang="en-SG" dirty="0"/>
           </a:p>
@@ -1976,7 +1976,7 @@
           <a:p>
             <a:fld id="{802D4372-E8C8-49E5-9B62-DC56D8CCE950}" type="datetimeFigureOut">
               <a:rPr lang="en-SG" smtClean="0"/>
-              <a:t>17/6/2022</a:t>
+              <a:t>18/6/2022</a:t>
             </a:fld>
             <a:endParaRPr lang="en-SG" dirty="0"/>
           </a:p>
@@ -2089,7 +2089,7 @@
           <a:p>
             <a:fld id="{802D4372-E8C8-49E5-9B62-DC56D8CCE950}" type="datetimeFigureOut">
               <a:rPr lang="en-SG" smtClean="0"/>
-              <a:t>17/6/2022</a:t>
+              <a:t>18/6/2022</a:t>
             </a:fld>
             <a:endParaRPr lang="en-SG" dirty="0"/>
           </a:p>
@@ -2402,7 +2402,7 @@
           <a:p>
             <a:fld id="{802D4372-E8C8-49E5-9B62-DC56D8CCE950}" type="datetimeFigureOut">
               <a:rPr lang="en-SG" smtClean="0"/>
-              <a:t>17/6/2022</a:t>
+              <a:t>18/6/2022</a:t>
             </a:fld>
             <a:endParaRPr lang="en-SG" dirty="0"/>
           </a:p>
@@ -2691,7 +2691,7 @@
           <a:p>
             <a:fld id="{802D4372-E8C8-49E5-9B62-DC56D8CCE950}" type="datetimeFigureOut">
               <a:rPr lang="en-SG" smtClean="0"/>
-              <a:t>17/6/2022</a:t>
+              <a:t>18/6/2022</a:t>
             </a:fld>
             <a:endParaRPr lang="en-SG" dirty="0"/>
           </a:p>
@@ -2934,7 +2934,7 @@
           <a:p>
             <a:fld id="{802D4372-E8C8-49E5-9B62-DC56D8CCE950}" type="datetimeFigureOut">
               <a:rPr lang="en-SG" smtClean="0"/>
-              <a:t>17/6/2022</a:t>
+              <a:t>18/6/2022</a:t>
             </a:fld>
             <a:endParaRPr lang="en-SG" dirty="0"/>
           </a:p>
@@ -5841,14 +5841,14 @@
           <p:nvPr>
             <p:extLst>
               <p:ext uri="{D42A27DB-BD31-4B8C-83A1-F6EECF244321}">
-                <p14:modId xmlns:p14="http://schemas.microsoft.com/office/powerpoint/2010/main" val="2902787459"/>
+                <p14:modId xmlns:p14="http://schemas.microsoft.com/office/powerpoint/2010/main" val="912239234"/>
               </p:ext>
             </p:extLst>
           </p:nvPr>
         </p:nvGraphicFramePr>
         <p:xfrm>
-          <a:off x="1155148" y="-233018"/>
-          <a:ext cx="4047297" cy="4151875"/>
+          <a:off x="7386539" y="-1161141"/>
+          <a:ext cx="4336464" cy="4294018"/>
         </p:xfrm>
         <a:graphic>
           <a:graphicData uri="http://schemas.openxmlformats.org/drawingml/2006/table">
@@ -5857,7 +5857,7 @@
                 <a:tableStyleId>{5C22544A-7EE6-4342-B048-85BDC9FD1C3A}</a:tableStyleId>
               </a:tblPr>
               <a:tblGrid>
-                <a:gridCol w="4047297">
+                <a:gridCol w="4336464">
                   <a:extLst>
                     <a:ext uri="{9D8B030D-6E8A-4147-A177-3AD203B41FA5}">
                       <a16:colId xmlns:a16="http://schemas.microsoft.com/office/drawing/2014/main" val="3622296383"/>
@@ -5865,7 +5865,7 @@
                   </a:extLst>
                 </a:gridCol>
               </a:tblGrid>
-              <a:tr h="443899">
+              <a:tr h="385538">
                 <a:tc>
                   <a:txBody>
                     <a:bodyPr/>
@@ -5932,7 +5932,7 @@
                   </a:ext>
                 </a:extLst>
               </a:tr>
-              <a:tr h="3707976">
+              <a:tr h="3908480">
                 <a:tc>
                   <a:txBody>
                     <a:bodyPr/>
@@ -6008,14 +6008,14 @@
           <p:nvPr>
             <p:extLst>
               <p:ext uri="{D42A27DB-BD31-4B8C-83A1-F6EECF244321}">
-                <p14:modId xmlns:p14="http://schemas.microsoft.com/office/powerpoint/2010/main" val="3536301546"/>
+                <p14:modId xmlns:p14="http://schemas.microsoft.com/office/powerpoint/2010/main" val="1164106917"/>
               </p:ext>
             </p:extLst>
           </p:nvPr>
         </p:nvGraphicFramePr>
         <p:xfrm>
-          <a:off x="5614586" y="-247532"/>
-          <a:ext cx="12681447" cy="4166389"/>
+          <a:off x="892900" y="3469033"/>
+          <a:ext cx="10830103" cy="4360898"/>
         </p:xfrm>
         <a:graphic>
           <a:graphicData uri="http://schemas.openxmlformats.org/drawingml/2006/table">
@@ -6024,14 +6024,7 @@
                 <a:tableStyleId>{5C22544A-7EE6-4342-B048-85BDC9FD1C3A}</a:tableStyleId>
               </a:tblPr>
               <a:tblGrid>
-                <a:gridCol w="457200">
-                  <a:extLst>
-                    <a:ext uri="{9D8B030D-6E8A-4147-A177-3AD203B41FA5}">
-                      <a16:colId xmlns:a16="http://schemas.microsoft.com/office/drawing/2014/main" val="4166285276"/>
-                    </a:ext>
-                  </a:extLst>
-                </a:gridCol>
-                <a:gridCol w="12224247">
+                <a:gridCol w="10830103">
                   <a:extLst>
                     <a:ext uri="{9D8B030D-6E8A-4147-A177-3AD203B41FA5}">
                       <a16:colId xmlns:a16="http://schemas.microsoft.com/office/drawing/2014/main" val="2010873151"/>
@@ -6039,12 +6032,29 @@
                   </a:extLst>
                 </a:gridCol>
               </a:tblGrid>
-              <a:tr h="489163">
-                <a:tc gridSpan="2">
+              <a:tr h="0">
+                <a:tc>
                   <a:txBody>
                     <a:bodyPr/>
                     <a:lstStyle/>
                     <a:p>
+                      <a:pPr marL="0" marR="0" lvl="0" indent="0" algn="l" defTabSz="914400" rtl="0" eaLnBrk="1" fontAlgn="auto" latinLnBrk="0" hangingPunct="1">
+                        <a:lnSpc>
+                          <a:spcPct val="100000"/>
+                        </a:lnSpc>
+                        <a:spcBef>
+                          <a:spcPts val="0"/>
+                        </a:spcBef>
+                        <a:spcAft>
+                          <a:spcPts val="0"/>
+                        </a:spcAft>
+                        <a:buClrTx/>
+                        <a:buSzTx/>
+                        <a:buFontTx/>
+                        <a:buNone/>
+                        <a:tabLst/>
+                        <a:defRPr/>
+                      </a:pPr>
                       <a:r>
                         <a:rPr lang="en-SG" b="0" dirty="0">
                           <a:solidFill>
@@ -6053,63 +6063,6 @@
                         </a:rPr>
                         <a:t>Dilution Curve Plotting</a:t>
                       </a:r>
-                    </a:p>
-                  </a:txBody>
-                  <a:tcPr anchor="ctr">
-                    <a:lnL w="12700" cap="flat" cmpd="sng" algn="ctr">
-                      <a:solidFill>
-                        <a:schemeClr val="tx1"/>
-                      </a:solidFill>
-                      <a:prstDash val="solid"/>
-                      <a:round/>
-                      <a:headEnd type="none" w="med" len="med"/>
-                      <a:tailEnd type="none" w="med" len="med"/>
-                    </a:lnL>
-                    <a:lnR w="12700" cap="flat" cmpd="sng" algn="ctr">
-                      <a:solidFill>
-                        <a:schemeClr val="tx1"/>
-                      </a:solidFill>
-                      <a:prstDash val="solid"/>
-                      <a:round/>
-                      <a:headEnd type="none" w="med" len="med"/>
-                      <a:tailEnd type="none" w="med" len="med"/>
-                    </a:lnR>
-                    <a:lnT w="12700" cap="flat" cmpd="sng" algn="ctr">
-                      <a:solidFill>
-                        <a:schemeClr val="tx1"/>
-                      </a:solidFill>
-                      <a:prstDash val="solid"/>
-                      <a:round/>
-                      <a:headEnd type="none" w="med" len="med"/>
-                      <a:tailEnd type="none" w="med" len="med"/>
-                    </a:lnT>
-                    <a:lnB w="12700" cap="flat" cmpd="sng" algn="ctr">
-                      <a:solidFill>
-                        <a:schemeClr val="tx1"/>
-                      </a:solidFill>
-                      <a:prstDash val="solid"/>
-                      <a:round/>
-                      <a:headEnd type="none" w="med" len="med"/>
-                      <a:tailEnd type="none" w="med" len="med"/>
-                    </a:lnB>
-                    <a:solidFill>
-                      <a:schemeClr val="accent2">
-                        <a:lumMod val="60000"/>
-                        <a:lumOff val="40000"/>
-                      </a:schemeClr>
-                    </a:solidFill>
-                  </a:tcPr>
-                </a:tc>
-                <a:tc hMerge="1">
-                  <a:txBody>
-                    <a:bodyPr/>
-                    <a:lstStyle/>
-                    <a:p>
-                      <a:endParaRPr lang="en-SG" b="0" dirty="0">
-                        <a:solidFill>
-                          <a:schemeClr val="tx1"/>
-                        </a:solidFill>
-                      </a:endParaRPr>
                     </a:p>
                   </a:txBody>
                   <a:tcPr anchor="ctr">
@@ -6163,20 +6116,19 @@
                   </a:ext>
                 </a:extLst>
               </a:tr>
-              <a:tr h="1603400">
+              <a:tr h="405200">
                 <a:tc>
                   <a:txBody>
                     <a:bodyPr/>
                     <a:lstStyle/>
                     <a:p>
-                      <a:pPr algn="ctr"/>
                       <a:r>
                         <a:rPr lang="en-SG" dirty="0"/>
-                        <a:t>Interactive</a:t>
+                        <a:t>Static</a:t>
                       </a:r>
                     </a:p>
                   </a:txBody>
-                  <a:tcPr vert="vert270" anchor="ctr">
+                  <a:tcPr>
                     <a:lnL w="12700" cap="flat" cmpd="sng" algn="ctr">
                       <a:solidFill>
                         <a:schemeClr val="tx1"/>
@@ -6221,6 +6173,13 @@
                     </a:solidFill>
                   </a:tcPr>
                 </a:tc>
+                <a:extLst>
+                  <a:ext uri="{0D108BD9-81ED-4DB2-BD59-A6C34878D82A}">
+                    <a16:rowId xmlns:a16="http://schemas.microsoft.com/office/drawing/2014/main" val="203210624"/>
+                  </a:ext>
+                </a:extLst>
+              </a:tr>
+              <a:tr h="1552115">
                 <a:tc>
                   <a:txBody>
                     <a:bodyPr/>
@@ -6277,20 +6236,19 @@
                   </a:ext>
                 </a:extLst>
               </a:tr>
-              <a:tr h="2073826">
+              <a:tr h="392552">
                 <a:tc>
                   <a:txBody>
                     <a:bodyPr/>
                     <a:lstStyle/>
                     <a:p>
-                      <a:pPr algn="ctr"/>
                       <a:r>
                         <a:rPr lang="en-SG" dirty="0"/>
-                        <a:t>Static</a:t>
+                        <a:t>Interactive</a:t>
                       </a:r>
                     </a:p>
                   </a:txBody>
-                  <a:tcPr vert="vert270" anchor="ctr">
+                  <a:tcPr anchor="ctr">
                     <a:lnL w="12700" cap="flat" cmpd="sng" algn="ctr">
                       <a:solidFill>
                         <a:schemeClr val="tx1"/>
@@ -6335,6 +6293,13 @@
                     </a:solidFill>
                   </a:tcPr>
                 </a:tc>
+                <a:extLst>
+                  <a:ext uri="{0D108BD9-81ED-4DB2-BD59-A6C34878D82A}">
+                    <a16:rowId xmlns:a16="http://schemas.microsoft.com/office/drawing/2014/main" val="793021639"/>
+                  </a:ext>
+                </a:extLst>
+              </a:tr>
+              <a:tr h="1645271">
                 <a:tc>
                   <a:txBody>
                     <a:bodyPr/>
@@ -6410,14 +6375,14 @@
           <p:nvPr>
             <p:extLst>
               <p:ext uri="{D42A27DB-BD31-4B8C-83A1-F6EECF244321}">
-                <p14:modId xmlns:p14="http://schemas.microsoft.com/office/powerpoint/2010/main" val="2338869810"/>
+                <p14:modId xmlns:p14="http://schemas.microsoft.com/office/powerpoint/2010/main" val="3006426437"/>
               </p:ext>
             </p:extLst>
           </p:nvPr>
         </p:nvGraphicFramePr>
         <p:xfrm>
-          <a:off x="1108687" y="4587973"/>
-          <a:ext cx="17187346" cy="1115470"/>
+          <a:off x="12384498" y="3716567"/>
+          <a:ext cx="1863995" cy="2383420"/>
         </p:xfrm>
         <a:graphic>
           <a:graphicData uri="http://schemas.openxmlformats.org/drawingml/2006/table">
@@ -6426,7 +6391,7 @@
                 <a:tableStyleId>{5C22544A-7EE6-4342-B048-85BDC9FD1C3A}</a:tableStyleId>
               </a:tblPr>
               <a:tblGrid>
-                <a:gridCol w="17187346">
+                <a:gridCol w="1863995">
                   <a:extLst>
                     <a:ext uri="{9D8B030D-6E8A-4147-A177-3AD203B41FA5}">
                       <a16:colId xmlns:a16="http://schemas.microsoft.com/office/drawing/2014/main" val="2010873151"/>
@@ -6434,7 +6399,7 @@
                   </a:extLst>
                 </a:gridCol>
               </a:tblGrid>
-              <a:tr h="283890">
+              <a:tr h="232228">
                 <a:tc>
                   <a:txBody>
                     <a:bodyPr/>
@@ -6501,7 +6466,7 @@
                   </a:ext>
                 </a:extLst>
               </a:tr>
-              <a:tr h="749710">
+              <a:tr h="2017660">
                 <a:tc>
                   <a:txBody>
                     <a:bodyPr/>
@@ -6577,14 +6542,14 @@
           <p:nvPr>
             <p:extLst>
               <p:ext uri="{D42A27DB-BD31-4B8C-83A1-F6EECF244321}">
-                <p14:modId xmlns:p14="http://schemas.microsoft.com/office/powerpoint/2010/main" val="4004624891"/>
+                <p14:modId xmlns:p14="http://schemas.microsoft.com/office/powerpoint/2010/main" val="494315394"/>
               </p:ext>
             </p:extLst>
           </p:nvPr>
         </p:nvGraphicFramePr>
         <p:xfrm>
-          <a:off x="-4145132" y="-232228"/>
-          <a:ext cx="3082244" cy="3500266"/>
+          <a:off x="1089638" y="-1126755"/>
+          <a:ext cx="4093758" cy="3395673"/>
         </p:xfrm>
         <a:graphic>
           <a:graphicData uri="http://schemas.openxmlformats.org/drawingml/2006/table">
@@ -6593,7 +6558,7 @@
                 <a:tableStyleId>{5C22544A-7EE6-4342-B048-85BDC9FD1C3A}</a:tableStyleId>
               </a:tblPr>
               <a:tblGrid>
-                <a:gridCol w="3082244">
+                <a:gridCol w="4093758">
                   <a:extLst>
                     <a:ext uri="{9D8B030D-6E8A-4147-A177-3AD203B41FA5}">
                       <a16:colId xmlns:a16="http://schemas.microsoft.com/office/drawing/2014/main" val="2010873151"/>
@@ -6601,7 +6566,7 @@
                   </a:extLst>
                 </a:gridCol>
               </a:tblGrid>
-              <a:tr h="470353">
+              <a:tr h="0">
                 <a:tc>
                   <a:txBody>
                     <a:bodyPr/>
@@ -6744,14 +6709,14 @@
           <p:nvPr>
             <p:extLst>
               <p:ext uri="{D42A27DB-BD31-4B8C-83A1-F6EECF244321}">
-                <p14:modId xmlns:p14="http://schemas.microsoft.com/office/powerpoint/2010/main" val="498470995"/>
+                <p14:modId xmlns:p14="http://schemas.microsoft.com/office/powerpoint/2010/main" val="3117332669"/>
               </p:ext>
             </p:extLst>
           </p:nvPr>
         </p:nvGraphicFramePr>
         <p:xfrm>
-          <a:off x="1608376" y="3145108"/>
-          <a:ext cx="3378728" cy="640080"/>
+          <a:off x="7615464" y="2225397"/>
+          <a:ext cx="3829936" cy="795331"/>
         </p:xfrm>
         <a:graphic>
           <a:graphicData uri="http://schemas.openxmlformats.org/drawingml/2006/table">
@@ -6760,21 +6725,28 @@
                 <a:tableStyleId>{5C22544A-7EE6-4342-B048-85BDC9FD1C3A}</a:tableStyleId>
               </a:tblPr>
               <a:tblGrid>
-                <a:gridCol w="922606">
+                <a:gridCol w="885372">
                   <a:extLst>
                     <a:ext uri="{9D8B030D-6E8A-4147-A177-3AD203B41FA5}">
                       <a16:colId xmlns:a16="http://schemas.microsoft.com/office/drawing/2014/main" val="468845580"/>
                     </a:ext>
                   </a:extLst>
                 </a:gridCol>
-                <a:gridCol w="1228061">
+                <a:gridCol w="1045028">
                   <a:extLst>
                     <a:ext uri="{9D8B030D-6E8A-4147-A177-3AD203B41FA5}">
                       <a16:colId xmlns:a16="http://schemas.microsoft.com/office/drawing/2014/main" val="2810992882"/>
                     </a:ext>
                   </a:extLst>
                 </a:gridCol>
-                <a:gridCol w="1228061">
+                <a:gridCol w="798286">
+                  <a:extLst>
+                    <a:ext uri="{9D8B030D-6E8A-4147-A177-3AD203B41FA5}">
+                      <a16:colId xmlns:a16="http://schemas.microsoft.com/office/drawing/2014/main" val="1654856620"/>
+                    </a:ext>
+                  </a:extLst>
+                </a:gridCol>
+                <a:gridCol w="1101250">
                   <a:extLst>
                     <a:ext uri="{9D8B030D-6E8A-4147-A177-3AD203B41FA5}">
                       <a16:colId xmlns:a16="http://schemas.microsoft.com/office/drawing/2014/main" val="3819368552"/>
@@ -6782,8 +6754,8 @@
                   </a:extLst>
                 </a:gridCol>
               </a:tblGrid>
-              <a:tr h="521011">
-                <a:tc>
+              <a:tr h="271967">
+                <a:tc rowSpan="2">
                   <a:txBody>
                     <a:bodyPr/>
                     <a:lstStyle/>
@@ -6848,10 +6820,309 @@
                       <a:tailEnd type="none" w="med" len="med"/>
                     </a:lnB>
                     <a:solidFill>
-                      <a:schemeClr val="accent6">
+                      <a:srgbClr val="FDEFFF"/>
+                    </a:solidFill>
+                  </a:tcPr>
+                </a:tc>
+                <a:tc rowSpan="2">
+                  <a:txBody>
+                    <a:bodyPr/>
+                    <a:lstStyle/>
+                    <a:p>
+                      <a:pPr algn="ctr"/>
+                      <a:r>
+                        <a:rPr lang="en-SG" sz="1200" b="0" dirty="0">
+                          <a:solidFill>
+                            <a:schemeClr val="tx1"/>
+                          </a:solidFill>
+                        </a:rPr>
+                        <a:t>Dilution</a:t>
+                      </a:r>
+                    </a:p>
+                    <a:p>
+                      <a:pPr algn="ctr"/>
+                      <a:r>
+                        <a:rPr lang="en-SG" sz="1200" b="0" dirty="0">
+                          <a:solidFill>
+                            <a:schemeClr val="tx1"/>
+                          </a:solidFill>
+                        </a:rPr>
+                        <a:t>Annotation</a:t>
+                      </a:r>
+                    </a:p>
+                  </a:txBody>
+                  <a:tcPr anchor="ctr">
+                    <a:lnL w="12700" cap="flat" cmpd="sng" algn="ctr">
+                      <a:solidFill>
+                        <a:schemeClr val="tx1"/>
+                      </a:solidFill>
+                      <a:prstDash val="solid"/>
+                      <a:round/>
+                      <a:headEnd type="none" w="med" len="med"/>
+                      <a:tailEnd type="none" w="med" len="med"/>
+                    </a:lnL>
+                    <a:lnR w="12700" cap="flat" cmpd="sng" algn="ctr">
+                      <a:solidFill>
+                        <a:schemeClr val="tx1"/>
+                      </a:solidFill>
+                      <a:prstDash val="solid"/>
+                      <a:round/>
+                      <a:headEnd type="none" w="med" len="med"/>
+                      <a:tailEnd type="none" w="med" len="med"/>
+                    </a:lnR>
+                    <a:lnT w="12700" cap="flat" cmpd="sng" algn="ctr">
+                      <a:solidFill>
+                        <a:schemeClr val="tx1"/>
+                      </a:solidFill>
+                      <a:prstDash val="solid"/>
+                      <a:round/>
+                      <a:headEnd type="none" w="med" len="med"/>
+                      <a:tailEnd type="none" w="med" len="med"/>
+                    </a:lnT>
+                    <a:lnB w="12700" cap="flat" cmpd="sng" algn="ctr">
+                      <a:solidFill>
+                        <a:schemeClr val="tx1"/>
+                      </a:solidFill>
+                      <a:prstDash val="solid"/>
+                      <a:round/>
+                      <a:headEnd type="none" w="med" len="med"/>
+                      <a:tailEnd type="none" w="med" len="med"/>
+                    </a:lnB>
+                    <a:solidFill>
+                      <a:srgbClr val="B9FFFF"/>
+                    </a:solidFill>
+                  </a:tcPr>
+                </a:tc>
+                <a:tc gridSpan="2">
+                  <a:txBody>
+                    <a:bodyPr/>
+                    <a:lstStyle/>
+                    <a:p>
+                      <a:pPr algn="ctr"/>
+                      <a:r>
+                        <a:rPr lang="en-SG" sz="1200" b="0" dirty="0">
+                          <a:solidFill>
+                            <a:schemeClr val="tx1"/>
+                          </a:solidFill>
+                        </a:rPr>
+                        <a:t>Dilution Statistics Summary</a:t>
+                      </a:r>
+                    </a:p>
+                  </a:txBody>
+                  <a:tcPr anchor="ctr">
+                    <a:lnL w="12700" cap="flat" cmpd="sng" algn="ctr">
+                      <a:solidFill>
+                        <a:schemeClr val="tx1"/>
+                      </a:solidFill>
+                      <a:prstDash val="solid"/>
+                      <a:round/>
+                      <a:headEnd type="none" w="med" len="med"/>
+                      <a:tailEnd type="none" w="med" len="med"/>
+                    </a:lnL>
+                    <a:lnR w="12700" cap="flat" cmpd="sng" algn="ctr">
+                      <a:solidFill>
+                        <a:schemeClr val="tx1"/>
+                      </a:solidFill>
+                      <a:prstDash val="solid"/>
+                      <a:round/>
+                      <a:headEnd type="none" w="med" len="med"/>
+                      <a:tailEnd type="none" w="med" len="med"/>
+                    </a:lnR>
+                    <a:lnT w="12700" cap="flat" cmpd="sng" algn="ctr">
+                      <a:solidFill>
+                        <a:schemeClr val="tx1"/>
+                      </a:solidFill>
+                      <a:prstDash val="solid"/>
+                      <a:round/>
+                      <a:headEnd type="none" w="med" len="med"/>
+                      <a:tailEnd type="none" w="med" len="med"/>
+                    </a:lnT>
+                    <a:lnB w="12700" cap="flat" cmpd="sng" algn="ctr">
+                      <a:solidFill>
+                        <a:schemeClr val="tx1"/>
+                      </a:solidFill>
+                      <a:prstDash val="solid"/>
+                      <a:round/>
+                      <a:headEnd type="none" w="med" len="med"/>
+                      <a:tailEnd type="none" w="med" len="med"/>
+                    </a:lnB>
+                    <a:solidFill>
+                      <a:schemeClr val="accent4">
                         <a:lumMod val="20000"/>
                         <a:lumOff val="80000"/>
                       </a:schemeClr>
+                    </a:solidFill>
+                  </a:tcPr>
+                </a:tc>
+                <a:tc hMerge="1">
+                  <a:txBody>
+                    <a:bodyPr/>
+                    <a:lstStyle/>
+                    <a:p>
+                      <a:pPr algn="ctr"/>
+                      <a:endParaRPr lang="en-SG" sz="1200" b="0" dirty="0">
+                        <a:solidFill>
+                          <a:schemeClr val="tx1"/>
+                        </a:solidFill>
+                      </a:endParaRPr>
+                    </a:p>
+                  </a:txBody>
+                  <a:tcPr anchor="ctr">
+                    <a:lnL w="12700" cap="flat" cmpd="sng" algn="ctr">
+                      <a:solidFill>
+                        <a:schemeClr val="tx1"/>
+                      </a:solidFill>
+                      <a:prstDash val="solid"/>
+                      <a:round/>
+                      <a:headEnd type="none" w="med" len="med"/>
+                      <a:tailEnd type="none" w="med" len="med"/>
+                    </a:lnL>
+                    <a:lnR w="12700" cap="flat" cmpd="sng" algn="ctr">
+                      <a:solidFill>
+                        <a:schemeClr val="tx1"/>
+                      </a:solidFill>
+                      <a:prstDash val="solid"/>
+                      <a:round/>
+                      <a:headEnd type="none" w="med" len="med"/>
+                      <a:tailEnd type="none" w="med" len="med"/>
+                    </a:lnR>
+                    <a:lnT w="12700" cap="flat" cmpd="sng" algn="ctr">
+                      <a:solidFill>
+                        <a:schemeClr val="tx1"/>
+                      </a:solidFill>
+                      <a:prstDash val="solid"/>
+                      <a:round/>
+                      <a:headEnd type="none" w="med" len="med"/>
+                      <a:tailEnd type="none" w="med" len="med"/>
+                    </a:lnT>
+                    <a:lnB w="12700" cap="flat" cmpd="sng" algn="ctr">
+                      <a:solidFill>
+                        <a:schemeClr val="tx1"/>
+                      </a:solidFill>
+                      <a:prstDash val="solid"/>
+                      <a:round/>
+                      <a:headEnd type="none" w="med" len="med"/>
+                      <a:tailEnd type="none" w="med" len="med"/>
+                    </a:lnB>
+                    <a:solidFill>
+                      <a:srgbClr val="E1E9E5"/>
+                    </a:solidFill>
+                  </a:tcPr>
+                </a:tc>
+                <a:extLst>
+                  <a:ext uri="{0D108BD9-81ED-4DB2-BD59-A6C34878D82A}">
+                    <a16:rowId xmlns:a16="http://schemas.microsoft.com/office/drawing/2014/main" val="4003664962"/>
+                  </a:ext>
+                </a:extLst>
+              </a:tr>
+              <a:tr h="521011">
+                <a:tc vMerge="1">
+                  <a:txBody>
+                    <a:bodyPr/>
+                    <a:lstStyle/>
+                    <a:p>
+                      <a:pPr algn="ctr"/>
+                      <a:endParaRPr lang="en-SG" sz="1200" b="0" dirty="0">
+                        <a:solidFill>
+                          <a:schemeClr val="tx1"/>
+                        </a:solidFill>
+                      </a:endParaRPr>
+                    </a:p>
+                  </a:txBody>
+                  <a:tcPr anchor="ctr">
+                    <a:lnL w="12700" cap="flat" cmpd="sng" algn="ctr">
+                      <a:solidFill>
+                        <a:schemeClr val="tx1"/>
+                      </a:solidFill>
+                      <a:prstDash val="solid"/>
+                      <a:round/>
+                      <a:headEnd type="none" w="med" len="med"/>
+                      <a:tailEnd type="none" w="med" len="med"/>
+                    </a:lnL>
+                    <a:lnR w="12700" cap="flat" cmpd="sng" algn="ctr">
+                      <a:solidFill>
+                        <a:schemeClr val="tx1"/>
+                      </a:solidFill>
+                      <a:prstDash val="solid"/>
+                      <a:round/>
+                      <a:headEnd type="none" w="med" len="med"/>
+                      <a:tailEnd type="none" w="med" len="med"/>
+                    </a:lnR>
+                    <a:lnT w="12700" cap="flat" cmpd="sng" algn="ctr">
+                      <a:solidFill>
+                        <a:schemeClr val="tx1"/>
+                      </a:solidFill>
+                      <a:prstDash val="solid"/>
+                      <a:round/>
+                      <a:headEnd type="none" w="med" len="med"/>
+                      <a:tailEnd type="none" w="med" len="med"/>
+                    </a:lnT>
+                    <a:lnB w="12700" cap="flat" cmpd="sng" algn="ctr">
+                      <a:solidFill>
+                        <a:schemeClr val="tx1"/>
+                      </a:solidFill>
+                      <a:prstDash val="solid"/>
+                      <a:round/>
+                      <a:headEnd type="none" w="med" len="med"/>
+                      <a:tailEnd type="none" w="med" len="med"/>
+                    </a:lnB>
+                    <a:solidFill>
+                      <a:srgbClr val="FDEFFF"/>
+                    </a:solidFill>
+                  </a:tcPr>
+                </a:tc>
+                <a:tc vMerge="1">
+                  <a:txBody>
+                    <a:bodyPr/>
+                    <a:lstStyle/>
+                    <a:p>
+                      <a:pPr algn="ctr"/>
+                      <a:endParaRPr lang="en-SG" sz="1200" b="0" dirty="0">
+                        <a:solidFill>
+                          <a:schemeClr val="tx1"/>
+                        </a:solidFill>
+                      </a:endParaRPr>
+                    </a:p>
+                  </a:txBody>
+                  <a:tcPr anchor="ctr">
+                    <a:lnL w="12700" cap="flat" cmpd="sng" algn="ctr">
+                      <a:solidFill>
+                        <a:schemeClr val="tx1"/>
+                      </a:solidFill>
+                      <a:prstDash val="solid"/>
+                      <a:round/>
+                      <a:headEnd type="none" w="med" len="med"/>
+                      <a:tailEnd type="none" w="med" len="med"/>
+                    </a:lnL>
+                    <a:lnR w="12700" cap="flat" cmpd="sng" algn="ctr">
+                      <a:solidFill>
+                        <a:schemeClr val="tx1"/>
+                      </a:solidFill>
+                      <a:prstDash val="solid"/>
+                      <a:round/>
+                      <a:headEnd type="none" w="med" len="med"/>
+                      <a:tailEnd type="none" w="med" len="med"/>
+                    </a:lnR>
+                    <a:lnT w="12700" cap="flat" cmpd="sng" algn="ctr">
+                      <a:solidFill>
+                        <a:schemeClr val="tx1"/>
+                      </a:solidFill>
+                      <a:prstDash val="solid"/>
+                      <a:round/>
+                      <a:headEnd type="none" w="med" len="med"/>
+                      <a:tailEnd type="none" w="med" len="med"/>
+                    </a:lnT>
+                    <a:lnB w="12700" cap="flat" cmpd="sng" algn="ctr">
+                      <a:solidFill>
+                        <a:schemeClr val="tx1"/>
+                      </a:solidFill>
+                      <a:prstDash val="solid"/>
+                      <a:round/>
+                      <a:headEnd type="none" w="med" len="med"/>
+                      <a:tailEnd type="none" w="med" len="med"/>
+                    </a:lnB>
+                    <a:solidFill>
+                      <a:srgbClr val="B9FFFF"/>
                     </a:solidFill>
                   </a:tcPr>
                 </a:tc>
@@ -6883,7 +7154,7 @@
                             <a:schemeClr val="tx1"/>
                           </a:solidFill>
                         </a:rPr>
-                        <a:t>Classification Results</a:t>
+                        <a:t>Grouping Results</a:t>
                       </a:r>
                     </a:p>
                   </a:txBody>
@@ -6925,10 +7196,7 @@
                       <a:tailEnd type="none" w="med" len="med"/>
                     </a:lnB>
                     <a:solidFill>
-                      <a:schemeClr val="accent6">
-                        <a:lumMod val="20000"/>
-                        <a:lumOff val="80000"/>
-                      </a:schemeClr>
+                      <a:srgbClr val="FFDDDD"/>
                     </a:solidFill>
                   </a:tcPr>
                 </a:tc>
@@ -6944,17 +7212,6 @@
                             <a:schemeClr val="tx1"/>
                           </a:solidFill>
                         </a:rPr>
-                        <a:t>Dilution</a:t>
-                      </a:r>
-                    </a:p>
-                    <a:p>
-                      <a:pPr algn="ctr"/>
-                      <a:r>
-                        <a:rPr lang="en-SG" sz="1200" b="0" dirty="0">
-                          <a:solidFill>
-                            <a:schemeClr val="tx1"/>
-                          </a:solidFill>
-                        </a:rPr>
                         <a:t>Statistics Summary</a:t>
                       </a:r>
                     </a:p>
@@ -6997,10 +7254,7 @@
                       <a:tailEnd type="none" w="med" len="med"/>
                     </a:lnB>
                     <a:solidFill>
-                      <a:schemeClr val="accent6">
-                        <a:lumMod val="20000"/>
-                        <a:lumOff val="80000"/>
-                      </a:schemeClr>
+                      <a:srgbClr val="E1E9E5"/>
                     </a:solidFill>
                   </a:tcPr>
                 </a:tc>
@@ -7029,13 +7283,13 @@
           <p:nvPr>
             <p:extLst>
               <p:ext uri="{D42A27DB-BD31-4B8C-83A1-F6EECF244321}">
-                <p14:modId xmlns:p14="http://schemas.microsoft.com/office/powerpoint/2010/main" val="1132448119"/>
+                <p14:modId xmlns:p14="http://schemas.microsoft.com/office/powerpoint/2010/main" val="2308881512"/>
               </p:ext>
             </p:extLst>
           </p:nvPr>
         </p:nvGraphicFramePr>
         <p:xfrm>
-          <a:off x="7949238" y="2147034"/>
+          <a:off x="1124535" y="4455514"/>
           <a:ext cx="4330323" cy="1161091"/>
         </p:xfrm>
         <a:graphic>
@@ -7052,10 +7306,17 @@
                     </a:ext>
                   </a:extLst>
                 </a:gridCol>
-                <a:gridCol w="2456122">
+                <a:gridCol w="880209">
                   <a:extLst>
                     <a:ext uri="{9D8B030D-6E8A-4147-A177-3AD203B41FA5}">
                       <a16:colId xmlns:a16="http://schemas.microsoft.com/office/drawing/2014/main" val="1983927"/>
+                    </a:ext>
+                  </a:extLst>
+                </a:gridCol>
+                <a:gridCol w="1575913">
+                  <a:extLst>
+                    <a:ext uri="{9D8B030D-6E8A-4147-A177-3AD203B41FA5}">
+                      <a16:colId xmlns:a16="http://schemas.microsoft.com/office/drawing/2014/main" val="4080472763"/>
                     </a:ext>
                   </a:extLst>
                 </a:gridCol>
@@ -7068,7 +7329,7 @@
                 </a:gridCol>
               </a:tblGrid>
               <a:tr h="613526">
-                <a:tc gridSpan="2">
+                <a:tc gridSpan="3">
                   <a:txBody>
                     <a:bodyPr/>
                     <a:lstStyle/>
@@ -7128,6 +7389,16 @@
                       </a:schemeClr>
                     </a:solidFill>
                   </a:tcPr>
+                </a:tc>
+                <a:tc hMerge="1">
+                  <a:txBody>
+                    <a:bodyPr/>
+                    <a:lstStyle/>
+                    <a:p>
+                      <a:endParaRPr lang="en-SG"/>
+                    </a:p>
+                  </a:txBody>
+                  <a:tcPr/>
                 </a:tc>
                 <a:tc hMerge="1">
                   <a:txBody>
@@ -7283,10 +7554,7 @@
                       <a:tailEnd type="none" w="med" len="med"/>
                     </a:lnB>
                     <a:solidFill>
-                      <a:schemeClr val="accent6">
-                        <a:lumMod val="20000"/>
-                        <a:lumOff val="80000"/>
-                      </a:schemeClr>
+                      <a:srgbClr val="FDEFFF"/>
                     </a:solidFill>
                   </a:tcPr>
                 </a:tc>
@@ -7297,7 +7565,7 @@
                     <a:p>
                       <a:pPr algn="ctr"/>
                       <a:r>
-                        <a:rPr lang="en-SG" sz="1200" b="0" dirty="0">
+                        <a:rPr lang="en-SG" sz="1200" dirty="0">
                           <a:solidFill>
                             <a:schemeClr val="tx1"/>
                           </a:solidFill>
@@ -7308,12 +7576,86 @@
                     <a:p>
                       <a:pPr algn="ctr"/>
                       <a:r>
+                        <a:rPr lang="en-SG" sz="1200" dirty="0">
+                          <a:solidFill>
+                            <a:schemeClr val="tx1"/>
+                          </a:solidFill>
+                        </a:rPr>
+                        <a:t>Annotation</a:t>
+                      </a:r>
+                    </a:p>
+                  </a:txBody>
+                  <a:tcPr anchor="ctr">
+                    <a:lnL w="12700" cap="flat" cmpd="sng" algn="ctr">
+                      <a:solidFill>
+                        <a:schemeClr val="tx1"/>
+                      </a:solidFill>
+                      <a:prstDash val="solid"/>
+                      <a:round/>
+                      <a:headEnd type="none" w="med" len="med"/>
+                      <a:tailEnd type="none" w="med" len="med"/>
+                    </a:lnL>
+                    <a:lnR w="12700" cap="flat" cmpd="sng" algn="ctr">
+                      <a:solidFill>
+                        <a:schemeClr val="tx1"/>
+                      </a:solidFill>
+                      <a:prstDash val="solid"/>
+                      <a:round/>
+                      <a:headEnd type="none" w="med" len="med"/>
+                      <a:tailEnd type="none" w="med" len="med"/>
+                    </a:lnR>
+                    <a:lnT w="12700" cap="flat" cmpd="sng" algn="ctr">
+                      <a:solidFill>
+                        <a:schemeClr val="tx1"/>
+                      </a:solidFill>
+                      <a:prstDash val="solid"/>
+                      <a:round/>
+                      <a:headEnd type="none" w="med" len="med"/>
+                      <a:tailEnd type="none" w="med" len="med"/>
+                    </a:lnT>
+                    <a:lnB w="12700" cap="flat" cmpd="sng" algn="ctr">
+                      <a:solidFill>
+                        <a:schemeClr val="tx1"/>
+                      </a:solidFill>
+                      <a:prstDash val="solid"/>
+                      <a:round/>
+                      <a:headEnd type="none" w="med" len="med"/>
+                      <a:tailEnd type="none" w="med" len="med"/>
+                    </a:lnB>
+                    <a:solidFill>
+                      <a:srgbClr val="B9FFFF"/>
+                    </a:solidFill>
+                  </a:tcPr>
+                </a:tc>
+                <a:tc>
+                  <a:txBody>
+                    <a:bodyPr/>
+                    <a:lstStyle/>
+                    <a:p>
+                      <a:pPr marL="0" marR="0" lvl="0" indent="0" algn="ctr" defTabSz="914400" rtl="0" eaLnBrk="1" fontAlgn="auto" latinLnBrk="0" hangingPunct="1">
+                        <a:lnSpc>
+                          <a:spcPct val="100000"/>
+                        </a:lnSpc>
+                        <a:spcBef>
+                          <a:spcPts val="0"/>
+                        </a:spcBef>
+                        <a:spcAft>
+                          <a:spcPts val="0"/>
+                        </a:spcAft>
+                        <a:buClrTx/>
+                        <a:buSzTx/>
+                        <a:buFontTx/>
+                        <a:buNone/>
+                        <a:tabLst/>
+                        <a:defRPr/>
+                      </a:pPr>
+                      <a:r>
                         <a:rPr lang="en-SG" sz="1200" b="0" dirty="0">
                           <a:solidFill>
                             <a:schemeClr val="tx1"/>
                           </a:solidFill>
                         </a:rPr>
-                        <a:t>Statistics Summary</a:t>
+                        <a:t>Dilution Statistics Summary</a:t>
                       </a:r>
                     </a:p>
                   </a:txBody>
@@ -7355,7 +7697,7 @@
                       <a:tailEnd type="none" w="med" len="med"/>
                     </a:lnB>
                     <a:solidFill>
-                      <a:schemeClr val="accent6">
+                      <a:schemeClr val="accent4">
                         <a:lumMod val="20000"/>
                         <a:lumOff val="80000"/>
                       </a:schemeClr>
@@ -7427,10 +7769,7 @@
                       <a:tailEnd type="none" w="med" len="med"/>
                     </a:lnB>
                     <a:solidFill>
-                      <a:schemeClr val="accent6">
-                        <a:lumMod val="20000"/>
-                        <a:lumOff val="80000"/>
-                      </a:schemeClr>
+                      <a:srgbClr val="D1FFD1"/>
                     </a:solidFill>
                   </a:tcPr>
                 </a:tc>
@@ -7459,13 +7798,13 @@
           <p:nvPr>
             <p:extLst>
               <p:ext uri="{D42A27DB-BD31-4B8C-83A1-F6EECF244321}">
-                <p14:modId xmlns:p14="http://schemas.microsoft.com/office/powerpoint/2010/main" val="419659299"/>
+                <p14:modId xmlns:p14="http://schemas.microsoft.com/office/powerpoint/2010/main" val="2246078885"/>
               </p:ext>
             </p:extLst>
           </p:nvPr>
         </p:nvGraphicFramePr>
         <p:xfrm>
-          <a:off x="8003866" y="480379"/>
+          <a:off x="1119116" y="6412459"/>
           <a:ext cx="4330323" cy="1161091"/>
         </p:xfrm>
         <a:graphic>
@@ -7482,10 +7821,17 @@
                     </a:ext>
                   </a:extLst>
                 </a:gridCol>
-                <a:gridCol w="2456122">
+                <a:gridCol w="882453">
                   <a:extLst>
                     <a:ext uri="{9D8B030D-6E8A-4147-A177-3AD203B41FA5}">
                       <a16:colId xmlns:a16="http://schemas.microsoft.com/office/drawing/2014/main" val="1983927"/>
+                    </a:ext>
+                  </a:extLst>
+                </a:gridCol>
+                <a:gridCol w="1573669">
+                  <a:extLst>
+                    <a:ext uri="{9D8B030D-6E8A-4147-A177-3AD203B41FA5}">
+                      <a16:colId xmlns:a16="http://schemas.microsoft.com/office/drawing/2014/main" val="3273070592"/>
                     </a:ext>
                   </a:extLst>
                 </a:gridCol>
@@ -7498,7 +7844,7 @@
                 </a:gridCol>
               </a:tblGrid>
               <a:tr h="521011">
-                <a:tc gridSpan="2">
+                <a:tc gridSpan="3">
                   <a:txBody>
                     <a:bodyPr/>
                     <a:lstStyle/>
@@ -7558,6 +7904,16 @@
                       </a:schemeClr>
                     </a:solidFill>
                   </a:tcPr>
+                </a:tc>
+                <a:tc hMerge="1">
+                  <a:txBody>
+                    <a:bodyPr/>
+                    <a:lstStyle/>
+                    <a:p>
+                      <a:endParaRPr lang="en-SG"/>
+                    </a:p>
+                  </a:txBody>
+                  <a:tcPr/>
                 </a:tc>
                 <a:tc hMerge="1">
                   <a:txBody>
@@ -7702,10 +8058,7 @@
                       <a:tailEnd type="none" w="med" len="med"/>
                     </a:lnB>
                     <a:solidFill>
-                      <a:schemeClr val="accent6">
-                        <a:lumMod val="20000"/>
-                        <a:lumOff val="80000"/>
-                      </a:schemeClr>
+                      <a:srgbClr val="FDEFFF"/>
                     </a:solidFill>
                   </a:tcPr>
                 </a:tc>
@@ -7716,7 +8069,7 @@
                     <a:p>
                       <a:pPr algn="ctr"/>
                       <a:r>
-                        <a:rPr lang="en-SG" sz="1200" b="0" dirty="0">
+                        <a:rPr lang="en-SG" sz="1200" dirty="0">
                           <a:solidFill>
                             <a:schemeClr val="tx1"/>
                           </a:solidFill>
@@ -7727,12 +8080,86 @@
                     <a:p>
                       <a:pPr algn="ctr"/>
                       <a:r>
+                        <a:rPr lang="en-SG" sz="1200" dirty="0">
+                          <a:solidFill>
+                            <a:schemeClr val="tx1"/>
+                          </a:solidFill>
+                        </a:rPr>
+                        <a:t>Annotation</a:t>
+                      </a:r>
+                    </a:p>
+                  </a:txBody>
+                  <a:tcPr anchor="ctr">
+                    <a:lnL w="12700" cap="flat" cmpd="sng" algn="ctr">
+                      <a:solidFill>
+                        <a:schemeClr val="tx1"/>
+                      </a:solidFill>
+                      <a:prstDash val="solid"/>
+                      <a:round/>
+                      <a:headEnd type="none" w="med" len="med"/>
+                      <a:tailEnd type="none" w="med" len="med"/>
+                    </a:lnL>
+                    <a:lnR w="12700" cap="flat" cmpd="sng" algn="ctr">
+                      <a:solidFill>
+                        <a:schemeClr val="tx1"/>
+                      </a:solidFill>
+                      <a:prstDash val="solid"/>
+                      <a:round/>
+                      <a:headEnd type="none" w="med" len="med"/>
+                      <a:tailEnd type="none" w="med" len="med"/>
+                    </a:lnR>
+                    <a:lnT w="12700" cap="flat" cmpd="sng" algn="ctr">
+                      <a:solidFill>
+                        <a:schemeClr val="tx1"/>
+                      </a:solidFill>
+                      <a:prstDash val="solid"/>
+                      <a:round/>
+                      <a:headEnd type="none" w="med" len="med"/>
+                      <a:tailEnd type="none" w="med" len="med"/>
+                    </a:lnT>
+                    <a:lnB w="12700" cap="flat" cmpd="sng" algn="ctr">
+                      <a:solidFill>
+                        <a:schemeClr val="tx1"/>
+                      </a:solidFill>
+                      <a:prstDash val="solid"/>
+                      <a:round/>
+                      <a:headEnd type="none" w="med" len="med"/>
+                      <a:tailEnd type="none" w="med" len="med"/>
+                    </a:lnB>
+                    <a:solidFill>
+                      <a:srgbClr val="B9FFFF"/>
+                    </a:solidFill>
+                  </a:tcPr>
+                </a:tc>
+                <a:tc>
+                  <a:txBody>
+                    <a:bodyPr/>
+                    <a:lstStyle/>
+                    <a:p>
+                      <a:pPr marL="0" marR="0" lvl="0" indent="0" algn="ctr" defTabSz="914400" rtl="0" eaLnBrk="1" fontAlgn="auto" latinLnBrk="0" hangingPunct="1">
+                        <a:lnSpc>
+                          <a:spcPct val="100000"/>
+                        </a:lnSpc>
+                        <a:spcBef>
+                          <a:spcPts val="0"/>
+                        </a:spcBef>
+                        <a:spcAft>
+                          <a:spcPts val="0"/>
+                        </a:spcAft>
+                        <a:buClrTx/>
+                        <a:buSzTx/>
+                        <a:buFontTx/>
+                        <a:buNone/>
+                        <a:tabLst/>
+                        <a:defRPr/>
+                      </a:pPr>
+                      <a:r>
                         <a:rPr lang="en-SG" sz="1200" b="0" dirty="0">
                           <a:solidFill>
                             <a:schemeClr val="tx1"/>
                           </a:solidFill>
                         </a:rPr>
-                        <a:t>Statistics Summary</a:t>
+                        <a:t>Dilution Statistics Summary</a:t>
                       </a:r>
                     </a:p>
                   </a:txBody>
@@ -7774,7 +8201,7 @@
                       <a:tailEnd type="none" w="med" len="med"/>
                     </a:lnB>
                     <a:solidFill>
-                      <a:schemeClr val="accent6">
+                      <a:schemeClr val="accent4">
                         <a:lumMod val="20000"/>
                         <a:lumOff val="80000"/>
                       </a:schemeClr>
@@ -7846,10 +8273,7 @@
                       <a:tailEnd type="none" w="med" len="med"/>
                     </a:lnB>
                     <a:solidFill>
-                      <a:schemeClr val="accent6">
-                        <a:lumMod val="20000"/>
-                        <a:lumOff val="80000"/>
-                      </a:schemeClr>
+                      <a:srgbClr val="D1FFD1"/>
                     </a:solidFill>
                   </a:tcPr>
                 </a:tc>
@@ -7878,14 +8302,14 @@
           <p:nvPr>
             <p:extLst>
               <p:ext uri="{D42A27DB-BD31-4B8C-83A1-F6EECF244321}">
-                <p14:modId xmlns:p14="http://schemas.microsoft.com/office/powerpoint/2010/main" val="88012152"/>
+                <p14:modId xmlns:p14="http://schemas.microsoft.com/office/powerpoint/2010/main" val="3274511724"/>
               </p:ext>
             </p:extLst>
           </p:nvPr>
         </p:nvGraphicFramePr>
         <p:xfrm>
-          <a:off x="1610803" y="1792665"/>
-          <a:ext cx="3378728" cy="886771"/>
+          <a:off x="7615464" y="872954"/>
+          <a:ext cx="3829936" cy="886771"/>
         </p:xfrm>
         <a:graphic>
           <a:graphicData uri="http://schemas.openxmlformats.org/drawingml/2006/table">
@@ -7894,23 +8318,30 @@
                 <a:tableStyleId>{5C22544A-7EE6-4342-B048-85BDC9FD1C3A}</a:tableStyleId>
               </a:tblPr>
               <a:tblGrid>
-                <a:gridCol w="922606">
+                <a:gridCol w="870857">
                   <a:extLst>
                     <a:ext uri="{9D8B030D-6E8A-4147-A177-3AD203B41FA5}">
                       <a16:colId xmlns:a16="http://schemas.microsoft.com/office/drawing/2014/main" val="3999788392"/>
                     </a:ext>
                   </a:extLst>
                 </a:gridCol>
-                <a:gridCol w="2456122">
+                <a:gridCol w="1047061">
                   <a:extLst>
                     <a:ext uri="{9D8B030D-6E8A-4147-A177-3AD203B41FA5}">
                       <a16:colId xmlns:a16="http://schemas.microsoft.com/office/drawing/2014/main" val="1983927"/>
                     </a:ext>
                   </a:extLst>
                 </a:gridCol>
+                <a:gridCol w="1912018">
+                  <a:extLst>
+                    <a:ext uri="{9D8B030D-6E8A-4147-A177-3AD203B41FA5}">
+                      <a16:colId xmlns:a16="http://schemas.microsoft.com/office/drawing/2014/main" val="1221627271"/>
+                    </a:ext>
+                  </a:extLst>
+                </a:gridCol>
               </a:tblGrid>
               <a:tr h="270034">
-                <a:tc gridSpan="2">
+                <a:tc gridSpan="3">
                   <a:txBody>
                     <a:bodyPr/>
                     <a:lstStyle/>
@@ -7970,6 +8401,16 @@
                       </a:schemeClr>
                     </a:solidFill>
                   </a:tcPr>
+                </a:tc>
+                <a:tc hMerge="1">
+                  <a:txBody>
+                    <a:bodyPr/>
+                    <a:lstStyle/>
+                    <a:p>
+                      <a:endParaRPr lang="en-SG"/>
+                    </a:p>
+                  </a:txBody>
+                  <a:tcPr/>
                 </a:tc>
                 <a:tc hMerge="1">
                   <a:txBody>
@@ -8053,10 +8494,76 @@
                       <a:tailEnd type="none" w="med" len="med"/>
                     </a:lnB>
                     <a:solidFill>
-                      <a:schemeClr val="accent6">
-                        <a:lumMod val="20000"/>
-                        <a:lumOff val="80000"/>
-                      </a:schemeClr>
+                      <a:srgbClr val="FDEFFF"/>
+                    </a:solidFill>
+                  </a:tcPr>
+                </a:tc>
+                <a:tc>
+                  <a:txBody>
+                    <a:bodyPr/>
+                    <a:lstStyle/>
+                    <a:p>
+                      <a:pPr algn="ctr"/>
+                      <a:r>
+                        <a:rPr lang="en-SG" sz="1200" dirty="0">
+                          <a:solidFill>
+                            <a:schemeClr val="tx1"/>
+                          </a:solidFill>
+                        </a:rPr>
+                        <a:t>Dilution</a:t>
+                      </a:r>
+                    </a:p>
+                    <a:p>
+                      <a:pPr algn="ctr"/>
+                      <a:r>
+                        <a:rPr lang="en-SG" sz="1200" dirty="0">
+                          <a:solidFill>
+                            <a:schemeClr val="tx1"/>
+                          </a:solidFill>
+                        </a:rPr>
+                        <a:t>Annotation</a:t>
+                      </a:r>
+                    </a:p>
+                  </a:txBody>
+                  <a:tcPr anchor="ctr">
+                    <a:lnL w="12700" cap="flat" cmpd="sng" algn="ctr">
+                      <a:solidFill>
+                        <a:schemeClr val="tx1"/>
+                      </a:solidFill>
+                      <a:prstDash val="solid"/>
+                      <a:round/>
+                      <a:headEnd type="none" w="med" len="med"/>
+                      <a:tailEnd type="none" w="med" len="med"/>
+                    </a:lnL>
+                    <a:lnR w="12700" cap="flat" cmpd="sng" algn="ctr">
+                      <a:solidFill>
+                        <a:schemeClr val="tx1"/>
+                      </a:solidFill>
+                      <a:prstDash val="solid"/>
+                      <a:round/>
+                      <a:headEnd type="none" w="med" len="med"/>
+                      <a:tailEnd type="none" w="med" len="med"/>
+                    </a:lnR>
+                    <a:lnT w="12700" cap="flat" cmpd="sng" algn="ctr">
+                      <a:solidFill>
+                        <a:schemeClr val="tx1"/>
+                      </a:solidFill>
+                      <a:prstDash val="solid"/>
+                      <a:round/>
+                      <a:headEnd type="none" w="med" len="med"/>
+                      <a:tailEnd type="none" w="med" len="med"/>
+                    </a:lnT>
+                    <a:lnB w="12700" cap="flat" cmpd="sng" algn="ctr">
+                      <a:solidFill>
+                        <a:schemeClr val="tx1"/>
+                      </a:solidFill>
+                      <a:prstDash val="solid"/>
+                      <a:round/>
+                      <a:headEnd type="none" w="med" len="med"/>
+                      <a:tailEnd type="none" w="med" len="med"/>
+                    </a:lnB>
+                    <a:solidFill>
+                      <a:srgbClr val="B9FFFF"/>
                     </a:solidFill>
                   </a:tcPr>
                 </a:tc>
@@ -8072,18 +8579,7 @@
                             <a:schemeClr val="tx1"/>
                           </a:solidFill>
                         </a:rPr>
-                        <a:t>Dilution</a:t>
-                      </a:r>
-                    </a:p>
-                    <a:p>
-                      <a:pPr algn="ctr"/>
-                      <a:r>
-                        <a:rPr lang="en-SG" sz="1200" b="0" dirty="0">
-                          <a:solidFill>
-                            <a:schemeClr val="tx1"/>
-                          </a:solidFill>
-                        </a:rPr>
-                        <a:t>Statistics Summary</a:t>
+                        <a:t>Dilution Statistics Summary</a:t>
                       </a:r>
                     </a:p>
                   </a:txBody>
@@ -8125,7 +8621,7 @@
                       <a:tailEnd type="none" w="med" len="med"/>
                     </a:lnB>
                     <a:solidFill>
-                      <a:schemeClr val="accent6">
+                      <a:schemeClr val="accent4">
                         <a:lumMod val="20000"/>
                         <a:lumOff val="80000"/>
                       </a:schemeClr>
@@ -8157,14 +8653,14 @@
           <p:nvPr>
             <p:extLst>
               <p:ext uri="{D42A27DB-BD31-4B8C-83A1-F6EECF244321}">
-                <p14:modId xmlns:p14="http://schemas.microsoft.com/office/powerpoint/2010/main" val="1075185996"/>
+                <p14:modId xmlns:p14="http://schemas.microsoft.com/office/powerpoint/2010/main" val="820699860"/>
               </p:ext>
             </p:extLst>
           </p:nvPr>
         </p:nvGraphicFramePr>
         <p:xfrm>
-          <a:off x="1610803" y="412488"/>
-          <a:ext cx="3378728" cy="886771"/>
+          <a:off x="7615464" y="-507223"/>
+          <a:ext cx="3829935" cy="886771"/>
         </p:xfrm>
         <a:graphic>
           <a:graphicData uri="http://schemas.openxmlformats.org/drawingml/2006/table">
@@ -8173,28 +8669,28 @@
                 <a:tableStyleId>{5C22544A-7EE6-4342-B048-85BDC9FD1C3A}</a:tableStyleId>
               </a:tblPr>
               <a:tblGrid>
-                <a:gridCol w="778542">
+                <a:gridCol w="882511">
                   <a:extLst>
                     <a:ext uri="{9D8B030D-6E8A-4147-A177-3AD203B41FA5}">
                       <a16:colId xmlns:a16="http://schemas.microsoft.com/office/drawing/2014/main" val="3999788392"/>
                     </a:ext>
                   </a:extLst>
                 </a:gridCol>
-                <a:gridCol w="962771">
+                <a:gridCol w="1044551">
                   <a:extLst>
                     <a:ext uri="{9D8B030D-6E8A-4147-A177-3AD203B41FA5}">
                       <a16:colId xmlns:a16="http://schemas.microsoft.com/office/drawing/2014/main" val="1983927"/>
                     </a:ext>
                   </a:extLst>
                 </a:gridCol>
-                <a:gridCol w="818708">
+                <a:gridCol w="974833">
                   <a:extLst>
                     <a:ext uri="{9D8B030D-6E8A-4147-A177-3AD203B41FA5}">
                       <a16:colId xmlns:a16="http://schemas.microsoft.com/office/drawing/2014/main" val="2006484693"/>
                     </a:ext>
                   </a:extLst>
                 </a:gridCol>
-                <a:gridCol w="818707">
+                <a:gridCol w="928040">
                   <a:extLst>
                     <a:ext uri="{9D8B030D-6E8A-4147-A177-3AD203B41FA5}">
                       <a16:colId xmlns:a16="http://schemas.microsoft.com/office/drawing/2014/main" val="2608636971"/>
@@ -8427,10 +8923,7 @@
                       <a:tailEnd type="none" w="med" len="med"/>
                     </a:lnB>
                     <a:solidFill>
-                      <a:schemeClr val="accent6">
-                        <a:lumMod val="20000"/>
-                        <a:lumOff val="80000"/>
-                      </a:schemeClr>
+                      <a:srgbClr val="B9FFFF"/>
                     </a:solidFill>
                   </a:tcPr>
                 </a:tc>
@@ -8499,10 +8992,7 @@
                       <a:tailEnd type="none" w="med" len="med"/>
                     </a:lnB>
                     <a:solidFill>
-                      <a:schemeClr val="accent6">
-                        <a:lumMod val="20000"/>
-                        <a:lumOff val="80000"/>
-                      </a:schemeClr>
+                      <a:srgbClr val="FDEFFF"/>
                     </a:solidFill>
                   </a:tcPr>
                 </a:tc>
@@ -8576,10 +9066,7 @@
                       <a:tailEnd type="none" w="med" len="med"/>
                     </a:lnB>
                     <a:solidFill>
-                      <a:schemeClr val="accent6">
-                        <a:lumMod val="20000"/>
-                        <a:lumOff val="80000"/>
-                      </a:schemeClr>
+                      <a:schemeClr val="bg1"/>
                     </a:solidFill>
                   </a:tcPr>
                 </a:tc>
@@ -8608,13 +9095,13 @@
           <p:nvPr>
             <p:extLst>
               <p:ext uri="{D42A27DB-BD31-4B8C-83A1-F6EECF244321}">
-                <p14:modId xmlns:p14="http://schemas.microsoft.com/office/powerpoint/2010/main" val="1991207954"/>
+                <p14:modId xmlns:p14="http://schemas.microsoft.com/office/powerpoint/2010/main" val="3075235582"/>
               </p:ext>
             </p:extLst>
           </p:nvPr>
         </p:nvGraphicFramePr>
         <p:xfrm>
-          <a:off x="-3676960" y="409998"/>
+          <a:off x="2023837" y="-554839"/>
           <a:ext cx="2183008" cy="886771"/>
         </p:xfrm>
         <a:graphic>
@@ -8844,10 +9331,7 @@
                       <a:tailEnd type="none" w="med" len="med"/>
                     </a:lnB>
                     <a:solidFill>
-                      <a:schemeClr val="accent6">
-                        <a:lumMod val="20000"/>
-                        <a:lumOff val="80000"/>
-                      </a:schemeClr>
+                      <a:srgbClr val="B9FFFF"/>
                     </a:solidFill>
                   </a:tcPr>
                 </a:tc>
@@ -8876,13 +9360,13 @@
           <p:nvPr>
             <p:extLst>
               <p:ext uri="{D42A27DB-BD31-4B8C-83A1-F6EECF244321}">
-                <p14:modId xmlns:p14="http://schemas.microsoft.com/office/powerpoint/2010/main" val="4055602268"/>
+                <p14:modId xmlns:p14="http://schemas.microsoft.com/office/powerpoint/2010/main" val="540829745"/>
               </p:ext>
             </p:extLst>
           </p:nvPr>
         </p:nvGraphicFramePr>
         <p:xfrm>
-          <a:off x="-3831947" y="1530765"/>
+          <a:off x="1868850" y="565928"/>
           <a:ext cx="2492982" cy="1422409"/>
         </p:xfrm>
         <a:graphic>
@@ -9134,10 +9618,7 @@
                       <a:tailEnd type="none" w="med" len="med"/>
                     </a:lnB>
                     <a:solidFill>
-                      <a:schemeClr val="accent6">
-                        <a:lumMod val="20000"/>
-                        <a:lumOff val="80000"/>
-                      </a:schemeClr>
+                      <a:srgbClr val="FDEFFF"/>
                     </a:solidFill>
                   </a:tcPr>
                 </a:tc>
@@ -9211,10 +9692,7 @@
                       <a:tailEnd type="none" w="med" len="med"/>
                     </a:lnB>
                     <a:solidFill>
-                      <a:schemeClr val="accent6">
-                        <a:lumMod val="20000"/>
-                        <a:lumOff val="80000"/>
-                      </a:schemeClr>
+                      <a:srgbClr val="FDEFFF"/>
                     </a:solidFill>
                   </a:tcPr>
                 </a:tc>
@@ -9353,10 +9831,7 @@
                       <a:tailEnd type="none" w="med" len="med"/>
                     </a:lnB>
                     <a:solidFill>
-                      <a:schemeClr val="accent6">
-                        <a:lumMod val="20000"/>
-                        <a:lumOff val="80000"/>
-                      </a:schemeClr>
+                      <a:schemeClr val="bg1"/>
                     </a:solidFill>
                   </a:tcPr>
                 </a:tc>
@@ -9458,7 +9933,7 @@
         </p:nvSpPr>
         <p:spPr>
           <a:xfrm>
-            <a:off x="-813815" y="574690"/>
+            <a:off x="5366395" y="-411221"/>
             <a:ext cx="2020143" cy="276999"/>
           </a:xfrm>
           <a:prstGeom prst="rect">
@@ -9500,8 +9975,8 @@
         </p:nvCxnSpPr>
         <p:spPr>
           <a:xfrm>
-            <a:off x="3300167" y="1299259"/>
-            <a:ext cx="0" cy="493406"/>
+            <a:off x="9530431" y="379548"/>
+            <a:ext cx="1" cy="493406"/>
           </a:xfrm>
           <a:prstGeom prst="straightConnector1">
             <a:avLst/>
@@ -9542,7 +10017,7 @@
         </p:nvSpPr>
         <p:spPr>
           <a:xfrm>
-            <a:off x="1065144" y="1396840"/>
+            <a:off x="7296534" y="477129"/>
             <a:ext cx="2331408" cy="276999"/>
           </a:xfrm>
           <a:prstGeom prst="rect">
@@ -9583,9 +10058,9 @@
           <p:nvPr/>
         </p:nvCxnSpPr>
         <p:spPr>
-          <a:xfrm flipH="1">
-            <a:off x="3297740" y="2679436"/>
-            <a:ext cx="2427" cy="465672"/>
+          <a:xfrm>
+            <a:off x="9530432" y="1759725"/>
+            <a:ext cx="0" cy="465672"/>
           </a:xfrm>
           <a:prstGeom prst="straightConnector1">
             <a:avLst/>
@@ -9626,7 +10101,7 @@
         </p:nvSpPr>
         <p:spPr>
           <a:xfrm>
-            <a:off x="1558657" y="2735070"/>
+            <a:off x="7790047" y="1844387"/>
             <a:ext cx="1787117" cy="276999"/>
           </a:xfrm>
           <a:prstGeom prst="rect">
@@ -9665,14 +10140,14 @@
           <p:nvPr>
             <p:extLst>
               <p:ext uri="{D42A27DB-BD31-4B8C-83A1-F6EECF244321}">
-                <p14:modId xmlns:p14="http://schemas.microsoft.com/office/powerpoint/2010/main" val="2074773007"/>
+                <p14:modId xmlns:p14="http://schemas.microsoft.com/office/powerpoint/2010/main" val="199003355"/>
               </p:ext>
             </p:extLst>
           </p:nvPr>
         </p:nvGraphicFramePr>
         <p:xfrm>
-          <a:off x="1608376" y="5137123"/>
-          <a:ext cx="3378728" cy="365760"/>
+          <a:off x="12783076" y="4279590"/>
+          <a:ext cx="1051752" cy="365760"/>
         </p:xfrm>
         <a:graphic>
           <a:graphicData uri="http://schemas.openxmlformats.org/drawingml/2006/table">
@@ -9681,7 +10156,7 @@
                 <a:tableStyleId>{5C22544A-7EE6-4342-B048-85BDC9FD1C3A}</a:tableStyleId>
               </a:tblPr>
               <a:tblGrid>
-                <a:gridCol w="3378728">
+                <a:gridCol w="1051752">
                   <a:extLst>
                     <a:ext uri="{9D8B030D-6E8A-4147-A177-3AD203B41FA5}">
                       <a16:colId xmlns:a16="http://schemas.microsoft.com/office/drawing/2014/main" val="3999788392"/>
@@ -9689,7 +10164,7 @@
                   </a:extLst>
                 </a:gridCol>
               </a:tblGrid>
-              <a:tr h="312548">
+              <a:tr h="138663">
                 <a:tc>
                   <a:txBody>
                     <a:bodyPr/>
@@ -9772,20 +10247,19 @@
           </p:cNvPr>
           <p:cNvCxnSpPr>
             <a:cxnSpLocks/>
-            <a:stCxn id="61" idx="1"/>
-            <a:endCxn id="87" idx="0"/>
+            <a:stCxn id="61" idx="3"/>
+            <a:endCxn id="87" idx="1"/>
           </p:cNvCxnSpPr>
           <p:nvPr/>
         </p:nvCxnSpPr>
         <p:spPr>
-          <a:xfrm rot="10800000" flipH="1" flipV="1">
-            <a:off x="1610802" y="2236049"/>
-            <a:ext cx="1686937" cy="2901073"/>
+          <a:xfrm>
+            <a:off x="11445400" y="1316339"/>
+            <a:ext cx="1337676" cy="3146131"/>
           </a:xfrm>
-          <a:prstGeom prst="bentConnector4">
+          <a:prstGeom prst="bentConnector3">
             <a:avLst>
-              <a:gd name="adj1" fmla="val -68616"/>
-              <a:gd name="adj2" fmla="val 67648"/>
+              <a:gd name="adj1" fmla="val 50000"/>
             </a:avLst>
           </a:prstGeom>
           <a:ln>
@@ -9821,20 +10295,19 @@
           </p:cNvPr>
           <p:cNvCxnSpPr>
             <a:cxnSpLocks/>
-            <a:stCxn id="95" idx="1"/>
-            <a:endCxn id="87" idx="0"/>
+            <a:stCxn id="95" idx="3"/>
+            <a:endCxn id="87" idx="1"/>
           </p:cNvCxnSpPr>
           <p:nvPr/>
         </p:nvCxnSpPr>
         <p:spPr>
-          <a:xfrm rot="10800000" flipH="1" flipV="1">
-            <a:off x="1608376" y="3465147"/>
-            <a:ext cx="1689364" cy="1671975"/>
+          <a:xfrm>
+            <a:off x="11445400" y="2623062"/>
+            <a:ext cx="1337676" cy="1839408"/>
           </a:xfrm>
-          <a:prstGeom prst="bentConnector4">
+          <a:prstGeom prst="bentConnector3">
             <a:avLst>
-              <a:gd name="adj1" fmla="val -67659"/>
-              <a:gd name="adj2" fmla="val 43078"/>
+              <a:gd name="adj1" fmla="val 50000"/>
             </a:avLst>
           </a:prstGeom>
           <a:ln>
@@ -9873,7 +10346,7 @@
         </p:nvSpPr>
         <p:spPr>
           <a:xfrm>
-            <a:off x="1510622" y="4215183"/>
+            <a:off x="12114073" y="3177020"/>
             <a:ext cx="1787117" cy="276999"/>
           </a:xfrm>
           <a:prstGeom prst="rect">
@@ -9911,7 +10384,7 @@
         </p:nvSpPr>
         <p:spPr>
           <a:xfrm>
-            <a:off x="6416957" y="2853907"/>
+            <a:off x="-632313" y="4722772"/>
             <a:ext cx="1548809" cy="276999"/>
           </a:xfrm>
           <a:prstGeom prst="rect">
@@ -9949,7 +10422,7 @@
         </p:nvSpPr>
         <p:spPr>
           <a:xfrm>
-            <a:off x="6455057" y="647910"/>
+            <a:off x="-646828" y="6724940"/>
             <a:ext cx="1548809" cy="276999"/>
           </a:xfrm>
           <a:prstGeom prst="rect">
@@ -9988,14 +10461,14 @@
           <p:nvPr>
             <p:extLst>
               <p:ext uri="{D42A27DB-BD31-4B8C-83A1-F6EECF244321}">
-                <p14:modId xmlns:p14="http://schemas.microsoft.com/office/powerpoint/2010/main" val="811999985"/>
+                <p14:modId xmlns:p14="http://schemas.microsoft.com/office/powerpoint/2010/main" val="727922768"/>
               </p:ext>
             </p:extLst>
           </p:nvPr>
         </p:nvGraphicFramePr>
         <p:xfrm>
-          <a:off x="7948780" y="5124953"/>
-          <a:ext cx="4294745" cy="365760"/>
+          <a:off x="12838904" y="4856807"/>
+          <a:ext cx="945124" cy="365760"/>
         </p:xfrm>
         <a:graphic>
           <a:graphicData uri="http://schemas.openxmlformats.org/drawingml/2006/table">
@@ -10004,7 +10477,7 @@
                 <a:tableStyleId>{5C22544A-7EE6-4342-B048-85BDC9FD1C3A}</a:tableStyleId>
               </a:tblPr>
               <a:tblGrid>
-                <a:gridCol w="4294745">
+                <a:gridCol w="945124">
                   <a:extLst>
                     <a:ext uri="{9D8B030D-6E8A-4147-A177-3AD203B41FA5}">
                       <a16:colId xmlns:a16="http://schemas.microsoft.com/office/drawing/2014/main" val="3999788392"/>
@@ -10098,7 +10571,7 @@
         </p:nvSpPr>
         <p:spPr>
           <a:xfrm>
-            <a:off x="8381910" y="4255099"/>
+            <a:off x="10098602" y="4756065"/>
             <a:ext cx="1787117" cy="276999"/>
           </a:xfrm>
           <a:prstGeom prst="rect">
@@ -10133,15 +10606,15 @@
           </p:cNvPr>
           <p:cNvCxnSpPr>
             <a:cxnSpLocks/>
-            <a:stCxn id="59" idx="2"/>
-            <a:endCxn id="158" idx="0"/>
+            <a:stCxn id="59" idx="3"/>
+            <a:endCxn id="158" idx="1"/>
           </p:cNvCxnSpPr>
           <p:nvPr/>
         </p:nvCxnSpPr>
         <p:spPr>
-          <a:xfrm flipH="1">
-            <a:off x="10096152" y="3308125"/>
-            <a:ext cx="18247" cy="1816828"/>
+          <a:xfrm>
+            <a:off x="5454858" y="5036059"/>
+            <a:ext cx="7384046" cy="3628"/>
           </a:xfrm>
           <a:prstGeom prst="straightConnector1">
             <a:avLst/>
@@ -10183,13 +10656,13 @@
           <p:nvPr>
             <p:extLst>
               <p:ext uri="{D42A27DB-BD31-4B8C-83A1-F6EECF244321}">
-                <p14:modId xmlns:p14="http://schemas.microsoft.com/office/powerpoint/2010/main" val="2357704444"/>
+                <p14:modId xmlns:p14="http://schemas.microsoft.com/office/powerpoint/2010/main" val="4071151948"/>
               </p:ext>
             </p:extLst>
           </p:nvPr>
         </p:nvGraphicFramePr>
         <p:xfrm>
-          <a:off x="13697327" y="429397"/>
+          <a:off x="7175435" y="6361477"/>
           <a:ext cx="4330323" cy="1266449"/>
         </p:xfrm>
         <a:graphic>
@@ -10199,21 +10672,28 @@
                 <a:tableStyleId>{5C22544A-7EE6-4342-B048-85BDC9FD1C3A}</a:tableStyleId>
               </a:tblPr>
               <a:tblGrid>
-                <a:gridCol w="1433356">
+                <a:gridCol w="844615">
                   <a:extLst>
                     <a:ext uri="{9D8B030D-6E8A-4147-A177-3AD203B41FA5}">
                       <a16:colId xmlns:a16="http://schemas.microsoft.com/office/drawing/2014/main" val="3999788392"/>
                     </a:ext>
                   </a:extLst>
                 </a:gridCol>
-                <a:gridCol w="1951694">
+                <a:gridCol w="914400">
+                  <a:extLst>
+                    <a:ext uri="{9D8B030D-6E8A-4147-A177-3AD203B41FA5}">
+                      <a16:colId xmlns:a16="http://schemas.microsoft.com/office/drawing/2014/main" val="694209082"/>
+                    </a:ext>
+                  </a:extLst>
+                </a:gridCol>
+                <a:gridCol w="1727200">
                   <a:extLst>
                     <a:ext uri="{9D8B030D-6E8A-4147-A177-3AD203B41FA5}">
                       <a16:colId xmlns:a16="http://schemas.microsoft.com/office/drawing/2014/main" val="1361737304"/>
                     </a:ext>
                   </a:extLst>
                 </a:gridCol>
-                <a:gridCol w="945273">
+                <a:gridCol w="844108">
                   <a:extLst>
                     <a:ext uri="{9D8B030D-6E8A-4147-A177-3AD203B41FA5}">
                       <a16:colId xmlns:a16="http://schemas.microsoft.com/office/drawing/2014/main" val="3930359769"/>
@@ -10222,7 +10702,7 @@
                 </a:gridCol>
               </a:tblGrid>
               <a:tr h="315002">
-                <a:tc gridSpan="3">
+                <a:tc gridSpan="4">
                   <a:txBody>
                     <a:bodyPr/>
                     <a:lstStyle/>
@@ -10282,6 +10762,16 @@
                       </a:schemeClr>
                     </a:solidFill>
                   </a:tcPr>
+                </a:tc>
+                <a:tc hMerge="1">
+                  <a:txBody>
+                    <a:bodyPr/>
+                    <a:lstStyle/>
+                    <a:p>
+                      <a:endParaRPr lang="en-SG"/>
+                    </a:p>
+                  </a:txBody>
+                  <a:tcPr/>
                 </a:tc>
                 <a:tc hMerge="1">
                   <a:txBody>
@@ -10422,7 +10912,7 @@
                 </a:extLst>
               </a:tr>
               <a:tr h="315002">
-                <a:tc>
+                <a:tc gridSpan="2">
                   <a:txBody>
                     <a:bodyPr/>
                     <a:lstStyle/>
@@ -10482,6 +10972,16 @@
                       </a:schemeClr>
                     </a:solidFill>
                   </a:tcPr>
+                </a:tc>
+                <a:tc hMerge="1">
+                  <a:txBody>
+                    <a:bodyPr/>
+                    <a:lstStyle/>
+                    <a:p>
+                      <a:endParaRPr lang="en-SG"/>
+                    </a:p>
+                  </a:txBody>
+                  <a:tcPr/>
                 </a:tc>
                 <a:tc>
                   <a:txBody>
@@ -10640,7 +11140,18 @@
                             <a:schemeClr val="tx1"/>
                           </a:solidFill>
                         </a:rPr>
-                        <a:t>Transition Name</a:t>
+                        <a:t>Transition </a:t>
+                      </a:r>
+                    </a:p>
+                    <a:p>
+                      <a:pPr algn="ctr"/>
+                      <a:r>
+                        <a:rPr lang="en-SG" sz="1200" b="0" dirty="0">
+                          <a:solidFill>
+                            <a:schemeClr val="tx1"/>
+                          </a:solidFill>
+                        </a:rPr>
+                        <a:t>Name</a:t>
                       </a:r>
                     </a:p>
                   </a:txBody>
@@ -10682,10 +11193,76 @@
                       <a:tailEnd type="none" w="med" len="med"/>
                     </a:lnB>
                     <a:solidFill>
-                      <a:schemeClr val="accent6">
-                        <a:lumMod val="20000"/>
-                        <a:lumOff val="80000"/>
-                      </a:schemeClr>
+                      <a:srgbClr val="FDEFFF"/>
+                    </a:solidFill>
+                  </a:tcPr>
+                </a:tc>
+                <a:tc>
+                  <a:txBody>
+                    <a:bodyPr/>
+                    <a:lstStyle/>
+                    <a:p>
+                      <a:pPr algn="ctr"/>
+                      <a:r>
+                        <a:rPr lang="en-SG" sz="1200" dirty="0">
+                          <a:solidFill>
+                            <a:schemeClr val="tx1"/>
+                          </a:solidFill>
+                        </a:rPr>
+                        <a:t>Dilution</a:t>
+                      </a:r>
+                    </a:p>
+                    <a:p>
+                      <a:pPr algn="ctr"/>
+                      <a:r>
+                        <a:rPr lang="en-SG" sz="1200" dirty="0">
+                          <a:solidFill>
+                            <a:schemeClr val="tx1"/>
+                          </a:solidFill>
+                        </a:rPr>
+                        <a:t>Annotation</a:t>
+                      </a:r>
+                    </a:p>
+                  </a:txBody>
+                  <a:tcPr anchor="ctr">
+                    <a:lnL w="12700" cap="flat" cmpd="sng" algn="ctr">
+                      <a:solidFill>
+                        <a:schemeClr val="tx1"/>
+                      </a:solidFill>
+                      <a:prstDash val="solid"/>
+                      <a:round/>
+                      <a:headEnd type="none" w="med" len="med"/>
+                      <a:tailEnd type="none" w="med" len="med"/>
+                    </a:lnL>
+                    <a:lnR w="12700" cap="flat" cmpd="sng" algn="ctr">
+                      <a:solidFill>
+                        <a:schemeClr val="tx1"/>
+                      </a:solidFill>
+                      <a:prstDash val="solid"/>
+                      <a:round/>
+                      <a:headEnd type="none" w="med" len="med"/>
+                      <a:tailEnd type="none" w="med" len="med"/>
+                    </a:lnR>
+                    <a:lnT w="12700" cap="flat" cmpd="sng" algn="ctr">
+                      <a:solidFill>
+                        <a:schemeClr val="tx1"/>
+                      </a:solidFill>
+                      <a:prstDash val="solid"/>
+                      <a:round/>
+                      <a:headEnd type="none" w="med" len="med"/>
+                      <a:tailEnd type="none" w="med" len="med"/>
+                    </a:lnT>
+                    <a:lnB w="12700" cap="flat" cmpd="sng" algn="ctr">
+                      <a:solidFill>
+                        <a:schemeClr val="tx1"/>
+                      </a:solidFill>
+                      <a:prstDash val="solid"/>
+                      <a:round/>
+                      <a:headEnd type="none" w="med" len="med"/>
+                      <a:tailEnd type="none" w="med" len="med"/>
+                    </a:lnB>
+                    <a:solidFill>
+                      <a:srgbClr val="B9FFFF"/>
                     </a:solidFill>
                   </a:tcPr>
                 </a:tc>
@@ -10701,7 +11278,7 @@
                             <a:schemeClr val="tx1"/>
                           </a:solidFill>
                         </a:rPr>
-                        <a:t>Dilution</a:t>
+                        <a:t>Dilution Statistics </a:t>
                       </a:r>
                     </a:p>
                     <a:p>
@@ -10712,7 +11289,7 @@
                             <a:schemeClr val="tx1"/>
                           </a:solidFill>
                         </a:rPr>
-                        <a:t>Statistics Summary</a:t>
+                        <a:t>Summary</a:t>
                       </a:r>
                       <a:endParaRPr lang="en-SG" dirty="0"/>
                     </a:p>
@@ -10755,7 +11332,7 @@
                       <a:tailEnd type="none" w="med" len="med"/>
                     </a:lnB>
                     <a:solidFill>
-                      <a:schemeClr val="accent6">
+                      <a:schemeClr val="accent4">
                         <a:lumMod val="20000"/>
                         <a:lumOff val="80000"/>
                       </a:schemeClr>
@@ -10816,10 +11393,7 @@
                       <a:tailEnd type="none" w="med" len="med"/>
                     </a:lnB>
                     <a:solidFill>
-                      <a:schemeClr val="accent6">
-                        <a:lumMod val="20000"/>
-                        <a:lumOff val="80000"/>
-                      </a:schemeClr>
+                      <a:srgbClr val="D1FFD1"/>
                     </a:solidFill>
                   </a:tcPr>
                 </a:tc>
@@ -10847,7 +11421,7 @@
         </p:nvSpPr>
         <p:spPr>
           <a:xfrm>
-            <a:off x="12228931" y="724249"/>
+            <a:off x="5880683" y="5386050"/>
             <a:ext cx="1548809" cy="276999"/>
           </a:xfrm>
           <a:prstGeom prst="rect">
@@ -10886,14 +11460,14 @@
           <p:nvPr>
             <p:extLst>
               <p:ext uri="{D42A27DB-BD31-4B8C-83A1-F6EECF244321}">
-                <p14:modId xmlns:p14="http://schemas.microsoft.com/office/powerpoint/2010/main" val="2580884384"/>
+                <p14:modId xmlns:p14="http://schemas.microsoft.com/office/powerpoint/2010/main" val="3746587814"/>
               </p:ext>
             </p:extLst>
           </p:nvPr>
         </p:nvGraphicFramePr>
         <p:xfrm>
-          <a:off x="14203223" y="5124953"/>
-          <a:ext cx="3370210" cy="365760"/>
+          <a:off x="12612007" y="5465401"/>
+          <a:ext cx="1384300" cy="365760"/>
         </p:xfrm>
         <a:graphic>
           <a:graphicData uri="http://schemas.openxmlformats.org/drawingml/2006/table">
@@ -10902,7 +11476,7 @@
                 <a:tableStyleId>{5C22544A-7EE6-4342-B048-85BDC9FD1C3A}</a:tableStyleId>
               </a:tblPr>
               <a:tblGrid>
-                <a:gridCol w="3370210">
+                <a:gridCol w="1384300">
                   <a:extLst>
                     <a:ext uri="{9D8B030D-6E8A-4147-A177-3AD203B41FA5}">
                       <a16:colId xmlns:a16="http://schemas.microsoft.com/office/drawing/2014/main" val="3999788392"/>
@@ -10982,52 +11556,6 @@
           </a:graphicData>
         </a:graphic>
       </p:graphicFrame>
-      <p:cxnSp>
-        <p:nvCxnSpPr>
-          <p:cNvPr id="193" name="Straight Arrow Connector 192">
-            <a:extLst>
-              <a:ext uri="{FF2B5EF4-FFF2-40B4-BE49-F238E27FC236}">
-                <a16:creationId xmlns:a16="http://schemas.microsoft.com/office/drawing/2014/main" id="{FC3D1545-4BC5-405F-B93C-CC189610DD80}"/>
-              </a:ext>
-            </a:extLst>
-          </p:cNvPr>
-          <p:cNvCxnSpPr>
-            <a:cxnSpLocks/>
-            <a:stCxn id="168" idx="2"/>
-            <a:endCxn id="170" idx="0"/>
-          </p:cNvCxnSpPr>
-          <p:nvPr/>
-        </p:nvCxnSpPr>
-        <p:spPr>
-          <a:xfrm>
-            <a:off x="15862488" y="1695846"/>
-            <a:ext cx="25840" cy="3429107"/>
-          </a:xfrm>
-          <a:prstGeom prst="straightConnector1">
-            <a:avLst/>
-          </a:prstGeom>
-          <a:ln w="12700">
-            <a:solidFill>
-              <a:schemeClr val="tx1"/>
-            </a:solidFill>
-            <a:tailEnd type="triangle"/>
-          </a:ln>
-        </p:spPr>
-        <p:style>
-          <a:lnRef idx="1">
-            <a:schemeClr val="accent1"/>
-          </a:lnRef>
-          <a:fillRef idx="0">
-            <a:schemeClr val="accent1"/>
-          </a:fillRef>
-          <a:effectRef idx="0">
-            <a:schemeClr val="accent1"/>
-          </a:effectRef>
-          <a:fontRef idx="minor">
-            <a:schemeClr val="tx1"/>
-          </a:fontRef>
-        </p:style>
-      </p:cxnSp>
       <p:sp>
         <p:nvSpPr>
           <p:cNvPr id="196" name="TextBox 195">
@@ -11042,7 +11570,7 @@
         </p:nvSpPr>
         <p:spPr>
           <a:xfrm>
-            <a:off x="14169175" y="4300790"/>
+            <a:off x="11631300" y="6731904"/>
             <a:ext cx="1787117" cy="276999"/>
           </a:xfrm>
           <a:prstGeom prst="rect">
@@ -11084,12 +11612,12 @@
         </p:nvCxnSpPr>
         <p:spPr>
           <a:xfrm flipV="1">
-            <a:off x="-1062888" y="855873"/>
-            <a:ext cx="2673691" cy="662032"/>
+            <a:off x="5183396" y="-63838"/>
+            <a:ext cx="2432068" cy="634919"/>
           </a:xfrm>
           <a:prstGeom prst="bentConnector3">
             <a:avLst>
-              <a:gd name="adj1" fmla="val 6572"/>
+              <a:gd name="adj1" fmla="val 50000"/>
             </a:avLst>
           </a:prstGeom>
           <a:ln>
@@ -11125,19 +11653,20 @@
           </p:cNvPr>
           <p:cNvCxnSpPr>
             <a:cxnSpLocks/>
-            <a:stCxn id="346" idx="3"/>
-            <a:endCxn id="60" idx="1"/>
+            <a:stCxn id="346" idx="2"/>
+            <a:endCxn id="59" idx="1"/>
           </p:cNvCxnSpPr>
           <p:nvPr/>
         </p:nvCxnSpPr>
         <p:spPr>
-          <a:xfrm flipV="1">
-            <a:off x="5202445" y="1060924"/>
-            <a:ext cx="2801421" cy="781995"/>
+          <a:xfrm rot="5400000">
+            <a:off x="4388062" y="-130650"/>
+            <a:ext cx="1903182" cy="8430236"/>
           </a:xfrm>
-          <a:prstGeom prst="bentConnector3">
+          <a:prstGeom prst="bentConnector4">
             <a:avLst>
-              <a:gd name="adj1" fmla="val 50000"/>
+              <a:gd name="adj1" fmla="val 9390"/>
+              <a:gd name="adj2" fmla="val 121543"/>
             </a:avLst>
           </a:prstGeom>
           <a:ln>
@@ -11173,19 +11702,20 @@
           </p:cNvPr>
           <p:cNvCxnSpPr>
             <a:cxnSpLocks/>
-            <a:stCxn id="346" idx="3"/>
-            <a:endCxn id="59" idx="1"/>
+            <a:stCxn id="346" idx="2"/>
+            <a:endCxn id="60" idx="1"/>
           </p:cNvCxnSpPr>
           <p:nvPr/>
         </p:nvCxnSpPr>
         <p:spPr>
-          <a:xfrm>
-            <a:off x="5202445" y="1842919"/>
-            <a:ext cx="2746793" cy="884660"/>
+          <a:xfrm rot="5400000">
+            <a:off x="3406881" y="845113"/>
+            <a:ext cx="3860127" cy="8435655"/>
           </a:xfrm>
-          <a:prstGeom prst="bentConnector3">
+          <a:prstGeom prst="bentConnector4">
             <a:avLst>
-              <a:gd name="adj1" fmla="val 50000"/>
+              <a:gd name="adj1" fmla="val 4644"/>
+              <a:gd name="adj2" fmla="val 121529"/>
             </a:avLst>
           </a:prstGeom>
           <a:ln>
@@ -11228,8 +11758,8 @@
         </p:nvCxnSpPr>
         <p:spPr>
           <a:xfrm>
-            <a:off x="12334189" y="1060924"/>
-            <a:ext cx="1363138" cy="1697"/>
+            <a:off x="5449439" y="6993004"/>
+            <a:ext cx="1725996" cy="1697"/>
           </a:xfrm>
           <a:prstGeom prst="bentConnector3">
             <a:avLst>
@@ -11258,12 +11788,96 @@
           </a:fontRef>
         </p:style>
       </p:cxnSp>
+      <p:sp>
+        <p:nvSpPr>
+          <p:cNvPr id="112" name="TextBox 111">
+            <a:extLst>
+              <a:ext uri="{FF2B5EF4-FFF2-40B4-BE49-F238E27FC236}">
+                <a16:creationId xmlns:a16="http://schemas.microsoft.com/office/drawing/2014/main" id="{65DB2816-446F-4AAB-938A-190A9F29D927}"/>
+              </a:ext>
+            </a:extLst>
+          </p:cNvPr>
+          <p:cNvSpPr txBox="1"/>
+          <p:nvPr/>
+        </p:nvSpPr>
+        <p:spPr>
+          <a:xfrm>
+            <a:off x="5453057" y="6721885"/>
+            <a:ext cx="1548809" cy="276999"/>
+          </a:xfrm>
+          <a:prstGeom prst="rect">
+            <a:avLst/>
+          </a:prstGeom>
+          <a:noFill/>
+        </p:spPr>
+        <p:txBody>
+          <a:bodyPr wrap="square" rtlCol="0">
+            <a:spAutoFit/>
+          </a:bodyPr>
+          <a:lstStyle/>
+          <a:p>
+            <a:pPr algn="ctr"/>
+            <a:r>
+              <a:rPr lang="en-SG" sz="1200" dirty="0">
+                <a:latin typeface="Consolas" panose="020B0609020204030204" pitchFamily="49" charset="0"/>
+              </a:rPr>
+              <a:t>convert_to_cog</a:t>
+            </a:r>
+          </a:p>
+        </p:txBody>
+      </p:sp>
       <p:cxnSp>
         <p:nvCxnSpPr>
-          <p:cNvPr id="271" name="Connector: Elbow 270">
+          <p:cNvPr id="126" name="Connector: Elbow 125">
             <a:extLst>
               <a:ext uri="{FF2B5EF4-FFF2-40B4-BE49-F238E27FC236}">
-                <a16:creationId xmlns:a16="http://schemas.microsoft.com/office/drawing/2014/main" id="{6A0E3119-F004-4AD1-B939-E1CE867C8980}"/>
+                <a16:creationId xmlns:a16="http://schemas.microsoft.com/office/drawing/2014/main" id="{1A0516C4-A767-4954-8ADF-42DDA5CFB6EA}"/>
+              </a:ext>
+            </a:extLst>
+          </p:cNvPr>
+          <p:cNvCxnSpPr>
+            <a:cxnSpLocks/>
+            <a:stCxn id="168" idx="3"/>
+            <a:endCxn id="170" idx="2"/>
+          </p:cNvCxnSpPr>
+          <p:nvPr/>
+        </p:nvCxnSpPr>
+        <p:spPr>
+          <a:xfrm flipV="1">
+            <a:off x="11505758" y="5831161"/>
+            <a:ext cx="1798399" cy="1163540"/>
+          </a:xfrm>
+          <a:prstGeom prst="bentConnector2">
+            <a:avLst/>
+          </a:prstGeom>
+          <a:ln>
+            <a:solidFill>
+              <a:schemeClr val="tx1"/>
+            </a:solidFill>
+            <a:tailEnd type="triangle"/>
+          </a:ln>
+        </p:spPr>
+        <p:style>
+          <a:lnRef idx="1">
+            <a:schemeClr val="accent1"/>
+          </a:lnRef>
+          <a:fillRef idx="0">
+            <a:schemeClr val="accent1"/>
+          </a:fillRef>
+          <a:effectRef idx="0">
+            <a:schemeClr val="accent1"/>
+          </a:effectRef>
+          <a:fontRef idx="minor">
+            <a:schemeClr val="tx1"/>
+          </a:fontRef>
+        </p:style>
+      </p:cxnSp>
+      <p:cxnSp>
+        <p:nvCxnSpPr>
+          <p:cNvPr id="172" name="Straight Arrow Connector 171">
+            <a:extLst>
+              <a:ext uri="{FF2B5EF4-FFF2-40B4-BE49-F238E27FC236}">
+                <a16:creationId xmlns:a16="http://schemas.microsoft.com/office/drawing/2014/main" id="{836F1667-E92D-44F4-8072-3C4AFED861BE}"/>
               </a:ext>
             </a:extLst>
           </p:cNvPr>
@@ -11275,16 +11889,14 @@
           <p:nvPr/>
         </p:nvCxnSpPr>
         <p:spPr>
-          <a:xfrm flipV="1">
-            <a:off x="12279561" y="1062621"/>
-            <a:ext cx="1417766" cy="1664958"/>
+          <a:xfrm>
+            <a:off x="5454858" y="5036059"/>
+            <a:ext cx="1720577" cy="1958642"/>
           </a:xfrm>
-          <a:prstGeom prst="bentConnector3">
-            <a:avLst>
-              <a:gd name="adj1" fmla="val 50000"/>
-            </a:avLst>
+          <a:prstGeom prst="straightConnector1">
+            <a:avLst/>
           </a:prstGeom>
-          <a:ln>
+          <a:ln w="12700">
             <a:solidFill>
               <a:schemeClr val="tx1"/>
             </a:solidFill>
@@ -11336,5486 +11948,36 @@
           <a:chExt cx="0" cy="0"/>
         </a:xfrm>
       </p:grpSpPr>
-      <p:graphicFrame>
-        <p:nvGraphicFramePr>
-          <p:cNvPr id="38" name="Table 37">
+      <p:pic>
+        <p:nvPicPr>
+          <p:cNvPr id="2" name="Picture 1">
             <a:extLst>
               <a:ext uri="{FF2B5EF4-FFF2-40B4-BE49-F238E27FC236}">
-                <a16:creationId xmlns:a16="http://schemas.microsoft.com/office/drawing/2014/main" id="{83D9AE4A-018B-44CB-AF55-9BE33CC97483}"/>
+                <a16:creationId xmlns:a16="http://schemas.microsoft.com/office/drawing/2014/main" id="{0EE9F1D8-D01E-44D5-8DDA-124AF23ED993}"/>
               </a:ext>
             </a:extLst>
           </p:cNvPr>
-          <p:cNvGraphicFramePr>
-            <a:graphicFrameLocks noGrp="1"/>
-          </p:cNvGraphicFramePr>
-          <p:nvPr>
-            <p:extLst>
-              <p:ext uri="{D42A27DB-BD31-4B8C-83A1-F6EECF244321}">
-                <p14:modId xmlns:p14="http://schemas.microsoft.com/office/powerpoint/2010/main" val="2835250605"/>
-              </p:ext>
-            </p:extLst>
-          </p:nvPr>
-        </p:nvGraphicFramePr>
-        <p:xfrm>
-          <a:off x="1155148" y="-233018"/>
-          <a:ext cx="4047297" cy="4151875"/>
-        </p:xfrm>
-        <a:graphic>
-          <a:graphicData uri="http://schemas.openxmlformats.org/drawingml/2006/table">
-            <a:tbl>
-              <a:tblPr firstRow="1" bandRow="1">
-                <a:tableStyleId>{5C22544A-7EE6-4342-B048-85BDC9FD1C3A}</a:tableStyleId>
-              </a:tblPr>
-              <a:tblGrid>
-                <a:gridCol w="4047297">
-                  <a:extLst>
-                    <a:ext uri="{9D8B030D-6E8A-4147-A177-3AD203B41FA5}">
-                      <a16:colId xmlns:a16="http://schemas.microsoft.com/office/drawing/2014/main" val="3622296383"/>
-                    </a:ext>
-                  </a:extLst>
-                </a:gridCol>
-              </a:tblGrid>
-              <a:tr h="443899">
-                <a:tc>
-                  <a:txBody>
-                    <a:bodyPr/>
-                    <a:lstStyle/>
-                    <a:p>
-                      <a:r>
-                        <a:rPr lang="en-SG" b="0" dirty="0">
-                          <a:solidFill>
-                            <a:schemeClr val="tx1"/>
-                          </a:solidFill>
-                        </a:rPr>
-                        <a:t>Calculation</a:t>
-                      </a:r>
-                    </a:p>
-                  </a:txBody>
-                  <a:tcPr anchor="ctr">
-                    <a:lnL w="12700" cap="flat" cmpd="sng" algn="ctr">
-                      <a:solidFill>
-                        <a:schemeClr val="tx1"/>
-                      </a:solidFill>
-                      <a:prstDash val="solid"/>
-                      <a:round/>
-                      <a:headEnd type="none" w="med" len="med"/>
-                      <a:tailEnd type="none" w="med" len="med"/>
-                    </a:lnL>
-                    <a:lnR w="12700" cap="flat" cmpd="sng" algn="ctr">
-                      <a:solidFill>
-                        <a:schemeClr val="tx1"/>
-                      </a:solidFill>
-                      <a:prstDash val="solid"/>
-                      <a:round/>
-                      <a:headEnd type="none" w="med" len="med"/>
-                      <a:tailEnd type="none" w="med" len="med"/>
-                    </a:lnR>
-                    <a:lnT w="12700" cap="flat" cmpd="sng" algn="ctr">
-                      <a:solidFill>
-                        <a:schemeClr val="tx1"/>
-                      </a:solidFill>
-                      <a:prstDash val="solid"/>
-                      <a:round/>
-                      <a:headEnd type="none" w="med" len="med"/>
-                      <a:tailEnd type="none" w="med" len="med"/>
-                    </a:lnT>
-                    <a:lnB w="12700" cap="flat" cmpd="sng" algn="ctr">
-                      <a:solidFill>
-                        <a:schemeClr val="tx1"/>
-                      </a:solidFill>
-                      <a:prstDash val="solid"/>
-                      <a:round/>
-                      <a:headEnd type="none" w="med" len="med"/>
-                      <a:tailEnd type="none" w="med" len="med"/>
-                    </a:lnB>
-                    <a:solidFill>
-                      <a:schemeClr val="accent2">
-                        <a:lumMod val="60000"/>
-                        <a:lumOff val="40000"/>
-                      </a:schemeClr>
-                    </a:solidFill>
-                  </a:tcPr>
-                </a:tc>
-                <a:extLst>
-                  <a:ext uri="{0D108BD9-81ED-4DB2-BD59-A6C34878D82A}">
-                    <a16:rowId xmlns:a16="http://schemas.microsoft.com/office/drawing/2014/main" val="1687853998"/>
-                  </a:ext>
-                </a:extLst>
-              </a:tr>
-              <a:tr h="3707976">
-                <a:tc>
-                  <a:txBody>
-                    <a:bodyPr/>
-                    <a:lstStyle/>
-                    <a:p>
-                      <a:endParaRPr lang="en-SG" dirty="0"/>
-                    </a:p>
-                  </a:txBody>
-                  <a:tcPr>
-                    <a:lnL w="12700" cap="flat" cmpd="sng" algn="ctr">
-                      <a:solidFill>
-                        <a:schemeClr val="tx1"/>
-                      </a:solidFill>
-                      <a:prstDash val="solid"/>
-                      <a:round/>
-                      <a:headEnd type="none" w="med" len="med"/>
-                      <a:tailEnd type="none" w="med" len="med"/>
-                    </a:lnL>
-                    <a:lnR w="12700" cap="flat" cmpd="sng" algn="ctr">
-                      <a:solidFill>
-                        <a:schemeClr val="tx1"/>
-                      </a:solidFill>
-                      <a:prstDash val="solid"/>
-                      <a:round/>
-                      <a:headEnd type="none" w="med" len="med"/>
-                      <a:tailEnd type="none" w="med" len="med"/>
-                    </a:lnR>
-                    <a:lnT w="12700" cap="flat" cmpd="sng" algn="ctr">
-                      <a:solidFill>
-                        <a:schemeClr val="tx1"/>
-                      </a:solidFill>
-                      <a:prstDash val="solid"/>
-                      <a:round/>
-                      <a:headEnd type="none" w="med" len="med"/>
-                      <a:tailEnd type="none" w="med" len="med"/>
-                    </a:lnT>
-                    <a:lnB w="12700" cap="flat" cmpd="sng" algn="ctr">
-                      <a:solidFill>
-                        <a:schemeClr val="tx1"/>
-                      </a:solidFill>
-                      <a:prstDash val="solid"/>
-                      <a:round/>
-                      <a:headEnd type="none" w="med" len="med"/>
-                      <a:tailEnd type="none" w="med" len="med"/>
-                    </a:lnB>
-                    <a:solidFill>
-                      <a:srgbClr val="FEF6F0"/>
-                    </a:solidFill>
-                  </a:tcPr>
-                </a:tc>
-                <a:extLst>
-                  <a:ext uri="{0D108BD9-81ED-4DB2-BD59-A6C34878D82A}">
-                    <a16:rowId xmlns:a16="http://schemas.microsoft.com/office/drawing/2014/main" val="1142288770"/>
-                  </a:ext>
-                </a:extLst>
-              </a:tr>
-            </a:tbl>
-          </a:graphicData>
-        </a:graphic>
-      </p:graphicFrame>
-      <p:graphicFrame>
-        <p:nvGraphicFramePr>
-          <p:cNvPr id="39" name="Table 38">
-            <a:extLst>
-              <a:ext uri="{FF2B5EF4-FFF2-40B4-BE49-F238E27FC236}">
-                <a16:creationId xmlns:a16="http://schemas.microsoft.com/office/drawing/2014/main" id="{6BDD77A3-3165-4662-873E-423782E513DB}"/>
-              </a:ext>
-            </a:extLst>
-          </p:cNvPr>
-          <p:cNvGraphicFramePr>
-            <a:graphicFrameLocks noGrp="1"/>
-          </p:cNvGraphicFramePr>
-          <p:nvPr>
-            <p:extLst>
-              <p:ext uri="{D42A27DB-BD31-4B8C-83A1-F6EECF244321}">
-                <p14:modId xmlns:p14="http://schemas.microsoft.com/office/powerpoint/2010/main" val="1475389548"/>
-              </p:ext>
-            </p:extLst>
-          </p:nvPr>
-        </p:nvGraphicFramePr>
-        <p:xfrm>
-          <a:off x="5614586" y="-247532"/>
-          <a:ext cx="12681447" cy="4166389"/>
-        </p:xfrm>
-        <a:graphic>
-          <a:graphicData uri="http://schemas.openxmlformats.org/drawingml/2006/table">
-            <a:tbl>
-              <a:tblPr firstRow="1" bandRow="1">
-                <a:tableStyleId>{5C22544A-7EE6-4342-B048-85BDC9FD1C3A}</a:tableStyleId>
-              </a:tblPr>
-              <a:tblGrid>
-                <a:gridCol w="457200">
-                  <a:extLst>
-                    <a:ext uri="{9D8B030D-6E8A-4147-A177-3AD203B41FA5}">
-                      <a16:colId xmlns:a16="http://schemas.microsoft.com/office/drawing/2014/main" val="4166285276"/>
-                    </a:ext>
-                  </a:extLst>
-                </a:gridCol>
-                <a:gridCol w="12224247">
-                  <a:extLst>
-                    <a:ext uri="{9D8B030D-6E8A-4147-A177-3AD203B41FA5}">
-                      <a16:colId xmlns:a16="http://schemas.microsoft.com/office/drawing/2014/main" val="2010873151"/>
-                    </a:ext>
-                  </a:extLst>
-                </a:gridCol>
-              </a:tblGrid>
-              <a:tr h="489163">
-                <a:tc gridSpan="2">
-                  <a:txBody>
-                    <a:bodyPr/>
-                    <a:lstStyle/>
-                    <a:p>
-                      <a:r>
-                        <a:rPr lang="en-SG" b="0" dirty="0">
-                          <a:solidFill>
-                            <a:schemeClr val="tx1"/>
-                          </a:solidFill>
-                        </a:rPr>
-                        <a:t>Dilution Curve Plotting</a:t>
-                      </a:r>
-                    </a:p>
-                  </a:txBody>
-                  <a:tcPr anchor="ctr">
-                    <a:lnL w="12700" cap="flat" cmpd="sng" algn="ctr">
-                      <a:solidFill>
-                        <a:schemeClr val="tx1"/>
-                      </a:solidFill>
-                      <a:prstDash val="solid"/>
-                      <a:round/>
-                      <a:headEnd type="none" w="med" len="med"/>
-                      <a:tailEnd type="none" w="med" len="med"/>
-                    </a:lnL>
-                    <a:lnR w="12700" cap="flat" cmpd="sng" algn="ctr">
-                      <a:solidFill>
-                        <a:schemeClr val="tx1"/>
-                      </a:solidFill>
-                      <a:prstDash val="solid"/>
-                      <a:round/>
-                      <a:headEnd type="none" w="med" len="med"/>
-                      <a:tailEnd type="none" w="med" len="med"/>
-                    </a:lnR>
-                    <a:lnT w="12700" cap="flat" cmpd="sng" algn="ctr">
-                      <a:solidFill>
-                        <a:schemeClr val="tx1"/>
-                      </a:solidFill>
-                      <a:prstDash val="solid"/>
-                      <a:round/>
-                      <a:headEnd type="none" w="med" len="med"/>
-                      <a:tailEnd type="none" w="med" len="med"/>
-                    </a:lnT>
-                    <a:lnB w="12700" cap="flat" cmpd="sng" algn="ctr">
-                      <a:solidFill>
-                        <a:schemeClr val="tx1"/>
-                      </a:solidFill>
-                      <a:prstDash val="solid"/>
-                      <a:round/>
-                      <a:headEnd type="none" w="med" len="med"/>
-                      <a:tailEnd type="none" w="med" len="med"/>
-                    </a:lnB>
-                    <a:solidFill>
-                      <a:schemeClr val="accent2">
-                        <a:lumMod val="60000"/>
-                        <a:lumOff val="40000"/>
-                      </a:schemeClr>
-                    </a:solidFill>
-                  </a:tcPr>
-                </a:tc>
-                <a:tc hMerge="1">
-                  <a:txBody>
-                    <a:bodyPr/>
-                    <a:lstStyle/>
-                    <a:p>
-                      <a:endParaRPr lang="en-SG" b="0" dirty="0">
-                        <a:solidFill>
-                          <a:schemeClr val="tx1"/>
-                        </a:solidFill>
-                      </a:endParaRPr>
-                    </a:p>
-                  </a:txBody>
-                  <a:tcPr anchor="ctr">
-                    <a:lnL w="12700" cap="flat" cmpd="sng" algn="ctr">
-                      <a:solidFill>
-                        <a:schemeClr val="tx1"/>
-                      </a:solidFill>
-                      <a:prstDash val="solid"/>
-                      <a:round/>
-                      <a:headEnd type="none" w="med" len="med"/>
-                      <a:tailEnd type="none" w="med" len="med"/>
-                    </a:lnL>
-                    <a:lnR w="12700" cap="flat" cmpd="sng" algn="ctr">
-                      <a:solidFill>
-                        <a:schemeClr val="tx1"/>
-                      </a:solidFill>
-                      <a:prstDash val="solid"/>
-                      <a:round/>
-                      <a:headEnd type="none" w="med" len="med"/>
-                      <a:tailEnd type="none" w="med" len="med"/>
-                    </a:lnR>
-                    <a:lnT w="12700" cap="flat" cmpd="sng" algn="ctr">
-                      <a:solidFill>
-                        <a:schemeClr val="tx1"/>
-                      </a:solidFill>
-                      <a:prstDash val="solid"/>
-                      <a:round/>
-                      <a:headEnd type="none" w="med" len="med"/>
-                      <a:tailEnd type="none" w="med" len="med"/>
-                    </a:lnT>
-                    <a:lnB w="12700" cap="flat" cmpd="sng" algn="ctr">
-                      <a:solidFill>
-                        <a:schemeClr val="tx1"/>
-                      </a:solidFill>
-                      <a:prstDash val="solid"/>
-                      <a:round/>
-                      <a:headEnd type="none" w="med" len="med"/>
-                      <a:tailEnd type="none" w="med" len="med"/>
-                    </a:lnB>
-                    <a:solidFill>
-                      <a:schemeClr val="accent2">
-                        <a:lumMod val="60000"/>
-                        <a:lumOff val="40000"/>
-                      </a:schemeClr>
-                    </a:solidFill>
-                  </a:tcPr>
-                </a:tc>
-                <a:extLst>
-                  <a:ext uri="{0D108BD9-81ED-4DB2-BD59-A6C34878D82A}">
-                    <a16:rowId xmlns:a16="http://schemas.microsoft.com/office/drawing/2014/main" val="1687853998"/>
-                  </a:ext>
-                </a:extLst>
-              </a:tr>
-              <a:tr h="1603400">
-                <a:tc>
-                  <a:txBody>
-                    <a:bodyPr/>
-                    <a:lstStyle/>
-                    <a:p>
-                      <a:pPr algn="ctr"/>
-                      <a:r>
-                        <a:rPr lang="en-SG" dirty="0"/>
-                        <a:t>Interactive</a:t>
-                      </a:r>
-                    </a:p>
-                  </a:txBody>
-                  <a:tcPr vert="vert270" anchor="ctr">
-                    <a:lnL w="12700" cap="flat" cmpd="sng" algn="ctr">
-                      <a:solidFill>
-                        <a:schemeClr val="tx1"/>
-                      </a:solidFill>
-                      <a:prstDash val="solid"/>
-                      <a:round/>
-                      <a:headEnd type="none" w="med" len="med"/>
-                      <a:tailEnd type="none" w="med" len="med"/>
-                    </a:lnL>
-                    <a:lnR w="12700" cap="flat" cmpd="sng" algn="ctr">
-                      <a:solidFill>
-                        <a:schemeClr val="tx1"/>
-                      </a:solidFill>
-                      <a:prstDash val="solid"/>
-                      <a:round/>
-                      <a:headEnd type="none" w="med" len="med"/>
-                      <a:tailEnd type="none" w="med" len="med"/>
-                    </a:lnR>
-                    <a:lnT w="12700" cap="flat" cmpd="sng" algn="ctr">
-                      <a:solidFill>
-                        <a:schemeClr val="tx1"/>
-                      </a:solidFill>
-                      <a:prstDash val="solid"/>
-                      <a:round/>
-                      <a:headEnd type="none" w="med" len="med"/>
-                      <a:tailEnd type="none" w="med" len="med"/>
-                    </a:lnT>
-                    <a:lnB w="12700" cap="flat" cmpd="sng" algn="ctr">
-                      <a:solidFill>
-                        <a:schemeClr val="tx1"/>
-                      </a:solidFill>
-                      <a:prstDash val="solid"/>
-                      <a:round/>
-                      <a:headEnd type="none" w="med" len="med"/>
-                      <a:tailEnd type="none" w="med" len="med"/>
-                    </a:lnB>
-                    <a:solidFill>
-                      <a:schemeClr val="accent2">
-                        <a:lumMod val="20000"/>
-                        <a:lumOff val="80000"/>
-                      </a:schemeClr>
-                    </a:solidFill>
-                  </a:tcPr>
-                </a:tc>
-                <a:tc>
-                  <a:txBody>
-                    <a:bodyPr/>
-                    <a:lstStyle/>
-                    <a:p>
-                      <a:endParaRPr lang="en-SG" dirty="0"/>
-                    </a:p>
-                  </a:txBody>
-                  <a:tcPr>
-                    <a:lnL w="12700" cap="flat" cmpd="sng" algn="ctr">
-                      <a:solidFill>
-                        <a:schemeClr val="tx1"/>
-                      </a:solidFill>
-                      <a:prstDash val="solid"/>
-                      <a:round/>
-                      <a:headEnd type="none" w="med" len="med"/>
-                      <a:tailEnd type="none" w="med" len="med"/>
-                    </a:lnL>
-                    <a:lnR w="12700" cap="flat" cmpd="sng" algn="ctr">
-                      <a:solidFill>
-                        <a:schemeClr val="tx1"/>
-                      </a:solidFill>
-                      <a:prstDash val="solid"/>
-                      <a:round/>
-                      <a:headEnd type="none" w="med" len="med"/>
-                      <a:tailEnd type="none" w="med" len="med"/>
-                    </a:lnR>
-                    <a:lnT w="12700" cap="flat" cmpd="sng" algn="ctr">
-                      <a:solidFill>
-                        <a:schemeClr val="tx1"/>
-                      </a:solidFill>
-                      <a:prstDash val="solid"/>
-                      <a:round/>
-                      <a:headEnd type="none" w="med" len="med"/>
-                      <a:tailEnd type="none" w="med" len="med"/>
-                    </a:lnT>
-                    <a:lnB w="12700" cap="flat" cmpd="sng" algn="ctr">
-                      <a:solidFill>
-                        <a:schemeClr val="tx1"/>
-                      </a:solidFill>
-                      <a:prstDash val="solid"/>
-                      <a:round/>
-                      <a:headEnd type="none" w="med" len="med"/>
-                      <a:tailEnd type="none" w="med" len="med"/>
-                    </a:lnB>
-                    <a:solidFill>
-                      <a:srgbClr val="FEF6F0"/>
-                    </a:solidFill>
-                  </a:tcPr>
-                </a:tc>
-                <a:extLst>
-                  <a:ext uri="{0D108BD9-81ED-4DB2-BD59-A6C34878D82A}">
-                    <a16:rowId xmlns:a16="http://schemas.microsoft.com/office/drawing/2014/main" val="1142288770"/>
-                  </a:ext>
-                </a:extLst>
-              </a:tr>
-              <a:tr h="2073826">
-                <a:tc>
-                  <a:txBody>
-                    <a:bodyPr/>
-                    <a:lstStyle/>
-                    <a:p>
-                      <a:pPr algn="ctr"/>
-                      <a:r>
-                        <a:rPr lang="en-SG" dirty="0"/>
-                        <a:t>Static</a:t>
-                      </a:r>
-                    </a:p>
-                  </a:txBody>
-                  <a:tcPr vert="vert270" anchor="ctr">
-                    <a:lnL w="12700" cap="flat" cmpd="sng" algn="ctr">
-                      <a:solidFill>
-                        <a:schemeClr val="tx1"/>
-                      </a:solidFill>
-                      <a:prstDash val="solid"/>
-                      <a:round/>
-                      <a:headEnd type="none" w="med" len="med"/>
-                      <a:tailEnd type="none" w="med" len="med"/>
-                    </a:lnL>
-                    <a:lnR w="12700" cap="flat" cmpd="sng" algn="ctr">
-                      <a:solidFill>
-                        <a:schemeClr val="tx1"/>
-                      </a:solidFill>
-                      <a:prstDash val="solid"/>
-                      <a:round/>
-                      <a:headEnd type="none" w="med" len="med"/>
-                      <a:tailEnd type="none" w="med" len="med"/>
-                    </a:lnR>
-                    <a:lnT w="12700" cap="flat" cmpd="sng" algn="ctr">
-                      <a:solidFill>
-                        <a:schemeClr val="tx1"/>
-                      </a:solidFill>
-                      <a:prstDash val="solid"/>
-                      <a:round/>
-                      <a:headEnd type="none" w="med" len="med"/>
-                      <a:tailEnd type="none" w="med" len="med"/>
-                    </a:lnT>
-                    <a:lnB w="12700" cap="flat" cmpd="sng" algn="ctr">
-                      <a:solidFill>
-                        <a:schemeClr val="tx1"/>
-                      </a:solidFill>
-                      <a:prstDash val="solid"/>
-                      <a:round/>
-                      <a:headEnd type="none" w="med" len="med"/>
-                      <a:tailEnd type="none" w="med" len="med"/>
-                    </a:lnB>
-                    <a:solidFill>
-                      <a:schemeClr val="accent2">
-                        <a:lumMod val="20000"/>
-                        <a:lumOff val="80000"/>
-                      </a:schemeClr>
-                    </a:solidFill>
-                  </a:tcPr>
-                </a:tc>
-                <a:tc>
-                  <a:txBody>
-                    <a:bodyPr/>
-                    <a:lstStyle/>
-                    <a:p>
-                      <a:endParaRPr lang="en-SG" dirty="0"/>
-                    </a:p>
-                  </a:txBody>
-                  <a:tcPr>
-                    <a:lnL w="12700" cap="flat" cmpd="sng" algn="ctr">
-                      <a:solidFill>
-                        <a:schemeClr val="tx1"/>
-                      </a:solidFill>
-                      <a:prstDash val="solid"/>
-                      <a:round/>
-                      <a:headEnd type="none" w="med" len="med"/>
-                      <a:tailEnd type="none" w="med" len="med"/>
-                    </a:lnL>
-                    <a:lnR w="12700" cap="flat" cmpd="sng" algn="ctr">
-                      <a:solidFill>
-                        <a:schemeClr val="tx1"/>
-                      </a:solidFill>
-                      <a:prstDash val="solid"/>
-                      <a:round/>
-                      <a:headEnd type="none" w="med" len="med"/>
-                      <a:tailEnd type="none" w="med" len="med"/>
-                    </a:lnR>
-                    <a:lnT w="12700" cap="flat" cmpd="sng" algn="ctr">
-                      <a:solidFill>
-                        <a:schemeClr val="tx1"/>
-                      </a:solidFill>
-                      <a:prstDash val="solid"/>
-                      <a:round/>
-                      <a:headEnd type="none" w="med" len="med"/>
-                      <a:tailEnd type="none" w="med" len="med"/>
-                    </a:lnT>
-                    <a:lnB w="12700" cap="flat" cmpd="sng" algn="ctr">
-                      <a:solidFill>
-                        <a:schemeClr val="tx1"/>
-                      </a:solidFill>
-                      <a:prstDash val="solid"/>
-                      <a:round/>
-                      <a:headEnd type="none" w="med" len="med"/>
-                      <a:tailEnd type="none" w="med" len="med"/>
-                    </a:lnB>
-                    <a:solidFill>
-                      <a:srgbClr val="FEF6F0"/>
-                    </a:solidFill>
-                  </a:tcPr>
-                </a:tc>
-                <a:extLst>
-                  <a:ext uri="{0D108BD9-81ED-4DB2-BD59-A6C34878D82A}">
-                    <a16:rowId xmlns:a16="http://schemas.microsoft.com/office/drawing/2014/main" val="4224641641"/>
-                  </a:ext>
-                </a:extLst>
-              </a:tr>
-            </a:tbl>
-          </a:graphicData>
-        </a:graphic>
-      </p:graphicFrame>
-      <p:graphicFrame>
-        <p:nvGraphicFramePr>
-          <p:cNvPr id="40" name="Table 39">
-            <a:extLst>
-              <a:ext uri="{FF2B5EF4-FFF2-40B4-BE49-F238E27FC236}">
-                <a16:creationId xmlns:a16="http://schemas.microsoft.com/office/drawing/2014/main" id="{DDB6CF75-D377-44CF-9747-71CE07562C67}"/>
-              </a:ext>
-            </a:extLst>
-          </p:cNvPr>
-          <p:cNvGraphicFramePr>
-            <a:graphicFrameLocks noGrp="1"/>
-          </p:cNvGraphicFramePr>
-          <p:nvPr>
-            <p:extLst>
-              <p:ext uri="{D42A27DB-BD31-4B8C-83A1-F6EECF244321}">
-                <p14:modId xmlns:p14="http://schemas.microsoft.com/office/powerpoint/2010/main" val="3564590001"/>
-              </p:ext>
-            </p:extLst>
-          </p:nvPr>
-        </p:nvGraphicFramePr>
-        <p:xfrm>
-          <a:off x="1108687" y="4587973"/>
-          <a:ext cx="17187346" cy="1115470"/>
-        </p:xfrm>
-        <a:graphic>
-          <a:graphicData uri="http://schemas.openxmlformats.org/drawingml/2006/table">
-            <a:tbl>
-              <a:tblPr firstRow="1" bandRow="1">
-                <a:tableStyleId>{5C22544A-7EE6-4342-B048-85BDC9FD1C3A}</a:tableStyleId>
-              </a:tblPr>
-              <a:tblGrid>
-                <a:gridCol w="17187346">
-                  <a:extLst>
-                    <a:ext uri="{9D8B030D-6E8A-4147-A177-3AD203B41FA5}">
-                      <a16:colId xmlns:a16="http://schemas.microsoft.com/office/drawing/2014/main" val="2010873151"/>
-                    </a:ext>
-                  </a:extLst>
-                </a:gridCol>
-              </a:tblGrid>
-              <a:tr h="283890">
-                <a:tc>
-                  <a:txBody>
-                    <a:bodyPr/>
-                    <a:lstStyle/>
-                    <a:p>
-                      <a:r>
-                        <a:rPr lang="en-SG" b="0" dirty="0">
-                          <a:solidFill>
-                            <a:schemeClr val="tx1"/>
-                          </a:solidFill>
-                        </a:rPr>
-                        <a:t>Report Results</a:t>
-                      </a:r>
-                    </a:p>
-                  </a:txBody>
-                  <a:tcPr anchor="ctr">
-                    <a:lnL w="12700" cap="flat" cmpd="sng" algn="ctr">
-                      <a:solidFill>
-                        <a:schemeClr val="tx1"/>
-                      </a:solidFill>
-                      <a:prstDash val="solid"/>
-                      <a:round/>
-                      <a:headEnd type="none" w="med" len="med"/>
-                      <a:tailEnd type="none" w="med" len="med"/>
-                    </a:lnL>
-                    <a:lnR w="12700" cap="flat" cmpd="sng" algn="ctr">
-                      <a:solidFill>
-                        <a:schemeClr val="tx1"/>
-                      </a:solidFill>
-                      <a:prstDash val="solid"/>
-                      <a:round/>
-                      <a:headEnd type="none" w="med" len="med"/>
-                      <a:tailEnd type="none" w="med" len="med"/>
-                    </a:lnR>
-                    <a:lnT w="12700" cap="flat" cmpd="sng" algn="ctr">
-                      <a:solidFill>
-                        <a:schemeClr val="tx1"/>
-                      </a:solidFill>
-                      <a:prstDash val="solid"/>
-                      <a:round/>
-                      <a:headEnd type="none" w="med" len="med"/>
-                      <a:tailEnd type="none" w="med" len="med"/>
-                    </a:lnT>
-                    <a:lnB w="12700" cap="flat" cmpd="sng" algn="ctr">
-                      <a:solidFill>
-                        <a:schemeClr val="tx1"/>
-                      </a:solidFill>
-                      <a:prstDash val="solid"/>
-                      <a:round/>
-                      <a:headEnd type="none" w="med" len="med"/>
-                      <a:tailEnd type="none" w="med" len="med"/>
-                    </a:lnB>
-                    <a:solidFill>
-                      <a:schemeClr val="accent2">
-                        <a:lumMod val="60000"/>
-                        <a:lumOff val="40000"/>
-                      </a:schemeClr>
-                    </a:solidFill>
-                  </a:tcPr>
-                </a:tc>
-                <a:extLst>
-                  <a:ext uri="{0D108BD9-81ED-4DB2-BD59-A6C34878D82A}">
-                    <a16:rowId xmlns:a16="http://schemas.microsoft.com/office/drawing/2014/main" val="1687853998"/>
-                  </a:ext>
-                </a:extLst>
-              </a:tr>
-              <a:tr h="749710">
-                <a:tc>
-                  <a:txBody>
-                    <a:bodyPr/>
-                    <a:lstStyle/>
-                    <a:p>
-                      <a:endParaRPr lang="en-SG" dirty="0"/>
-                    </a:p>
-                  </a:txBody>
-                  <a:tcPr>
-                    <a:lnL w="12700" cap="flat" cmpd="sng" algn="ctr">
-                      <a:solidFill>
-                        <a:schemeClr val="tx1"/>
-                      </a:solidFill>
-                      <a:prstDash val="solid"/>
-                      <a:round/>
-                      <a:headEnd type="none" w="med" len="med"/>
-                      <a:tailEnd type="none" w="med" len="med"/>
-                    </a:lnL>
-                    <a:lnR w="12700" cap="flat" cmpd="sng" algn="ctr">
-                      <a:solidFill>
-                        <a:schemeClr val="tx1"/>
-                      </a:solidFill>
-                      <a:prstDash val="solid"/>
-                      <a:round/>
-                      <a:headEnd type="none" w="med" len="med"/>
-                      <a:tailEnd type="none" w="med" len="med"/>
-                    </a:lnR>
-                    <a:lnT w="12700" cap="flat" cmpd="sng" algn="ctr">
-                      <a:solidFill>
-                        <a:schemeClr val="tx1"/>
-                      </a:solidFill>
-                      <a:prstDash val="solid"/>
-                      <a:round/>
-                      <a:headEnd type="none" w="med" len="med"/>
-                      <a:tailEnd type="none" w="med" len="med"/>
-                    </a:lnT>
-                    <a:lnB w="12700" cap="flat" cmpd="sng" algn="ctr">
-                      <a:solidFill>
-                        <a:schemeClr val="tx1"/>
-                      </a:solidFill>
-                      <a:prstDash val="solid"/>
-                      <a:round/>
-                      <a:headEnd type="none" w="med" len="med"/>
-                      <a:tailEnd type="none" w="med" len="med"/>
-                    </a:lnB>
-                    <a:solidFill>
-                      <a:srgbClr val="FEF6F0"/>
-                    </a:solidFill>
-                  </a:tcPr>
-                </a:tc>
-                <a:extLst>
-                  <a:ext uri="{0D108BD9-81ED-4DB2-BD59-A6C34878D82A}">
-                    <a16:rowId xmlns:a16="http://schemas.microsoft.com/office/drawing/2014/main" val="1142288770"/>
-                  </a:ext>
-                </a:extLst>
-              </a:tr>
-            </a:tbl>
-          </a:graphicData>
-        </a:graphic>
-      </p:graphicFrame>
-      <p:graphicFrame>
-        <p:nvGraphicFramePr>
-          <p:cNvPr id="41" name="Table 40">
-            <a:extLst>
-              <a:ext uri="{FF2B5EF4-FFF2-40B4-BE49-F238E27FC236}">
-                <a16:creationId xmlns:a16="http://schemas.microsoft.com/office/drawing/2014/main" id="{8B677C2B-F1EB-44E0-BDA9-D5252C357E46}"/>
-              </a:ext>
-            </a:extLst>
-          </p:cNvPr>
-          <p:cNvGraphicFramePr>
-            <a:graphicFrameLocks noGrp="1"/>
-          </p:cNvGraphicFramePr>
-          <p:nvPr>
-            <p:extLst>
-              <p:ext uri="{D42A27DB-BD31-4B8C-83A1-F6EECF244321}">
-                <p14:modId xmlns:p14="http://schemas.microsoft.com/office/powerpoint/2010/main" val="705307401"/>
-              </p:ext>
-            </p:extLst>
-          </p:nvPr>
-        </p:nvGraphicFramePr>
-        <p:xfrm>
-          <a:off x="-4145132" y="-232228"/>
-          <a:ext cx="3082244" cy="3500266"/>
-        </p:xfrm>
-        <a:graphic>
-          <a:graphicData uri="http://schemas.openxmlformats.org/drawingml/2006/table">
-            <a:tbl>
-              <a:tblPr firstRow="1" bandRow="1">
-                <a:tableStyleId>{5C22544A-7EE6-4342-B048-85BDC9FD1C3A}</a:tableStyleId>
-              </a:tblPr>
-              <a:tblGrid>
-                <a:gridCol w="3082244">
-                  <a:extLst>
-                    <a:ext uri="{9D8B030D-6E8A-4147-A177-3AD203B41FA5}">
-                      <a16:colId xmlns:a16="http://schemas.microsoft.com/office/drawing/2014/main" val="2010873151"/>
-                    </a:ext>
-                  </a:extLst>
-                </a:gridCol>
-              </a:tblGrid>
-              <a:tr h="470353">
-                <a:tc>
-                  <a:txBody>
-                    <a:bodyPr/>
-                    <a:lstStyle/>
-                    <a:p>
-                      <a:r>
-                        <a:rPr lang="en-SG" b="0" dirty="0">
-                          <a:solidFill>
-                            <a:schemeClr val="tx1"/>
-                          </a:solidFill>
-                        </a:rPr>
-                        <a:t>Input Data</a:t>
-                      </a:r>
-                    </a:p>
-                  </a:txBody>
-                  <a:tcPr anchor="ctr">
-                    <a:lnL w="12700" cap="flat" cmpd="sng" algn="ctr">
-                      <a:solidFill>
-                        <a:schemeClr val="tx1"/>
-                      </a:solidFill>
-                      <a:prstDash val="solid"/>
-                      <a:round/>
-                      <a:headEnd type="none" w="med" len="med"/>
-                      <a:tailEnd type="none" w="med" len="med"/>
-                    </a:lnL>
-                    <a:lnR w="12700" cap="flat" cmpd="sng" algn="ctr">
-                      <a:solidFill>
-                        <a:schemeClr val="tx1"/>
-                      </a:solidFill>
-                      <a:prstDash val="solid"/>
-                      <a:round/>
-                      <a:headEnd type="none" w="med" len="med"/>
-                      <a:tailEnd type="none" w="med" len="med"/>
-                    </a:lnR>
-                    <a:lnT w="12700" cap="flat" cmpd="sng" algn="ctr">
-                      <a:solidFill>
-                        <a:schemeClr val="tx1"/>
-                      </a:solidFill>
-                      <a:prstDash val="solid"/>
-                      <a:round/>
-                      <a:headEnd type="none" w="med" len="med"/>
-                      <a:tailEnd type="none" w="med" len="med"/>
-                    </a:lnT>
-                    <a:lnB w="12700" cap="flat" cmpd="sng" algn="ctr">
-                      <a:solidFill>
-                        <a:schemeClr val="tx1"/>
-                      </a:solidFill>
-                      <a:prstDash val="solid"/>
-                      <a:round/>
-                      <a:headEnd type="none" w="med" len="med"/>
-                      <a:tailEnd type="none" w="med" len="med"/>
-                    </a:lnB>
-                    <a:solidFill>
-                      <a:schemeClr val="accent2">
-                        <a:lumMod val="60000"/>
-                        <a:lumOff val="40000"/>
-                      </a:schemeClr>
-                    </a:solidFill>
-                  </a:tcPr>
-                </a:tc>
-                <a:extLst>
-                  <a:ext uri="{0D108BD9-81ED-4DB2-BD59-A6C34878D82A}">
-                    <a16:rowId xmlns:a16="http://schemas.microsoft.com/office/drawing/2014/main" val="1687853998"/>
-                  </a:ext>
-                </a:extLst>
-              </a:tr>
-              <a:tr h="3029913">
-                <a:tc>
-                  <a:txBody>
-                    <a:bodyPr/>
-                    <a:lstStyle/>
-                    <a:p>
-                      <a:endParaRPr lang="en-SG" dirty="0"/>
-                    </a:p>
-                  </a:txBody>
-                  <a:tcPr>
-                    <a:lnL w="12700" cap="flat" cmpd="sng" algn="ctr">
-                      <a:solidFill>
-                        <a:schemeClr val="tx1"/>
-                      </a:solidFill>
-                      <a:prstDash val="solid"/>
-                      <a:round/>
-                      <a:headEnd type="none" w="med" len="med"/>
-                      <a:tailEnd type="none" w="med" len="med"/>
-                    </a:lnL>
-                    <a:lnR w="12700" cap="flat" cmpd="sng" algn="ctr">
-                      <a:solidFill>
-                        <a:schemeClr val="tx1"/>
-                      </a:solidFill>
-                      <a:prstDash val="solid"/>
-                      <a:round/>
-                      <a:headEnd type="none" w="med" len="med"/>
-                      <a:tailEnd type="none" w="med" len="med"/>
-                    </a:lnR>
-                    <a:lnT w="12700" cap="flat" cmpd="sng" algn="ctr">
-                      <a:solidFill>
-                        <a:schemeClr val="tx1"/>
-                      </a:solidFill>
-                      <a:prstDash val="solid"/>
-                      <a:round/>
-                      <a:headEnd type="none" w="med" len="med"/>
-                      <a:tailEnd type="none" w="med" len="med"/>
-                    </a:lnT>
-                    <a:lnB w="12700" cap="flat" cmpd="sng" algn="ctr">
-                      <a:solidFill>
-                        <a:schemeClr val="tx1"/>
-                      </a:solidFill>
-                      <a:prstDash val="solid"/>
-                      <a:round/>
-                      <a:headEnd type="none" w="med" len="med"/>
-                      <a:tailEnd type="none" w="med" len="med"/>
-                    </a:lnB>
-                    <a:solidFill>
-                      <a:srgbClr val="FEF6F0"/>
-                    </a:solidFill>
-                  </a:tcPr>
-                </a:tc>
-                <a:extLst>
-                  <a:ext uri="{0D108BD9-81ED-4DB2-BD59-A6C34878D82A}">
-                    <a16:rowId xmlns:a16="http://schemas.microsoft.com/office/drawing/2014/main" val="1142288770"/>
-                  </a:ext>
-                </a:extLst>
-              </a:tr>
-            </a:tbl>
-          </a:graphicData>
-        </a:graphic>
-      </p:graphicFrame>
-      <p:graphicFrame>
-        <p:nvGraphicFramePr>
-          <p:cNvPr id="42" name="Table 41">
-            <a:extLst>
-              <a:ext uri="{FF2B5EF4-FFF2-40B4-BE49-F238E27FC236}">
-                <a16:creationId xmlns:a16="http://schemas.microsoft.com/office/drawing/2014/main" id="{60975FC6-313F-4B0A-BC78-9E23F7916B4A}"/>
-              </a:ext>
-            </a:extLst>
-          </p:cNvPr>
-          <p:cNvGraphicFramePr>
-            <a:graphicFrameLocks noGrp="1"/>
-          </p:cNvGraphicFramePr>
-          <p:nvPr>
-            <p:extLst>
-              <p:ext uri="{D42A27DB-BD31-4B8C-83A1-F6EECF244321}">
-                <p14:modId xmlns:p14="http://schemas.microsoft.com/office/powerpoint/2010/main" val="973373579"/>
-              </p:ext>
-            </p:extLst>
-          </p:nvPr>
-        </p:nvGraphicFramePr>
-        <p:xfrm>
-          <a:off x="1608376" y="3145108"/>
-          <a:ext cx="3378728" cy="640080"/>
-        </p:xfrm>
-        <a:graphic>
-          <a:graphicData uri="http://schemas.openxmlformats.org/drawingml/2006/table">
-            <a:tbl>
-              <a:tblPr firstRow="1" bandRow="1">
-                <a:tableStyleId>{5C22544A-7EE6-4342-B048-85BDC9FD1C3A}</a:tableStyleId>
-              </a:tblPr>
-              <a:tblGrid>
-                <a:gridCol w="922606">
-                  <a:extLst>
-                    <a:ext uri="{9D8B030D-6E8A-4147-A177-3AD203B41FA5}">
-                      <a16:colId xmlns:a16="http://schemas.microsoft.com/office/drawing/2014/main" val="468845580"/>
-                    </a:ext>
-                  </a:extLst>
-                </a:gridCol>
-                <a:gridCol w="1228061">
-                  <a:extLst>
-                    <a:ext uri="{9D8B030D-6E8A-4147-A177-3AD203B41FA5}">
-                      <a16:colId xmlns:a16="http://schemas.microsoft.com/office/drawing/2014/main" val="2810992882"/>
-                    </a:ext>
-                  </a:extLst>
-                </a:gridCol>
-                <a:gridCol w="1228061">
-                  <a:extLst>
-                    <a:ext uri="{9D8B030D-6E8A-4147-A177-3AD203B41FA5}">
-                      <a16:colId xmlns:a16="http://schemas.microsoft.com/office/drawing/2014/main" val="3819368552"/>
-                    </a:ext>
-                  </a:extLst>
-                </a:gridCol>
-              </a:tblGrid>
-              <a:tr h="521011">
-                <a:tc>
-                  <a:txBody>
-                    <a:bodyPr/>
-                    <a:lstStyle/>
-                    <a:p>
-                      <a:pPr algn="ctr"/>
-                      <a:r>
-                        <a:rPr lang="en-SG" sz="1200" b="0" dirty="0">
-                          <a:solidFill>
-                            <a:schemeClr val="tx1"/>
-                          </a:solidFill>
-                        </a:rPr>
-                        <a:t>Transition</a:t>
-                      </a:r>
-                    </a:p>
-                    <a:p>
-                      <a:pPr algn="ctr"/>
-                      <a:r>
-                        <a:rPr lang="en-SG" sz="1200" b="0" dirty="0">
-                          <a:solidFill>
-                            <a:schemeClr val="tx1"/>
-                          </a:solidFill>
-                        </a:rPr>
-                        <a:t>Name</a:t>
-                      </a:r>
-                    </a:p>
-                  </a:txBody>
-                  <a:tcPr anchor="ctr">
-                    <a:lnL w="12700" cap="flat" cmpd="sng" algn="ctr">
-                      <a:solidFill>
-                        <a:schemeClr val="tx1"/>
-                      </a:solidFill>
-                      <a:prstDash val="solid"/>
-                      <a:round/>
-                      <a:headEnd type="none" w="med" len="med"/>
-                      <a:tailEnd type="none" w="med" len="med"/>
-                    </a:lnL>
-                    <a:lnR w="12700" cap="flat" cmpd="sng" algn="ctr">
-                      <a:solidFill>
-                        <a:schemeClr val="tx1"/>
-                      </a:solidFill>
-                      <a:prstDash val="solid"/>
-                      <a:round/>
-                      <a:headEnd type="none" w="med" len="med"/>
-                      <a:tailEnd type="none" w="med" len="med"/>
-                    </a:lnR>
-                    <a:lnT w="12700" cap="flat" cmpd="sng" algn="ctr">
-                      <a:solidFill>
-                        <a:schemeClr val="tx1"/>
-                      </a:solidFill>
-                      <a:prstDash val="solid"/>
-                      <a:round/>
-                      <a:headEnd type="none" w="med" len="med"/>
-                      <a:tailEnd type="none" w="med" len="med"/>
-                    </a:lnT>
-                    <a:lnB w="12700" cap="flat" cmpd="sng" algn="ctr">
-                      <a:solidFill>
-                        <a:schemeClr val="tx1"/>
-                      </a:solidFill>
-                      <a:prstDash val="solid"/>
-                      <a:round/>
-                      <a:headEnd type="none" w="med" len="med"/>
-                      <a:tailEnd type="none" w="med" len="med"/>
-                    </a:lnB>
-                    <a:solidFill>
-                      <a:schemeClr val="accent6">
-                        <a:lumMod val="20000"/>
-                        <a:lumOff val="80000"/>
-                      </a:schemeClr>
-                    </a:solidFill>
-                  </a:tcPr>
-                </a:tc>
-                <a:tc>
-                  <a:txBody>
-                    <a:bodyPr/>
-                    <a:lstStyle/>
-                    <a:p>
-                      <a:pPr marL="0" marR="0" lvl="0" indent="0" algn="ctr" defTabSz="914400" rtl="0" eaLnBrk="1" fontAlgn="auto" latinLnBrk="0" hangingPunct="1">
-                        <a:lnSpc>
-                          <a:spcPct val="100000"/>
-                        </a:lnSpc>
-                        <a:spcBef>
-                          <a:spcPts val="0"/>
-                        </a:spcBef>
-                        <a:spcAft>
-                          <a:spcPts val="0"/>
-                        </a:spcAft>
-                        <a:buClrTx/>
-                        <a:buSzTx/>
-                        <a:buFontTx/>
-                        <a:buNone/>
-                        <a:tabLst/>
-                        <a:defRPr/>
-                      </a:pPr>
-                      <a:r>
-                        <a:rPr lang="en-SG" sz="1200" b="0" dirty="0">
-                          <a:solidFill>
-                            <a:schemeClr val="tx1"/>
-                          </a:solidFill>
-                        </a:rPr>
-                        <a:t>Classification Results</a:t>
-                      </a:r>
-                    </a:p>
-                  </a:txBody>
-                  <a:tcPr anchor="ctr">
-                    <a:lnL w="12700" cap="flat" cmpd="sng" algn="ctr">
-                      <a:solidFill>
-                        <a:schemeClr val="tx1"/>
-                      </a:solidFill>
-                      <a:prstDash val="solid"/>
-                      <a:round/>
-                      <a:headEnd type="none" w="med" len="med"/>
-                      <a:tailEnd type="none" w="med" len="med"/>
-                    </a:lnL>
-                    <a:lnR w="12700" cap="flat" cmpd="sng" algn="ctr">
-                      <a:solidFill>
-                        <a:schemeClr val="tx1"/>
-                      </a:solidFill>
-                      <a:prstDash val="solid"/>
-                      <a:round/>
-                      <a:headEnd type="none" w="med" len="med"/>
-                      <a:tailEnd type="none" w="med" len="med"/>
-                    </a:lnR>
-                    <a:lnT w="12700" cap="flat" cmpd="sng" algn="ctr">
-                      <a:solidFill>
-                        <a:schemeClr val="tx1"/>
-                      </a:solidFill>
-                      <a:prstDash val="solid"/>
-                      <a:round/>
-                      <a:headEnd type="none" w="med" len="med"/>
-                      <a:tailEnd type="none" w="med" len="med"/>
-                    </a:lnT>
-                    <a:lnB w="12700" cap="flat" cmpd="sng" algn="ctr">
-                      <a:solidFill>
-                        <a:schemeClr val="tx1"/>
-                      </a:solidFill>
-                      <a:prstDash val="solid"/>
-                      <a:round/>
-                      <a:headEnd type="none" w="med" len="med"/>
-                      <a:tailEnd type="none" w="med" len="med"/>
-                    </a:lnB>
-                    <a:solidFill>
-                      <a:schemeClr val="accent6">
-                        <a:lumMod val="20000"/>
-                        <a:lumOff val="80000"/>
-                      </a:schemeClr>
-                    </a:solidFill>
-                  </a:tcPr>
-                </a:tc>
-                <a:tc>
-                  <a:txBody>
-                    <a:bodyPr/>
-                    <a:lstStyle/>
-                    <a:p>
-                      <a:pPr algn="ctr"/>
-                      <a:r>
-                        <a:rPr lang="en-SG" sz="1200" b="0" dirty="0">
-                          <a:solidFill>
-                            <a:schemeClr val="tx1"/>
-                          </a:solidFill>
-                        </a:rPr>
-                        <a:t>Dilution</a:t>
-                      </a:r>
-                    </a:p>
-                    <a:p>
-                      <a:pPr algn="ctr"/>
-                      <a:r>
-                        <a:rPr lang="en-SG" sz="1200" b="0" dirty="0">
-                          <a:solidFill>
-                            <a:schemeClr val="tx1"/>
-                          </a:solidFill>
-                        </a:rPr>
-                        <a:t>Statistics Summary</a:t>
-                      </a:r>
-                    </a:p>
-                  </a:txBody>
-                  <a:tcPr anchor="ctr">
-                    <a:lnL w="12700" cap="flat" cmpd="sng" algn="ctr">
-                      <a:solidFill>
-                        <a:schemeClr val="tx1"/>
-                      </a:solidFill>
-                      <a:prstDash val="solid"/>
-                      <a:round/>
-                      <a:headEnd type="none" w="med" len="med"/>
-                      <a:tailEnd type="none" w="med" len="med"/>
-                    </a:lnL>
-                    <a:lnR w="12700" cap="flat" cmpd="sng" algn="ctr">
-                      <a:solidFill>
-                        <a:schemeClr val="tx1"/>
-                      </a:solidFill>
-                      <a:prstDash val="solid"/>
-                      <a:round/>
-                      <a:headEnd type="none" w="med" len="med"/>
-                      <a:tailEnd type="none" w="med" len="med"/>
-                    </a:lnR>
-                    <a:lnT w="12700" cap="flat" cmpd="sng" algn="ctr">
-                      <a:solidFill>
-                        <a:schemeClr val="tx1"/>
-                      </a:solidFill>
-                      <a:prstDash val="solid"/>
-                      <a:round/>
-                      <a:headEnd type="none" w="med" len="med"/>
-                      <a:tailEnd type="none" w="med" len="med"/>
-                    </a:lnT>
-                    <a:lnB w="12700" cap="flat" cmpd="sng" algn="ctr">
-                      <a:solidFill>
-                        <a:schemeClr val="tx1"/>
-                      </a:solidFill>
-                      <a:prstDash val="solid"/>
-                      <a:round/>
-                      <a:headEnd type="none" w="med" len="med"/>
-                      <a:tailEnd type="none" w="med" len="med"/>
-                    </a:lnB>
-                    <a:solidFill>
-                      <a:schemeClr val="accent6">
-                        <a:lumMod val="20000"/>
-                        <a:lumOff val="80000"/>
-                      </a:schemeClr>
-                    </a:solidFill>
-                  </a:tcPr>
-                </a:tc>
-                <a:extLst>
-                  <a:ext uri="{0D108BD9-81ED-4DB2-BD59-A6C34878D82A}">
-                    <a16:rowId xmlns:a16="http://schemas.microsoft.com/office/drawing/2014/main" val="3064467366"/>
-                  </a:ext>
-                </a:extLst>
-              </a:tr>
-            </a:tbl>
-          </a:graphicData>
-        </a:graphic>
-      </p:graphicFrame>
-      <p:graphicFrame>
-        <p:nvGraphicFramePr>
-          <p:cNvPr id="43" name="Table 42">
-            <a:extLst>
-              <a:ext uri="{FF2B5EF4-FFF2-40B4-BE49-F238E27FC236}">
-                <a16:creationId xmlns:a16="http://schemas.microsoft.com/office/drawing/2014/main" id="{6EE94F6E-CE3E-4AFC-805C-6CE079E93E6F}"/>
-              </a:ext>
-            </a:extLst>
-          </p:cNvPr>
-          <p:cNvGraphicFramePr>
-            <a:graphicFrameLocks noGrp="1"/>
-          </p:cNvGraphicFramePr>
-          <p:nvPr>
-            <p:extLst>
-              <p:ext uri="{D42A27DB-BD31-4B8C-83A1-F6EECF244321}">
-                <p14:modId xmlns:p14="http://schemas.microsoft.com/office/powerpoint/2010/main" val="3981294525"/>
-              </p:ext>
-            </p:extLst>
-          </p:nvPr>
-        </p:nvGraphicFramePr>
-        <p:xfrm>
-          <a:off x="7949238" y="2147034"/>
-          <a:ext cx="4330323" cy="1161091"/>
-        </p:xfrm>
-        <a:graphic>
-          <a:graphicData uri="http://schemas.openxmlformats.org/drawingml/2006/table">
-            <a:tbl>
-              <a:tblPr firstRow="1" bandRow="1">
-                <a:tableStyleId>{5C22544A-7EE6-4342-B048-85BDC9FD1C3A}</a:tableStyleId>
-              </a:tblPr>
-              <a:tblGrid>
-                <a:gridCol w="922606">
-                  <a:extLst>
-                    <a:ext uri="{9D8B030D-6E8A-4147-A177-3AD203B41FA5}">
-                      <a16:colId xmlns:a16="http://schemas.microsoft.com/office/drawing/2014/main" val="3999788392"/>
-                    </a:ext>
-                  </a:extLst>
-                </a:gridCol>
-                <a:gridCol w="2456122">
-                  <a:extLst>
-                    <a:ext uri="{9D8B030D-6E8A-4147-A177-3AD203B41FA5}">
-                      <a16:colId xmlns:a16="http://schemas.microsoft.com/office/drawing/2014/main" val="1983927"/>
-                    </a:ext>
-                  </a:extLst>
-                </a:gridCol>
-                <a:gridCol w="951595">
-                  <a:extLst>
-                    <a:ext uri="{9D8B030D-6E8A-4147-A177-3AD203B41FA5}">
-                      <a16:colId xmlns:a16="http://schemas.microsoft.com/office/drawing/2014/main" val="3930359769"/>
-                    </a:ext>
-                  </a:extLst>
-                </a:gridCol>
-              </a:tblGrid>
-              <a:tr h="613526">
-                <a:tc gridSpan="2">
-                  <a:txBody>
-                    <a:bodyPr/>
-                    <a:lstStyle/>
-                    <a:p>
-                      <a:pPr algn="ctr"/>
-                      <a:r>
-                        <a:rPr lang="en-SG" sz="1800" b="0" dirty="0">
-                          <a:solidFill>
-                            <a:schemeClr val="tx1"/>
-                          </a:solidFill>
-                        </a:rPr>
-                        <a:t>Dilution Summary Table</a:t>
-                      </a:r>
-                    </a:p>
-                  </a:txBody>
-                  <a:tcPr anchor="ctr">
-                    <a:lnL w="12700" cap="flat" cmpd="sng" algn="ctr">
-                      <a:solidFill>
-                        <a:schemeClr val="tx1"/>
-                      </a:solidFill>
-                      <a:prstDash val="solid"/>
-                      <a:round/>
-                      <a:headEnd type="none" w="med" len="med"/>
-                      <a:tailEnd type="none" w="med" len="med"/>
-                    </a:lnL>
-                    <a:lnR w="12700" cap="flat" cmpd="sng" algn="ctr">
-                      <a:solidFill>
-                        <a:schemeClr val="tx1"/>
-                      </a:solidFill>
-                      <a:prstDash val="solid"/>
-                      <a:round/>
-                      <a:headEnd type="none" w="med" len="med"/>
-                      <a:tailEnd type="none" w="med" len="med"/>
-                    </a:lnR>
-                    <a:lnT w="12700" cap="flat" cmpd="sng" algn="ctr">
-                      <a:solidFill>
-                        <a:schemeClr val="tx1"/>
-                      </a:solidFill>
-                      <a:prstDash val="solid"/>
-                      <a:round/>
-                      <a:headEnd type="none" w="med" len="med"/>
-                      <a:tailEnd type="none" w="med" len="med"/>
-                    </a:lnT>
-                    <a:lnB w="12700" cap="flat" cmpd="sng" algn="ctr">
-                      <a:solidFill>
-                        <a:schemeClr val="tx1"/>
-                      </a:solidFill>
-                      <a:prstDash val="solid"/>
-                      <a:round/>
-                      <a:headEnd type="none" w="med" len="med"/>
-                      <a:tailEnd type="none" w="med" len="med"/>
-                    </a:lnB>
-                    <a:solidFill>
-                      <a:schemeClr val="accent5">
-                        <a:lumMod val="20000"/>
-                        <a:lumOff val="80000"/>
-                      </a:schemeClr>
-                    </a:solidFill>
-                  </a:tcPr>
-                </a:tc>
-                <a:tc hMerge="1">
-                  <a:txBody>
-                    <a:bodyPr/>
-                    <a:lstStyle/>
-                    <a:p>
-                      <a:endParaRPr lang="en-SG"/>
-                    </a:p>
-                  </a:txBody>
-                  <a:tcPr/>
-                </a:tc>
-                <a:tc>
-                  <a:txBody>
-                    <a:bodyPr/>
-                    <a:lstStyle/>
-                    <a:p>
-                      <a:pPr algn="ctr"/>
-                      <a:r>
-                        <a:rPr lang="en-SG" sz="1800" b="0" dirty="0">
-                          <a:solidFill>
-                            <a:schemeClr val="tx1"/>
-                          </a:solidFill>
-                        </a:rPr>
-                        <a:t>ggplot </a:t>
-                      </a:r>
-                    </a:p>
-                    <a:p>
-                      <a:pPr algn="ctr"/>
-                      <a:r>
-                        <a:rPr lang="en-SG" sz="1800" b="0" dirty="0">
-                          <a:solidFill>
-                            <a:schemeClr val="tx1"/>
-                          </a:solidFill>
-                        </a:rPr>
-                        <a:t>Figures</a:t>
-                      </a:r>
-                    </a:p>
-                  </a:txBody>
-                  <a:tcPr anchor="ctr">
-                    <a:lnL w="12700" cap="flat" cmpd="sng" algn="ctr">
-                      <a:solidFill>
-                        <a:schemeClr val="tx1"/>
-                      </a:solidFill>
-                      <a:prstDash val="solid"/>
-                      <a:round/>
-                      <a:headEnd type="none" w="med" len="med"/>
-                      <a:tailEnd type="none" w="med" len="med"/>
-                    </a:lnL>
-                    <a:lnR w="12700" cap="flat" cmpd="sng" algn="ctr">
-                      <a:solidFill>
-                        <a:schemeClr val="tx1"/>
-                      </a:solidFill>
-                      <a:prstDash val="solid"/>
-                      <a:round/>
-                      <a:headEnd type="none" w="med" len="med"/>
-                      <a:tailEnd type="none" w="med" len="med"/>
-                    </a:lnR>
-                    <a:lnT w="12700" cap="flat" cmpd="sng" algn="ctr">
-                      <a:solidFill>
-                        <a:schemeClr val="tx1"/>
-                      </a:solidFill>
-                      <a:prstDash val="solid"/>
-                      <a:round/>
-                      <a:headEnd type="none" w="med" len="med"/>
-                      <a:tailEnd type="none" w="med" len="med"/>
-                    </a:lnT>
-                    <a:lnB w="12700" cap="flat" cmpd="sng" algn="ctr">
-                      <a:solidFill>
-                        <a:schemeClr val="tx1"/>
-                      </a:solidFill>
-                      <a:prstDash val="solid"/>
-                      <a:round/>
-                      <a:headEnd type="none" w="med" len="med"/>
-                      <a:tailEnd type="none" w="med" len="med"/>
-                    </a:lnB>
-                    <a:solidFill>
-                      <a:schemeClr val="accent5">
-                        <a:lumMod val="20000"/>
-                        <a:lumOff val="80000"/>
-                      </a:schemeClr>
-                    </a:solidFill>
-                  </a:tcPr>
-                </a:tc>
-                <a:extLst>
-                  <a:ext uri="{0D108BD9-81ED-4DB2-BD59-A6C34878D82A}">
-                    <a16:rowId xmlns:a16="http://schemas.microsoft.com/office/drawing/2014/main" val="3015718453"/>
-                  </a:ext>
-                </a:extLst>
-              </a:tr>
-              <a:tr h="521011">
-                <a:tc>
-                  <a:txBody>
-                    <a:bodyPr/>
-                    <a:lstStyle/>
-                    <a:p>
-                      <a:pPr algn="ctr"/>
-                      <a:r>
-                        <a:rPr lang="en-SG" sz="1200" b="0" dirty="0">
-                          <a:solidFill>
-                            <a:schemeClr val="tx1"/>
-                          </a:solidFill>
-                        </a:rPr>
-                        <a:t>Transition</a:t>
-                      </a:r>
-                    </a:p>
-                    <a:p>
-                      <a:pPr algn="ctr"/>
-                      <a:r>
-                        <a:rPr lang="en-SG" sz="1200" b="0" dirty="0">
-                          <a:solidFill>
-                            <a:schemeClr val="tx1"/>
-                          </a:solidFill>
-                        </a:rPr>
-                        <a:t>Name</a:t>
-                      </a:r>
-                    </a:p>
-                  </a:txBody>
-                  <a:tcPr anchor="ctr">
-                    <a:lnL w="12700" cap="flat" cmpd="sng" algn="ctr">
-                      <a:solidFill>
-                        <a:schemeClr val="tx1"/>
-                      </a:solidFill>
-                      <a:prstDash val="solid"/>
-                      <a:round/>
-                      <a:headEnd type="none" w="med" len="med"/>
-                      <a:tailEnd type="none" w="med" len="med"/>
-                    </a:lnL>
-                    <a:lnR w="12700" cap="flat" cmpd="sng" algn="ctr">
-                      <a:solidFill>
-                        <a:schemeClr val="tx1"/>
-                      </a:solidFill>
-                      <a:prstDash val="solid"/>
-                      <a:round/>
-                      <a:headEnd type="none" w="med" len="med"/>
-                      <a:tailEnd type="none" w="med" len="med"/>
-                    </a:lnR>
-                    <a:lnT w="12700" cap="flat" cmpd="sng" algn="ctr">
-                      <a:solidFill>
-                        <a:schemeClr val="tx1"/>
-                      </a:solidFill>
-                      <a:prstDash val="solid"/>
-                      <a:round/>
-                      <a:headEnd type="none" w="med" len="med"/>
-                      <a:tailEnd type="none" w="med" len="med"/>
-                    </a:lnT>
-                    <a:lnB w="12700" cap="flat" cmpd="sng" algn="ctr">
-                      <a:solidFill>
-                        <a:schemeClr val="tx1"/>
-                      </a:solidFill>
-                      <a:prstDash val="solid"/>
-                      <a:round/>
-                      <a:headEnd type="none" w="med" len="med"/>
-                      <a:tailEnd type="none" w="med" len="med"/>
-                    </a:lnB>
-                    <a:solidFill>
-                      <a:schemeClr val="accent6">
-                        <a:lumMod val="20000"/>
-                        <a:lumOff val="80000"/>
-                      </a:schemeClr>
-                    </a:solidFill>
-                  </a:tcPr>
-                </a:tc>
-                <a:tc>
-                  <a:txBody>
-                    <a:bodyPr/>
-                    <a:lstStyle/>
-                    <a:p>
-                      <a:pPr algn="ctr"/>
-                      <a:r>
-                        <a:rPr lang="en-SG" sz="1200" b="0" dirty="0">
-                          <a:solidFill>
-                            <a:schemeClr val="tx1"/>
-                          </a:solidFill>
-                        </a:rPr>
-                        <a:t>Dilution</a:t>
-                      </a:r>
-                    </a:p>
-                    <a:p>
-                      <a:pPr algn="ctr"/>
-                      <a:r>
-                        <a:rPr lang="en-SG" sz="1200" b="0" dirty="0">
-                          <a:solidFill>
-                            <a:schemeClr val="tx1"/>
-                          </a:solidFill>
-                        </a:rPr>
-                        <a:t>Statistics Summary</a:t>
-                      </a:r>
-                    </a:p>
-                  </a:txBody>
-                  <a:tcPr anchor="ctr">
-                    <a:lnL w="12700" cap="flat" cmpd="sng" algn="ctr">
-                      <a:solidFill>
-                        <a:schemeClr val="tx1"/>
-                      </a:solidFill>
-                      <a:prstDash val="solid"/>
-                      <a:round/>
-                      <a:headEnd type="none" w="med" len="med"/>
-                      <a:tailEnd type="none" w="med" len="med"/>
-                    </a:lnL>
-                    <a:lnR w="12700" cap="flat" cmpd="sng" algn="ctr">
-                      <a:solidFill>
-                        <a:schemeClr val="tx1"/>
-                      </a:solidFill>
-                      <a:prstDash val="solid"/>
-                      <a:round/>
-                      <a:headEnd type="none" w="med" len="med"/>
-                      <a:tailEnd type="none" w="med" len="med"/>
-                    </a:lnR>
-                    <a:lnT w="12700" cap="flat" cmpd="sng" algn="ctr">
-                      <a:solidFill>
-                        <a:schemeClr val="tx1"/>
-                      </a:solidFill>
-                      <a:prstDash val="solid"/>
-                      <a:round/>
-                      <a:headEnd type="none" w="med" len="med"/>
-                      <a:tailEnd type="none" w="med" len="med"/>
-                    </a:lnT>
-                    <a:lnB w="12700" cap="flat" cmpd="sng" algn="ctr">
-                      <a:solidFill>
-                        <a:schemeClr val="tx1"/>
-                      </a:solidFill>
-                      <a:prstDash val="solid"/>
-                      <a:round/>
-                      <a:headEnd type="none" w="med" len="med"/>
-                      <a:tailEnd type="none" w="med" len="med"/>
-                    </a:lnB>
-                    <a:solidFill>
-                      <a:schemeClr val="accent6">
-                        <a:lumMod val="20000"/>
-                        <a:lumOff val="80000"/>
-                      </a:schemeClr>
-                    </a:solidFill>
-                  </a:tcPr>
-                </a:tc>
-                <a:tc>
-                  <a:txBody>
-                    <a:bodyPr/>
-                    <a:lstStyle/>
-                    <a:p>
-                      <a:pPr algn="ctr"/>
-                      <a:r>
-                        <a:rPr lang="en-SG" sz="1200" b="0" dirty="0">
-                          <a:solidFill>
-                            <a:schemeClr val="tx1"/>
-                          </a:solidFill>
-                        </a:rPr>
-                        <a:t>Static </a:t>
-                      </a:r>
-                    </a:p>
-                    <a:p>
-                      <a:pPr algn="ctr"/>
-                      <a:r>
-                        <a:rPr lang="en-SG" sz="1200" b="0" dirty="0">
-                          <a:solidFill>
-                            <a:schemeClr val="tx1"/>
-                          </a:solidFill>
-                        </a:rPr>
-                        <a:t>Figures</a:t>
-                      </a:r>
-                    </a:p>
-                  </a:txBody>
-                  <a:tcPr anchor="ctr">
-                    <a:lnL w="12700" cap="flat" cmpd="sng" algn="ctr">
-                      <a:solidFill>
-                        <a:schemeClr val="tx1"/>
-                      </a:solidFill>
-                      <a:prstDash val="solid"/>
-                      <a:round/>
-                      <a:headEnd type="none" w="med" len="med"/>
-                      <a:tailEnd type="none" w="med" len="med"/>
-                    </a:lnL>
-                    <a:lnR w="12700" cap="flat" cmpd="sng" algn="ctr">
-                      <a:solidFill>
-                        <a:schemeClr val="tx1"/>
-                      </a:solidFill>
-                      <a:prstDash val="solid"/>
-                      <a:round/>
-                      <a:headEnd type="none" w="med" len="med"/>
-                      <a:tailEnd type="none" w="med" len="med"/>
-                    </a:lnR>
-                    <a:lnT w="12700" cap="flat" cmpd="sng" algn="ctr">
-                      <a:solidFill>
-                        <a:schemeClr val="tx1"/>
-                      </a:solidFill>
-                      <a:prstDash val="solid"/>
-                      <a:round/>
-                      <a:headEnd type="none" w="med" len="med"/>
-                      <a:tailEnd type="none" w="med" len="med"/>
-                    </a:lnT>
-                    <a:lnB w="12700" cap="flat" cmpd="sng" algn="ctr">
-                      <a:solidFill>
-                        <a:schemeClr val="tx1"/>
-                      </a:solidFill>
-                      <a:prstDash val="solid"/>
-                      <a:round/>
-                      <a:headEnd type="none" w="med" len="med"/>
-                      <a:tailEnd type="none" w="med" len="med"/>
-                    </a:lnB>
-                    <a:solidFill>
-                      <a:schemeClr val="accent6">
-                        <a:lumMod val="20000"/>
-                        <a:lumOff val="80000"/>
-                      </a:schemeClr>
-                    </a:solidFill>
-                  </a:tcPr>
-                </a:tc>
-                <a:extLst>
-                  <a:ext uri="{0D108BD9-81ED-4DB2-BD59-A6C34878D82A}">
-                    <a16:rowId xmlns:a16="http://schemas.microsoft.com/office/drawing/2014/main" val="1491974958"/>
-                  </a:ext>
-                </a:extLst>
-              </a:tr>
-            </a:tbl>
-          </a:graphicData>
-        </a:graphic>
-      </p:graphicFrame>
-      <p:graphicFrame>
-        <p:nvGraphicFramePr>
-          <p:cNvPr id="44" name="Table 43">
-            <a:extLst>
-              <a:ext uri="{FF2B5EF4-FFF2-40B4-BE49-F238E27FC236}">
-                <a16:creationId xmlns:a16="http://schemas.microsoft.com/office/drawing/2014/main" id="{65724ED5-AEEC-4F48-857B-EBA626DD8C90}"/>
-              </a:ext>
-            </a:extLst>
-          </p:cNvPr>
-          <p:cNvGraphicFramePr>
-            <a:graphicFrameLocks noGrp="1"/>
-          </p:cNvGraphicFramePr>
-          <p:nvPr>
-            <p:extLst>
-              <p:ext uri="{D42A27DB-BD31-4B8C-83A1-F6EECF244321}">
-                <p14:modId xmlns:p14="http://schemas.microsoft.com/office/powerpoint/2010/main" val="2695643742"/>
-              </p:ext>
-            </p:extLst>
-          </p:nvPr>
-        </p:nvGraphicFramePr>
-        <p:xfrm>
-          <a:off x="8003866" y="480379"/>
-          <a:ext cx="4330323" cy="1161091"/>
-        </p:xfrm>
-        <a:graphic>
-          <a:graphicData uri="http://schemas.openxmlformats.org/drawingml/2006/table">
-            <a:tbl>
-              <a:tblPr firstRow="1" bandRow="1">
-                <a:tableStyleId>{5C22544A-7EE6-4342-B048-85BDC9FD1C3A}</a:tableStyleId>
-              </a:tblPr>
-              <a:tblGrid>
-                <a:gridCol w="922606">
-                  <a:extLst>
-                    <a:ext uri="{9D8B030D-6E8A-4147-A177-3AD203B41FA5}">
-                      <a16:colId xmlns:a16="http://schemas.microsoft.com/office/drawing/2014/main" val="3999788392"/>
-                    </a:ext>
-                  </a:extLst>
-                </a:gridCol>
-                <a:gridCol w="2456122">
-                  <a:extLst>
-                    <a:ext uri="{9D8B030D-6E8A-4147-A177-3AD203B41FA5}">
-                      <a16:colId xmlns:a16="http://schemas.microsoft.com/office/drawing/2014/main" val="1983927"/>
-                    </a:ext>
-                  </a:extLst>
-                </a:gridCol>
-                <a:gridCol w="951595">
-                  <a:extLst>
-                    <a:ext uri="{9D8B030D-6E8A-4147-A177-3AD203B41FA5}">
-                      <a16:colId xmlns:a16="http://schemas.microsoft.com/office/drawing/2014/main" val="3930359769"/>
-                    </a:ext>
-                  </a:extLst>
-                </a:gridCol>
-              </a:tblGrid>
-              <a:tr h="521011">
-                <a:tc gridSpan="2">
-                  <a:txBody>
-                    <a:bodyPr/>
-                    <a:lstStyle/>
-                    <a:p>
-                      <a:pPr algn="ctr"/>
-                      <a:r>
-                        <a:rPr lang="en-SG" sz="1800" b="0" dirty="0">
-                          <a:solidFill>
-                            <a:schemeClr val="tx1"/>
-                          </a:solidFill>
-                        </a:rPr>
-                        <a:t>Dilution Summary Table</a:t>
-                      </a:r>
-                    </a:p>
-                  </a:txBody>
-                  <a:tcPr anchor="ctr">
-                    <a:lnL w="12700" cap="flat" cmpd="sng" algn="ctr">
-                      <a:solidFill>
-                        <a:schemeClr val="tx1"/>
-                      </a:solidFill>
-                      <a:prstDash val="solid"/>
-                      <a:round/>
-                      <a:headEnd type="none" w="med" len="med"/>
-                      <a:tailEnd type="none" w="med" len="med"/>
-                    </a:lnL>
-                    <a:lnR w="12700" cap="flat" cmpd="sng" algn="ctr">
-                      <a:solidFill>
-                        <a:schemeClr val="tx1"/>
-                      </a:solidFill>
-                      <a:prstDash val="solid"/>
-                      <a:round/>
-                      <a:headEnd type="none" w="med" len="med"/>
-                      <a:tailEnd type="none" w="med" len="med"/>
-                    </a:lnR>
-                    <a:lnT w="12700" cap="flat" cmpd="sng" algn="ctr">
-                      <a:solidFill>
-                        <a:schemeClr val="tx1"/>
-                      </a:solidFill>
-                      <a:prstDash val="solid"/>
-                      <a:round/>
-                      <a:headEnd type="none" w="med" len="med"/>
-                      <a:tailEnd type="none" w="med" len="med"/>
-                    </a:lnT>
-                    <a:lnB w="12700" cap="flat" cmpd="sng" algn="ctr">
-                      <a:solidFill>
-                        <a:schemeClr val="tx1"/>
-                      </a:solidFill>
-                      <a:prstDash val="solid"/>
-                      <a:round/>
-                      <a:headEnd type="none" w="med" len="med"/>
-                      <a:tailEnd type="none" w="med" len="med"/>
-                    </a:lnB>
-                    <a:solidFill>
-                      <a:schemeClr val="accent5">
-                        <a:lumMod val="20000"/>
-                        <a:lumOff val="80000"/>
-                      </a:schemeClr>
-                    </a:solidFill>
-                  </a:tcPr>
-                </a:tc>
-                <a:tc hMerge="1">
-                  <a:txBody>
-                    <a:bodyPr/>
-                    <a:lstStyle/>
-                    <a:p>
-                      <a:endParaRPr lang="en-SG"/>
-                    </a:p>
-                  </a:txBody>
-                  <a:tcPr/>
-                </a:tc>
-                <a:tc>
-                  <a:txBody>
-                    <a:bodyPr/>
-                    <a:lstStyle/>
-                    <a:p>
-                      <a:pPr algn="ctr"/>
-                      <a:r>
-                        <a:rPr lang="en-SG" sz="1800" b="0" dirty="0">
-                          <a:solidFill>
-                            <a:schemeClr val="tx1"/>
-                          </a:solidFill>
-                        </a:rPr>
-                        <a:t>plotly Figures</a:t>
-                      </a:r>
-                    </a:p>
-                  </a:txBody>
-                  <a:tcPr anchor="ctr">
-                    <a:lnL w="12700" cap="flat" cmpd="sng" algn="ctr">
-                      <a:solidFill>
-                        <a:schemeClr val="tx1"/>
-                      </a:solidFill>
-                      <a:prstDash val="solid"/>
-                      <a:round/>
-                      <a:headEnd type="none" w="med" len="med"/>
-                      <a:tailEnd type="none" w="med" len="med"/>
-                    </a:lnL>
-                    <a:lnR w="12700" cap="flat" cmpd="sng" algn="ctr">
-                      <a:solidFill>
-                        <a:schemeClr val="tx1"/>
-                      </a:solidFill>
-                      <a:prstDash val="solid"/>
-                      <a:round/>
-                      <a:headEnd type="none" w="med" len="med"/>
-                      <a:tailEnd type="none" w="med" len="med"/>
-                    </a:lnR>
-                    <a:lnT w="12700" cap="flat" cmpd="sng" algn="ctr">
-                      <a:solidFill>
-                        <a:schemeClr val="tx1"/>
-                      </a:solidFill>
-                      <a:prstDash val="solid"/>
-                      <a:round/>
-                      <a:headEnd type="none" w="med" len="med"/>
-                      <a:tailEnd type="none" w="med" len="med"/>
-                    </a:lnT>
-                    <a:lnB w="12700" cap="flat" cmpd="sng" algn="ctr">
-                      <a:solidFill>
-                        <a:schemeClr val="tx1"/>
-                      </a:solidFill>
-                      <a:prstDash val="solid"/>
-                      <a:round/>
-                      <a:headEnd type="none" w="med" len="med"/>
-                      <a:tailEnd type="none" w="med" len="med"/>
-                    </a:lnB>
-                    <a:solidFill>
-                      <a:schemeClr val="accent5">
-                        <a:lumMod val="20000"/>
-                        <a:lumOff val="80000"/>
-                      </a:schemeClr>
-                    </a:solidFill>
-                  </a:tcPr>
-                </a:tc>
-                <a:extLst>
-                  <a:ext uri="{0D108BD9-81ED-4DB2-BD59-A6C34878D82A}">
-                    <a16:rowId xmlns:a16="http://schemas.microsoft.com/office/drawing/2014/main" val="3015718453"/>
-                  </a:ext>
-                </a:extLst>
-              </a:tr>
-              <a:tr h="521011">
-                <a:tc>
-                  <a:txBody>
-                    <a:bodyPr/>
-                    <a:lstStyle/>
-                    <a:p>
-                      <a:pPr algn="ctr"/>
-                      <a:r>
-                        <a:rPr lang="en-SG" sz="1200" b="0" dirty="0">
-                          <a:solidFill>
-                            <a:schemeClr val="tx1"/>
-                          </a:solidFill>
-                        </a:rPr>
-                        <a:t>Transition</a:t>
-                      </a:r>
-                    </a:p>
-                    <a:p>
-                      <a:pPr algn="ctr"/>
-                      <a:r>
-                        <a:rPr lang="en-SG" sz="1200" b="0" dirty="0">
-                          <a:solidFill>
-                            <a:schemeClr val="tx1"/>
-                          </a:solidFill>
-                        </a:rPr>
-                        <a:t>Name</a:t>
-                      </a:r>
-                    </a:p>
-                  </a:txBody>
-                  <a:tcPr anchor="ctr">
-                    <a:lnL w="12700" cap="flat" cmpd="sng" algn="ctr">
-                      <a:solidFill>
-                        <a:schemeClr val="tx1"/>
-                      </a:solidFill>
-                      <a:prstDash val="solid"/>
-                      <a:round/>
-                      <a:headEnd type="none" w="med" len="med"/>
-                      <a:tailEnd type="none" w="med" len="med"/>
-                    </a:lnL>
-                    <a:lnR w="12700" cap="flat" cmpd="sng" algn="ctr">
-                      <a:solidFill>
-                        <a:schemeClr val="tx1"/>
-                      </a:solidFill>
-                      <a:prstDash val="solid"/>
-                      <a:round/>
-                      <a:headEnd type="none" w="med" len="med"/>
-                      <a:tailEnd type="none" w="med" len="med"/>
-                    </a:lnR>
-                    <a:lnT w="12700" cap="flat" cmpd="sng" algn="ctr">
-                      <a:solidFill>
-                        <a:schemeClr val="tx1"/>
-                      </a:solidFill>
-                      <a:prstDash val="solid"/>
-                      <a:round/>
-                      <a:headEnd type="none" w="med" len="med"/>
-                      <a:tailEnd type="none" w="med" len="med"/>
-                    </a:lnT>
-                    <a:lnB w="12700" cap="flat" cmpd="sng" algn="ctr">
-                      <a:solidFill>
-                        <a:schemeClr val="tx1"/>
-                      </a:solidFill>
-                      <a:prstDash val="solid"/>
-                      <a:round/>
-                      <a:headEnd type="none" w="med" len="med"/>
-                      <a:tailEnd type="none" w="med" len="med"/>
-                    </a:lnB>
-                    <a:solidFill>
-                      <a:schemeClr val="accent6">
-                        <a:lumMod val="20000"/>
-                        <a:lumOff val="80000"/>
-                      </a:schemeClr>
-                    </a:solidFill>
-                  </a:tcPr>
-                </a:tc>
-                <a:tc>
-                  <a:txBody>
-                    <a:bodyPr/>
-                    <a:lstStyle/>
-                    <a:p>
-                      <a:pPr algn="ctr"/>
-                      <a:r>
-                        <a:rPr lang="en-SG" sz="1200" b="0" dirty="0">
-                          <a:solidFill>
-                            <a:schemeClr val="tx1"/>
-                          </a:solidFill>
-                        </a:rPr>
-                        <a:t>Dilution</a:t>
-                      </a:r>
-                    </a:p>
-                    <a:p>
-                      <a:pPr algn="ctr"/>
-                      <a:r>
-                        <a:rPr lang="en-SG" sz="1200" b="0" dirty="0">
-                          <a:solidFill>
-                            <a:schemeClr val="tx1"/>
-                          </a:solidFill>
-                        </a:rPr>
-                        <a:t>Statistics Summary</a:t>
-                      </a:r>
-                    </a:p>
-                  </a:txBody>
-                  <a:tcPr anchor="ctr">
-                    <a:lnL w="12700" cap="flat" cmpd="sng" algn="ctr">
-                      <a:solidFill>
-                        <a:schemeClr val="tx1"/>
-                      </a:solidFill>
-                      <a:prstDash val="solid"/>
-                      <a:round/>
-                      <a:headEnd type="none" w="med" len="med"/>
-                      <a:tailEnd type="none" w="med" len="med"/>
-                    </a:lnL>
-                    <a:lnR w="12700" cap="flat" cmpd="sng" algn="ctr">
-                      <a:solidFill>
-                        <a:schemeClr val="tx1"/>
-                      </a:solidFill>
-                      <a:prstDash val="solid"/>
-                      <a:round/>
-                      <a:headEnd type="none" w="med" len="med"/>
-                      <a:tailEnd type="none" w="med" len="med"/>
-                    </a:lnR>
-                    <a:lnT w="12700" cap="flat" cmpd="sng" algn="ctr">
-                      <a:solidFill>
-                        <a:schemeClr val="tx1"/>
-                      </a:solidFill>
-                      <a:prstDash val="solid"/>
-                      <a:round/>
-                      <a:headEnd type="none" w="med" len="med"/>
-                      <a:tailEnd type="none" w="med" len="med"/>
-                    </a:lnT>
-                    <a:lnB w="12700" cap="flat" cmpd="sng" algn="ctr">
-                      <a:solidFill>
-                        <a:schemeClr val="tx1"/>
-                      </a:solidFill>
-                      <a:prstDash val="solid"/>
-                      <a:round/>
-                      <a:headEnd type="none" w="med" len="med"/>
-                      <a:tailEnd type="none" w="med" len="med"/>
-                    </a:lnB>
-                    <a:solidFill>
-                      <a:schemeClr val="accent6">
-                        <a:lumMod val="20000"/>
-                        <a:lumOff val="80000"/>
-                      </a:schemeClr>
-                    </a:solidFill>
-                  </a:tcPr>
-                </a:tc>
-                <a:tc>
-                  <a:txBody>
-                    <a:bodyPr/>
-                    <a:lstStyle/>
-                    <a:p>
-                      <a:pPr algn="ctr"/>
-                      <a:r>
-                        <a:rPr lang="en-SG" sz="1200" b="0" dirty="0">
-                          <a:solidFill>
-                            <a:schemeClr val="tx1"/>
-                          </a:solidFill>
-                        </a:rPr>
-                        <a:t>Interactive</a:t>
-                      </a:r>
-                    </a:p>
-                    <a:p>
-                      <a:pPr algn="ctr"/>
-                      <a:r>
-                        <a:rPr lang="en-SG" sz="1200" b="0" dirty="0">
-                          <a:solidFill>
-                            <a:schemeClr val="tx1"/>
-                          </a:solidFill>
-                        </a:rPr>
-                        <a:t>Figures</a:t>
-                      </a:r>
-                    </a:p>
-                  </a:txBody>
-                  <a:tcPr anchor="ctr">
-                    <a:lnL w="12700" cap="flat" cmpd="sng" algn="ctr">
-                      <a:solidFill>
-                        <a:schemeClr val="tx1"/>
-                      </a:solidFill>
-                      <a:prstDash val="solid"/>
-                      <a:round/>
-                      <a:headEnd type="none" w="med" len="med"/>
-                      <a:tailEnd type="none" w="med" len="med"/>
-                    </a:lnL>
-                    <a:lnR w="12700" cap="flat" cmpd="sng" algn="ctr">
-                      <a:solidFill>
-                        <a:schemeClr val="tx1"/>
-                      </a:solidFill>
-                      <a:prstDash val="solid"/>
-                      <a:round/>
-                      <a:headEnd type="none" w="med" len="med"/>
-                      <a:tailEnd type="none" w="med" len="med"/>
-                    </a:lnR>
-                    <a:lnT w="12700" cap="flat" cmpd="sng" algn="ctr">
-                      <a:solidFill>
-                        <a:schemeClr val="tx1"/>
-                      </a:solidFill>
-                      <a:prstDash val="solid"/>
-                      <a:round/>
-                      <a:headEnd type="none" w="med" len="med"/>
-                      <a:tailEnd type="none" w="med" len="med"/>
-                    </a:lnT>
-                    <a:lnB w="12700" cap="flat" cmpd="sng" algn="ctr">
-                      <a:solidFill>
-                        <a:schemeClr val="tx1"/>
-                      </a:solidFill>
-                      <a:prstDash val="solid"/>
-                      <a:round/>
-                      <a:headEnd type="none" w="med" len="med"/>
-                      <a:tailEnd type="none" w="med" len="med"/>
-                    </a:lnB>
-                    <a:solidFill>
-                      <a:schemeClr val="accent6">
-                        <a:lumMod val="20000"/>
-                        <a:lumOff val="80000"/>
-                      </a:schemeClr>
-                    </a:solidFill>
-                  </a:tcPr>
-                </a:tc>
-                <a:extLst>
-                  <a:ext uri="{0D108BD9-81ED-4DB2-BD59-A6C34878D82A}">
-                    <a16:rowId xmlns:a16="http://schemas.microsoft.com/office/drawing/2014/main" val="1491974958"/>
-                  </a:ext>
-                </a:extLst>
-              </a:tr>
-            </a:tbl>
-          </a:graphicData>
-        </a:graphic>
-      </p:graphicFrame>
-      <p:graphicFrame>
-        <p:nvGraphicFramePr>
-          <p:cNvPr id="45" name="Table 44">
-            <a:extLst>
-              <a:ext uri="{FF2B5EF4-FFF2-40B4-BE49-F238E27FC236}">
-                <a16:creationId xmlns:a16="http://schemas.microsoft.com/office/drawing/2014/main" id="{3AAB4EFF-387E-402F-B950-CADD20DE2673}"/>
-              </a:ext>
-            </a:extLst>
-          </p:cNvPr>
-          <p:cNvGraphicFramePr>
-            <a:graphicFrameLocks noGrp="1"/>
-          </p:cNvGraphicFramePr>
-          <p:nvPr>
-            <p:extLst>
-              <p:ext uri="{D42A27DB-BD31-4B8C-83A1-F6EECF244321}">
-                <p14:modId xmlns:p14="http://schemas.microsoft.com/office/powerpoint/2010/main" val="3686137914"/>
-              </p:ext>
-            </p:extLst>
-          </p:nvPr>
-        </p:nvGraphicFramePr>
-        <p:xfrm>
-          <a:off x="1610803" y="1792665"/>
-          <a:ext cx="3378728" cy="886771"/>
-        </p:xfrm>
-        <a:graphic>
-          <a:graphicData uri="http://schemas.openxmlformats.org/drawingml/2006/table">
-            <a:tbl>
-              <a:tblPr firstRow="1" bandRow="1">
-                <a:tableStyleId>{5C22544A-7EE6-4342-B048-85BDC9FD1C3A}</a:tableStyleId>
-              </a:tblPr>
-              <a:tblGrid>
-                <a:gridCol w="922606">
-                  <a:extLst>
-                    <a:ext uri="{9D8B030D-6E8A-4147-A177-3AD203B41FA5}">
-                      <a16:colId xmlns:a16="http://schemas.microsoft.com/office/drawing/2014/main" val="3999788392"/>
-                    </a:ext>
-                  </a:extLst>
-                </a:gridCol>
-                <a:gridCol w="2456122">
-                  <a:extLst>
-                    <a:ext uri="{9D8B030D-6E8A-4147-A177-3AD203B41FA5}">
-                      <a16:colId xmlns:a16="http://schemas.microsoft.com/office/drawing/2014/main" val="1983927"/>
-                    </a:ext>
-                  </a:extLst>
-                </a:gridCol>
-              </a:tblGrid>
-              <a:tr h="270034">
-                <a:tc gridSpan="2">
-                  <a:txBody>
-                    <a:bodyPr/>
-                    <a:lstStyle/>
-                    <a:p>
-                      <a:pPr algn="ctr"/>
-                      <a:r>
-                        <a:rPr lang="en-SG" sz="1800" b="0" dirty="0">
-                          <a:solidFill>
-                            <a:schemeClr val="tx1"/>
-                          </a:solidFill>
-                        </a:rPr>
-                        <a:t>Dilution Summary Table</a:t>
-                      </a:r>
-                    </a:p>
-                  </a:txBody>
-                  <a:tcPr anchor="ctr">
-                    <a:lnL w="12700" cap="flat" cmpd="sng" algn="ctr">
-                      <a:solidFill>
-                        <a:schemeClr val="tx1"/>
-                      </a:solidFill>
-                      <a:prstDash val="solid"/>
-                      <a:round/>
-                      <a:headEnd type="none" w="med" len="med"/>
-                      <a:tailEnd type="none" w="med" len="med"/>
-                    </a:lnL>
-                    <a:lnR w="12700" cap="flat" cmpd="sng" algn="ctr">
-                      <a:solidFill>
-                        <a:schemeClr val="tx1"/>
-                      </a:solidFill>
-                      <a:prstDash val="solid"/>
-                      <a:round/>
-                      <a:headEnd type="none" w="med" len="med"/>
-                      <a:tailEnd type="none" w="med" len="med"/>
-                    </a:lnR>
-                    <a:lnT w="12700" cap="flat" cmpd="sng" algn="ctr">
-                      <a:solidFill>
-                        <a:schemeClr val="tx1"/>
-                      </a:solidFill>
-                      <a:prstDash val="solid"/>
-                      <a:round/>
-                      <a:headEnd type="none" w="med" len="med"/>
-                      <a:tailEnd type="none" w="med" len="med"/>
-                    </a:lnT>
-                    <a:lnB w="12700" cap="flat" cmpd="sng" algn="ctr">
-                      <a:solidFill>
-                        <a:schemeClr val="tx1"/>
-                      </a:solidFill>
-                      <a:prstDash val="solid"/>
-                      <a:round/>
-                      <a:headEnd type="none" w="med" len="med"/>
-                      <a:tailEnd type="none" w="med" len="med"/>
-                    </a:lnB>
-                    <a:solidFill>
-                      <a:schemeClr val="accent5">
-                        <a:lumMod val="20000"/>
-                        <a:lumOff val="80000"/>
-                      </a:schemeClr>
-                    </a:solidFill>
-                  </a:tcPr>
-                </a:tc>
-                <a:tc hMerge="1">
-                  <a:txBody>
-                    <a:bodyPr/>
-                    <a:lstStyle/>
-                    <a:p>
-                      <a:endParaRPr lang="en-SG"/>
-                    </a:p>
-                  </a:txBody>
-                  <a:tcPr/>
-                </a:tc>
-                <a:extLst>
-                  <a:ext uri="{0D108BD9-81ED-4DB2-BD59-A6C34878D82A}">
-                    <a16:rowId xmlns:a16="http://schemas.microsoft.com/office/drawing/2014/main" val="3015718453"/>
-                  </a:ext>
-                </a:extLst>
-              </a:tr>
-              <a:tr h="521011">
-                <a:tc>
-                  <a:txBody>
-                    <a:bodyPr/>
-                    <a:lstStyle/>
-                    <a:p>
-                      <a:pPr algn="ctr"/>
-                      <a:r>
-                        <a:rPr lang="en-SG" sz="1200" b="0" dirty="0">
-                          <a:solidFill>
-                            <a:schemeClr val="tx1"/>
-                          </a:solidFill>
-                        </a:rPr>
-                        <a:t>Transition</a:t>
-                      </a:r>
-                    </a:p>
-                    <a:p>
-                      <a:pPr algn="ctr"/>
-                      <a:r>
-                        <a:rPr lang="en-SG" sz="1200" b="0" dirty="0">
-                          <a:solidFill>
-                            <a:schemeClr val="tx1"/>
-                          </a:solidFill>
-                        </a:rPr>
-                        <a:t>Name</a:t>
-                      </a:r>
-                    </a:p>
-                  </a:txBody>
-                  <a:tcPr anchor="ctr">
-                    <a:lnL w="12700" cap="flat" cmpd="sng" algn="ctr">
-                      <a:solidFill>
-                        <a:schemeClr val="tx1"/>
-                      </a:solidFill>
-                      <a:prstDash val="solid"/>
-                      <a:round/>
-                      <a:headEnd type="none" w="med" len="med"/>
-                      <a:tailEnd type="none" w="med" len="med"/>
-                    </a:lnL>
-                    <a:lnR w="12700" cap="flat" cmpd="sng" algn="ctr">
-                      <a:solidFill>
-                        <a:schemeClr val="tx1"/>
-                      </a:solidFill>
-                      <a:prstDash val="solid"/>
-                      <a:round/>
-                      <a:headEnd type="none" w="med" len="med"/>
-                      <a:tailEnd type="none" w="med" len="med"/>
-                    </a:lnR>
-                    <a:lnT w="12700" cap="flat" cmpd="sng" algn="ctr">
-                      <a:solidFill>
-                        <a:schemeClr val="tx1"/>
-                      </a:solidFill>
-                      <a:prstDash val="solid"/>
-                      <a:round/>
-                      <a:headEnd type="none" w="med" len="med"/>
-                      <a:tailEnd type="none" w="med" len="med"/>
-                    </a:lnT>
-                    <a:lnB w="12700" cap="flat" cmpd="sng" algn="ctr">
-                      <a:solidFill>
-                        <a:schemeClr val="tx1"/>
-                      </a:solidFill>
-                      <a:prstDash val="solid"/>
-                      <a:round/>
-                      <a:headEnd type="none" w="med" len="med"/>
-                      <a:tailEnd type="none" w="med" len="med"/>
-                    </a:lnB>
-                    <a:solidFill>
-                      <a:schemeClr val="accent6">
-                        <a:lumMod val="20000"/>
-                        <a:lumOff val="80000"/>
-                      </a:schemeClr>
-                    </a:solidFill>
-                  </a:tcPr>
-                </a:tc>
-                <a:tc>
-                  <a:txBody>
-                    <a:bodyPr/>
-                    <a:lstStyle/>
-                    <a:p>
-                      <a:pPr algn="ctr"/>
-                      <a:r>
-                        <a:rPr lang="en-SG" sz="1200" b="0" dirty="0">
-                          <a:solidFill>
-                            <a:schemeClr val="tx1"/>
-                          </a:solidFill>
-                        </a:rPr>
-                        <a:t>Dilution</a:t>
-                      </a:r>
-                    </a:p>
-                    <a:p>
-                      <a:pPr algn="ctr"/>
-                      <a:r>
-                        <a:rPr lang="en-SG" sz="1200" b="0" dirty="0">
-                          <a:solidFill>
-                            <a:schemeClr val="tx1"/>
-                          </a:solidFill>
-                        </a:rPr>
-                        <a:t>Statistics Summary</a:t>
-                      </a:r>
-                    </a:p>
-                  </a:txBody>
-                  <a:tcPr anchor="ctr">
-                    <a:lnL w="12700" cap="flat" cmpd="sng" algn="ctr">
-                      <a:solidFill>
-                        <a:schemeClr val="tx1"/>
-                      </a:solidFill>
-                      <a:prstDash val="solid"/>
-                      <a:round/>
-                      <a:headEnd type="none" w="med" len="med"/>
-                      <a:tailEnd type="none" w="med" len="med"/>
-                    </a:lnL>
-                    <a:lnR w="12700" cap="flat" cmpd="sng" algn="ctr">
-                      <a:solidFill>
-                        <a:schemeClr val="tx1"/>
-                      </a:solidFill>
-                      <a:prstDash val="solid"/>
-                      <a:round/>
-                      <a:headEnd type="none" w="med" len="med"/>
-                      <a:tailEnd type="none" w="med" len="med"/>
-                    </a:lnR>
-                    <a:lnT w="12700" cap="flat" cmpd="sng" algn="ctr">
-                      <a:solidFill>
-                        <a:schemeClr val="tx1"/>
-                      </a:solidFill>
-                      <a:prstDash val="solid"/>
-                      <a:round/>
-                      <a:headEnd type="none" w="med" len="med"/>
-                      <a:tailEnd type="none" w="med" len="med"/>
-                    </a:lnT>
-                    <a:lnB w="12700" cap="flat" cmpd="sng" algn="ctr">
-                      <a:solidFill>
-                        <a:schemeClr val="tx1"/>
-                      </a:solidFill>
-                      <a:prstDash val="solid"/>
-                      <a:round/>
-                      <a:headEnd type="none" w="med" len="med"/>
-                      <a:tailEnd type="none" w="med" len="med"/>
-                    </a:lnB>
-                    <a:solidFill>
-                      <a:schemeClr val="accent6">
-                        <a:lumMod val="20000"/>
-                        <a:lumOff val="80000"/>
-                      </a:schemeClr>
-                    </a:solidFill>
-                  </a:tcPr>
-                </a:tc>
-                <a:extLst>
-                  <a:ext uri="{0D108BD9-81ED-4DB2-BD59-A6C34878D82A}">
-                    <a16:rowId xmlns:a16="http://schemas.microsoft.com/office/drawing/2014/main" val="1491974958"/>
-                  </a:ext>
-                </a:extLst>
-              </a:tr>
-            </a:tbl>
-          </a:graphicData>
-        </a:graphic>
-      </p:graphicFrame>
-      <p:graphicFrame>
-        <p:nvGraphicFramePr>
-          <p:cNvPr id="46" name="Table 45">
-            <a:extLst>
-              <a:ext uri="{FF2B5EF4-FFF2-40B4-BE49-F238E27FC236}">
-                <a16:creationId xmlns:a16="http://schemas.microsoft.com/office/drawing/2014/main" id="{C3B9D90D-D3D4-4602-ABA6-63D1B727519E}"/>
-              </a:ext>
-            </a:extLst>
-          </p:cNvPr>
-          <p:cNvGraphicFramePr>
-            <a:graphicFrameLocks noGrp="1"/>
-          </p:cNvGraphicFramePr>
-          <p:nvPr>
-            <p:extLst>
-              <p:ext uri="{D42A27DB-BD31-4B8C-83A1-F6EECF244321}">
-                <p14:modId xmlns:p14="http://schemas.microsoft.com/office/powerpoint/2010/main" val="3909250053"/>
-              </p:ext>
-            </p:extLst>
-          </p:nvPr>
-        </p:nvGraphicFramePr>
-        <p:xfrm>
-          <a:off x="1610803" y="412488"/>
-          <a:ext cx="3378728" cy="886771"/>
-        </p:xfrm>
-        <a:graphic>
-          <a:graphicData uri="http://schemas.openxmlformats.org/drawingml/2006/table">
-            <a:tbl>
-              <a:tblPr firstRow="1" bandRow="1">
-                <a:tableStyleId>{5C22544A-7EE6-4342-B048-85BDC9FD1C3A}</a:tableStyleId>
-              </a:tblPr>
-              <a:tblGrid>
-                <a:gridCol w="778542">
-                  <a:extLst>
-                    <a:ext uri="{9D8B030D-6E8A-4147-A177-3AD203B41FA5}">
-                      <a16:colId xmlns:a16="http://schemas.microsoft.com/office/drawing/2014/main" val="3999788392"/>
-                    </a:ext>
-                  </a:extLst>
-                </a:gridCol>
-                <a:gridCol w="962771">
-                  <a:extLst>
-                    <a:ext uri="{9D8B030D-6E8A-4147-A177-3AD203B41FA5}">
-                      <a16:colId xmlns:a16="http://schemas.microsoft.com/office/drawing/2014/main" val="1983927"/>
-                    </a:ext>
-                  </a:extLst>
-                </a:gridCol>
-                <a:gridCol w="818708">
-                  <a:extLst>
-                    <a:ext uri="{9D8B030D-6E8A-4147-A177-3AD203B41FA5}">
-                      <a16:colId xmlns:a16="http://schemas.microsoft.com/office/drawing/2014/main" val="2006484693"/>
-                    </a:ext>
-                  </a:extLst>
-                </a:gridCol>
-                <a:gridCol w="818707">
-                  <a:extLst>
-                    <a:ext uri="{9D8B030D-6E8A-4147-A177-3AD203B41FA5}">
-                      <a16:colId xmlns:a16="http://schemas.microsoft.com/office/drawing/2014/main" val="2608636971"/>
-                    </a:ext>
-                  </a:extLst>
-                </a:gridCol>
-              </a:tblGrid>
-              <a:tr h="117068">
-                <a:tc gridSpan="4">
-                  <a:txBody>
-                    <a:bodyPr/>
-                    <a:lstStyle/>
-                    <a:p>
-                      <a:pPr algn="ctr"/>
-                      <a:r>
-                        <a:rPr lang="en-SG" sz="1800" b="0" dirty="0">
-                          <a:solidFill>
-                            <a:schemeClr val="tx1"/>
-                          </a:solidFill>
-                        </a:rPr>
-                        <a:t>Dilution Table</a:t>
-                      </a:r>
-                    </a:p>
-                  </a:txBody>
-                  <a:tcPr anchor="ctr">
-                    <a:lnL w="12700" cap="flat" cmpd="sng" algn="ctr">
-                      <a:solidFill>
-                        <a:schemeClr val="tx1"/>
-                      </a:solidFill>
-                      <a:prstDash val="solid"/>
-                      <a:round/>
-                      <a:headEnd type="none" w="med" len="med"/>
-                      <a:tailEnd type="none" w="med" len="med"/>
-                    </a:lnL>
-                    <a:lnR w="12700" cap="flat" cmpd="sng" algn="ctr">
-                      <a:solidFill>
-                        <a:schemeClr val="tx1"/>
-                      </a:solidFill>
-                      <a:prstDash val="solid"/>
-                      <a:round/>
-                      <a:headEnd type="none" w="med" len="med"/>
-                      <a:tailEnd type="none" w="med" len="med"/>
-                    </a:lnR>
-                    <a:lnT w="12700" cap="flat" cmpd="sng" algn="ctr">
-                      <a:solidFill>
-                        <a:schemeClr val="tx1"/>
-                      </a:solidFill>
-                      <a:prstDash val="solid"/>
-                      <a:round/>
-                      <a:headEnd type="none" w="med" len="med"/>
-                      <a:tailEnd type="none" w="med" len="med"/>
-                    </a:lnT>
-                    <a:lnB w="12700" cap="flat" cmpd="sng" algn="ctr">
-                      <a:solidFill>
-                        <a:schemeClr val="tx1"/>
-                      </a:solidFill>
-                      <a:prstDash val="solid"/>
-                      <a:round/>
-                      <a:headEnd type="none" w="med" len="med"/>
-                      <a:tailEnd type="none" w="med" len="med"/>
-                    </a:lnB>
-                    <a:solidFill>
-                      <a:schemeClr val="accent5">
-                        <a:lumMod val="20000"/>
-                        <a:lumOff val="80000"/>
-                      </a:schemeClr>
-                    </a:solidFill>
-                  </a:tcPr>
-                </a:tc>
-                <a:tc hMerge="1">
-                  <a:txBody>
-                    <a:bodyPr/>
-                    <a:lstStyle/>
-                    <a:p>
-                      <a:endParaRPr lang="en-SG"/>
-                    </a:p>
-                  </a:txBody>
-                  <a:tcPr/>
-                </a:tc>
-                <a:tc hMerge="1">
-                  <a:txBody>
-                    <a:bodyPr/>
-                    <a:lstStyle/>
-                    <a:p>
-                      <a:endParaRPr lang="en-SG"/>
-                    </a:p>
-                  </a:txBody>
-                  <a:tcPr/>
-                </a:tc>
-                <a:tc hMerge="1">
-                  <a:txBody>
-                    <a:bodyPr/>
-                    <a:lstStyle/>
-                    <a:p>
-                      <a:endParaRPr lang="en-SG"/>
-                    </a:p>
-                  </a:txBody>
-                  <a:tcPr/>
-                </a:tc>
-                <a:extLst>
-                  <a:ext uri="{0D108BD9-81ED-4DB2-BD59-A6C34878D82A}">
-                    <a16:rowId xmlns:a16="http://schemas.microsoft.com/office/drawing/2014/main" val="3015718453"/>
-                  </a:ext>
-                </a:extLst>
-              </a:tr>
-              <a:tr h="521011">
-                <a:tc>
-                  <a:txBody>
-                    <a:bodyPr/>
-                    <a:lstStyle/>
-                    <a:p>
-                      <a:pPr algn="ctr"/>
-                      <a:r>
-                        <a:rPr lang="en-SG" sz="1200" dirty="0">
-                          <a:solidFill>
-                            <a:schemeClr val="tx1"/>
-                          </a:solidFill>
-                        </a:rPr>
-                        <a:t>Sample Name</a:t>
-                      </a:r>
-                    </a:p>
-                  </a:txBody>
-                  <a:tcPr anchor="ctr">
-                    <a:lnL w="12700" cap="flat" cmpd="sng" algn="ctr">
-                      <a:solidFill>
-                        <a:schemeClr val="tx1"/>
-                      </a:solidFill>
-                      <a:prstDash val="solid"/>
-                      <a:round/>
-                      <a:headEnd type="none" w="med" len="med"/>
-                      <a:tailEnd type="none" w="med" len="med"/>
-                    </a:lnL>
-                    <a:lnR w="12700" cap="flat" cmpd="sng" algn="ctr">
-                      <a:solidFill>
-                        <a:schemeClr val="tx1"/>
-                      </a:solidFill>
-                      <a:prstDash val="solid"/>
-                      <a:round/>
-                      <a:headEnd type="none" w="med" len="med"/>
-                      <a:tailEnd type="none" w="med" len="med"/>
-                    </a:lnR>
-                    <a:lnT w="12700" cap="flat" cmpd="sng" algn="ctr">
-                      <a:solidFill>
-                        <a:schemeClr val="tx1"/>
-                      </a:solidFill>
-                      <a:prstDash val="solid"/>
-                      <a:round/>
-                      <a:headEnd type="none" w="med" len="med"/>
-                      <a:tailEnd type="none" w="med" len="med"/>
-                    </a:lnT>
-                    <a:lnB w="12700" cap="flat" cmpd="sng" algn="ctr">
-                      <a:solidFill>
-                        <a:schemeClr val="tx1"/>
-                      </a:solidFill>
-                      <a:prstDash val="solid"/>
-                      <a:round/>
-                      <a:headEnd type="none" w="med" len="med"/>
-                      <a:tailEnd type="none" w="med" len="med"/>
-                    </a:lnB>
-                    <a:solidFill>
-                      <a:schemeClr val="accent6">
-                        <a:lumMod val="20000"/>
-                        <a:lumOff val="80000"/>
-                      </a:schemeClr>
-                    </a:solidFill>
-                  </a:tcPr>
-                </a:tc>
-                <a:tc>
-                  <a:txBody>
-                    <a:bodyPr/>
-                    <a:lstStyle/>
-                    <a:p>
-                      <a:pPr algn="ctr"/>
-                      <a:r>
-                        <a:rPr lang="en-SG" sz="1200" dirty="0">
-                          <a:solidFill>
-                            <a:schemeClr val="tx1"/>
-                          </a:solidFill>
-                        </a:rPr>
-                        <a:t>Dilution</a:t>
-                      </a:r>
-                    </a:p>
-                    <a:p>
-                      <a:pPr algn="ctr"/>
-                      <a:r>
-                        <a:rPr lang="en-SG" sz="1200" dirty="0">
-                          <a:solidFill>
-                            <a:schemeClr val="tx1"/>
-                          </a:solidFill>
-                        </a:rPr>
-                        <a:t>Annotation</a:t>
-                      </a:r>
-                    </a:p>
-                  </a:txBody>
-                  <a:tcPr anchor="ctr">
-                    <a:lnL w="12700" cap="flat" cmpd="sng" algn="ctr">
-                      <a:solidFill>
-                        <a:schemeClr val="tx1"/>
-                      </a:solidFill>
-                      <a:prstDash val="solid"/>
-                      <a:round/>
-                      <a:headEnd type="none" w="med" len="med"/>
-                      <a:tailEnd type="none" w="med" len="med"/>
-                    </a:lnL>
-                    <a:lnR w="12700" cap="flat" cmpd="sng" algn="ctr">
-                      <a:solidFill>
-                        <a:schemeClr val="tx1"/>
-                      </a:solidFill>
-                      <a:prstDash val="solid"/>
-                      <a:round/>
-                      <a:headEnd type="none" w="med" len="med"/>
-                      <a:tailEnd type="none" w="med" len="med"/>
-                    </a:lnR>
-                    <a:lnT w="12700" cap="flat" cmpd="sng" algn="ctr">
-                      <a:solidFill>
-                        <a:schemeClr val="tx1"/>
-                      </a:solidFill>
-                      <a:prstDash val="solid"/>
-                      <a:round/>
-                      <a:headEnd type="none" w="med" len="med"/>
-                      <a:tailEnd type="none" w="med" len="med"/>
-                    </a:lnT>
-                    <a:lnB w="12700" cap="flat" cmpd="sng" algn="ctr">
-                      <a:solidFill>
-                        <a:schemeClr val="tx1"/>
-                      </a:solidFill>
-                      <a:prstDash val="solid"/>
-                      <a:round/>
-                      <a:headEnd type="none" w="med" len="med"/>
-                      <a:tailEnd type="none" w="med" len="med"/>
-                    </a:lnB>
-                    <a:solidFill>
-                      <a:schemeClr val="accent6">
-                        <a:lumMod val="20000"/>
-                        <a:lumOff val="80000"/>
-                      </a:schemeClr>
-                    </a:solidFill>
-                  </a:tcPr>
-                </a:tc>
-                <a:tc>
-                  <a:txBody>
-                    <a:bodyPr/>
-                    <a:lstStyle/>
-                    <a:p>
-                      <a:pPr algn="ctr"/>
-                      <a:r>
-                        <a:rPr lang="en-SG" sz="1200" dirty="0">
-                          <a:solidFill>
-                            <a:schemeClr val="tx1"/>
-                          </a:solidFill>
-                        </a:rPr>
-                        <a:t>Transition</a:t>
-                      </a:r>
-                    </a:p>
-                    <a:p>
-                      <a:pPr algn="ctr"/>
-                      <a:r>
-                        <a:rPr lang="en-SG" sz="1200" dirty="0">
-                          <a:solidFill>
-                            <a:schemeClr val="tx1"/>
-                          </a:solidFill>
-                        </a:rPr>
-                        <a:t>Name</a:t>
-                      </a:r>
-                    </a:p>
-                  </a:txBody>
-                  <a:tcPr anchor="ctr">
-                    <a:lnL w="12700" cap="flat" cmpd="sng" algn="ctr">
-                      <a:solidFill>
-                        <a:schemeClr val="tx1"/>
-                      </a:solidFill>
-                      <a:prstDash val="solid"/>
-                      <a:round/>
-                      <a:headEnd type="none" w="med" len="med"/>
-                      <a:tailEnd type="none" w="med" len="med"/>
-                    </a:lnL>
-                    <a:lnR w="12700" cap="flat" cmpd="sng" algn="ctr">
-                      <a:solidFill>
-                        <a:schemeClr val="tx1"/>
-                      </a:solidFill>
-                      <a:prstDash val="solid"/>
-                      <a:round/>
-                      <a:headEnd type="none" w="med" len="med"/>
-                      <a:tailEnd type="none" w="med" len="med"/>
-                    </a:lnR>
-                    <a:lnT w="12700" cap="flat" cmpd="sng" algn="ctr">
-                      <a:solidFill>
-                        <a:schemeClr val="tx1"/>
-                      </a:solidFill>
-                      <a:prstDash val="solid"/>
-                      <a:round/>
-                      <a:headEnd type="none" w="med" len="med"/>
-                      <a:tailEnd type="none" w="med" len="med"/>
-                    </a:lnT>
-                    <a:lnB w="12700" cap="flat" cmpd="sng" algn="ctr">
-                      <a:solidFill>
-                        <a:schemeClr val="tx1"/>
-                      </a:solidFill>
-                      <a:prstDash val="solid"/>
-                      <a:round/>
-                      <a:headEnd type="none" w="med" len="med"/>
-                      <a:tailEnd type="none" w="med" len="med"/>
-                    </a:lnB>
-                    <a:solidFill>
-                      <a:schemeClr val="accent6">
-                        <a:lumMod val="20000"/>
-                        <a:lumOff val="80000"/>
-                      </a:schemeClr>
-                    </a:solidFill>
-                  </a:tcPr>
-                </a:tc>
-                <a:tc>
-                  <a:txBody>
-                    <a:bodyPr/>
-                    <a:lstStyle/>
-                    <a:p>
-                      <a:pPr marL="0" marR="0" lvl="0" indent="0" algn="ctr" defTabSz="914400" rtl="0" eaLnBrk="1" fontAlgn="auto" latinLnBrk="0" hangingPunct="1">
-                        <a:lnSpc>
-                          <a:spcPct val="100000"/>
-                        </a:lnSpc>
-                        <a:spcBef>
-                          <a:spcPts val="0"/>
-                        </a:spcBef>
-                        <a:spcAft>
-                          <a:spcPts val="0"/>
-                        </a:spcAft>
-                        <a:buClrTx/>
-                        <a:buSzTx/>
-                        <a:buFontTx/>
-                        <a:buNone/>
-                        <a:tabLst/>
-                        <a:defRPr/>
-                      </a:pPr>
-                      <a:r>
-                        <a:rPr lang="en-SG" sz="1200" dirty="0">
-                          <a:solidFill>
-                            <a:schemeClr val="tx1"/>
-                          </a:solidFill>
-                        </a:rPr>
-                        <a:t>Signal</a:t>
-                      </a:r>
-                    </a:p>
-                  </a:txBody>
-                  <a:tcPr anchor="ctr">
-                    <a:lnL w="12700" cap="flat" cmpd="sng" algn="ctr">
-                      <a:solidFill>
-                        <a:schemeClr val="tx1"/>
-                      </a:solidFill>
-                      <a:prstDash val="solid"/>
-                      <a:round/>
-                      <a:headEnd type="none" w="med" len="med"/>
-                      <a:tailEnd type="none" w="med" len="med"/>
-                    </a:lnL>
-                    <a:lnR w="12700" cap="flat" cmpd="sng" algn="ctr">
-                      <a:solidFill>
-                        <a:schemeClr val="tx1"/>
-                      </a:solidFill>
-                      <a:prstDash val="solid"/>
-                      <a:round/>
-                      <a:headEnd type="none" w="med" len="med"/>
-                      <a:tailEnd type="none" w="med" len="med"/>
-                    </a:lnR>
-                    <a:lnT w="12700" cap="flat" cmpd="sng" algn="ctr">
-                      <a:solidFill>
-                        <a:schemeClr val="tx1"/>
-                      </a:solidFill>
-                      <a:prstDash val="solid"/>
-                      <a:round/>
-                      <a:headEnd type="none" w="med" len="med"/>
-                      <a:tailEnd type="none" w="med" len="med"/>
-                    </a:lnT>
-                    <a:lnB w="12700" cap="flat" cmpd="sng" algn="ctr">
-                      <a:solidFill>
-                        <a:schemeClr val="tx1"/>
-                      </a:solidFill>
-                      <a:prstDash val="solid"/>
-                      <a:round/>
-                      <a:headEnd type="none" w="med" len="med"/>
-                      <a:tailEnd type="none" w="med" len="med"/>
-                    </a:lnB>
-                    <a:solidFill>
-                      <a:schemeClr val="accent6">
-                        <a:lumMod val="20000"/>
-                        <a:lumOff val="80000"/>
-                      </a:schemeClr>
-                    </a:solidFill>
-                  </a:tcPr>
-                </a:tc>
-                <a:extLst>
-                  <a:ext uri="{0D108BD9-81ED-4DB2-BD59-A6C34878D82A}">
-                    <a16:rowId xmlns:a16="http://schemas.microsoft.com/office/drawing/2014/main" val="1491974958"/>
-                  </a:ext>
-                </a:extLst>
-              </a:tr>
-            </a:tbl>
-          </a:graphicData>
-        </a:graphic>
-      </p:graphicFrame>
-      <p:graphicFrame>
-        <p:nvGraphicFramePr>
-          <p:cNvPr id="47" name="Table 46">
-            <a:extLst>
-              <a:ext uri="{FF2B5EF4-FFF2-40B4-BE49-F238E27FC236}">
-                <a16:creationId xmlns:a16="http://schemas.microsoft.com/office/drawing/2014/main" id="{79098E1F-40AD-4F7B-A90F-BD88A8DC8C00}"/>
-              </a:ext>
-            </a:extLst>
-          </p:cNvPr>
-          <p:cNvGraphicFramePr>
-            <a:graphicFrameLocks noGrp="1"/>
-          </p:cNvGraphicFramePr>
-          <p:nvPr>
-            <p:extLst>
-              <p:ext uri="{D42A27DB-BD31-4B8C-83A1-F6EECF244321}">
-                <p14:modId xmlns:p14="http://schemas.microsoft.com/office/powerpoint/2010/main" val="4017921570"/>
-              </p:ext>
-            </p:extLst>
-          </p:nvPr>
-        </p:nvGraphicFramePr>
-        <p:xfrm>
-          <a:off x="-3676960" y="409998"/>
-          <a:ext cx="2183008" cy="886771"/>
-        </p:xfrm>
-        <a:graphic>
-          <a:graphicData uri="http://schemas.openxmlformats.org/drawingml/2006/table">
-            <a:tbl>
-              <a:tblPr firstRow="1" bandRow="1">
-                <a:tableStyleId>{5C22544A-7EE6-4342-B048-85BDC9FD1C3A}</a:tableStyleId>
-              </a:tblPr>
-              <a:tblGrid>
-                <a:gridCol w="911321">
-                  <a:extLst>
-                    <a:ext uri="{9D8B030D-6E8A-4147-A177-3AD203B41FA5}">
-                      <a16:colId xmlns:a16="http://schemas.microsoft.com/office/drawing/2014/main" val="3999788392"/>
-                    </a:ext>
-                  </a:extLst>
-                </a:gridCol>
-                <a:gridCol w="1271687">
-                  <a:extLst>
-                    <a:ext uri="{9D8B030D-6E8A-4147-A177-3AD203B41FA5}">
-                      <a16:colId xmlns:a16="http://schemas.microsoft.com/office/drawing/2014/main" val="1983927"/>
-                    </a:ext>
-                  </a:extLst>
-                </a:gridCol>
-              </a:tblGrid>
-              <a:tr h="261761">
-                <a:tc gridSpan="2">
-                  <a:txBody>
-                    <a:bodyPr/>
-                    <a:lstStyle/>
-                    <a:p>
-                      <a:pPr algn="ctr"/>
-                      <a:r>
-                        <a:rPr lang="en-SG" sz="1800" b="0" dirty="0">
-                          <a:solidFill>
-                            <a:schemeClr val="tx1"/>
-                          </a:solidFill>
-                        </a:rPr>
-                        <a:t>Dilution Annotation</a:t>
-                      </a:r>
-                    </a:p>
-                  </a:txBody>
-                  <a:tcPr anchor="ctr">
-                    <a:lnL w="12700" cap="flat" cmpd="sng" algn="ctr">
-                      <a:solidFill>
-                        <a:schemeClr val="tx1"/>
-                      </a:solidFill>
-                      <a:prstDash val="solid"/>
-                      <a:round/>
-                      <a:headEnd type="none" w="med" len="med"/>
-                      <a:tailEnd type="none" w="med" len="med"/>
-                    </a:lnL>
-                    <a:lnR w="12700" cap="flat" cmpd="sng" algn="ctr">
-                      <a:solidFill>
-                        <a:schemeClr val="tx1"/>
-                      </a:solidFill>
-                      <a:prstDash val="solid"/>
-                      <a:round/>
-                      <a:headEnd type="none" w="med" len="med"/>
-                      <a:tailEnd type="none" w="med" len="med"/>
-                    </a:lnR>
-                    <a:lnT w="12700" cap="flat" cmpd="sng" algn="ctr">
-                      <a:solidFill>
-                        <a:schemeClr val="tx1"/>
-                      </a:solidFill>
-                      <a:prstDash val="solid"/>
-                      <a:round/>
-                      <a:headEnd type="none" w="med" len="med"/>
-                      <a:tailEnd type="none" w="med" len="med"/>
-                    </a:lnT>
-                    <a:lnB w="12700" cap="flat" cmpd="sng" algn="ctr">
-                      <a:solidFill>
-                        <a:schemeClr val="tx1"/>
-                      </a:solidFill>
-                      <a:prstDash val="solid"/>
-                      <a:round/>
-                      <a:headEnd type="none" w="med" len="med"/>
-                      <a:tailEnd type="none" w="med" len="med"/>
-                    </a:lnB>
-                    <a:solidFill>
-                      <a:schemeClr val="accent5">
-                        <a:lumMod val="20000"/>
-                        <a:lumOff val="80000"/>
-                      </a:schemeClr>
-                    </a:solidFill>
-                  </a:tcPr>
-                </a:tc>
-                <a:tc hMerge="1">
-                  <a:txBody>
-                    <a:bodyPr/>
-                    <a:lstStyle/>
-                    <a:p>
-                      <a:endParaRPr lang="en-SG"/>
-                    </a:p>
-                  </a:txBody>
-                  <a:tcPr/>
-                </a:tc>
-                <a:extLst>
-                  <a:ext uri="{0D108BD9-81ED-4DB2-BD59-A6C34878D82A}">
-                    <a16:rowId xmlns:a16="http://schemas.microsoft.com/office/drawing/2014/main" val="3015718453"/>
-                  </a:ext>
-                </a:extLst>
-              </a:tr>
-              <a:tr h="521011">
-                <a:tc>
-                  <a:txBody>
-                    <a:bodyPr/>
-                    <a:lstStyle/>
-                    <a:p>
-                      <a:pPr algn="ctr"/>
-                      <a:r>
-                        <a:rPr lang="en-SG" sz="1200" dirty="0">
-                          <a:solidFill>
-                            <a:schemeClr val="tx1"/>
-                          </a:solidFill>
-                        </a:rPr>
-                        <a:t>Sample Name</a:t>
-                      </a:r>
-                    </a:p>
-                  </a:txBody>
-                  <a:tcPr anchor="ctr">
-                    <a:lnL w="12700" cap="flat" cmpd="sng" algn="ctr">
-                      <a:solidFill>
-                        <a:schemeClr val="tx1"/>
-                      </a:solidFill>
-                      <a:prstDash val="solid"/>
-                      <a:round/>
-                      <a:headEnd type="none" w="med" len="med"/>
-                      <a:tailEnd type="none" w="med" len="med"/>
-                    </a:lnL>
-                    <a:lnR w="12700" cap="flat" cmpd="sng" algn="ctr">
-                      <a:solidFill>
-                        <a:schemeClr val="tx1"/>
-                      </a:solidFill>
-                      <a:prstDash val="solid"/>
-                      <a:round/>
-                      <a:headEnd type="none" w="med" len="med"/>
-                      <a:tailEnd type="none" w="med" len="med"/>
-                    </a:lnR>
-                    <a:lnT w="12700" cap="flat" cmpd="sng" algn="ctr">
-                      <a:solidFill>
-                        <a:schemeClr val="tx1"/>
-                      </a:solidFill>
-                      <a:prstDash val="solid"/>
-                      <a:round/>
-                      <a:headEnd type="none" w="med" len="med"/>
-                      <a:tailEnd type="none" w="med" len="med"/>
-                    </a:lnT>
-                    <a:lnB w="12700" cap="flat" cmpd="sng" algn="ctr">
-                      <a:solidFill>
-                        <a:schemeClr val="tx1"/>
-                      </a:solidFill>
-                      <a:prstDash val="solid"/>
-                      <a:round/>
-                      <a:headEnd type="none" w="med" len="med"/>
-                      <a:tailEnd type="none" w="med" len="med"/>
-                    </a:lnB>
-                    <a:solidFill>
-                      <a:schemeClr val="accent6">
-                        <a:lumMod val="20000"/>
-                        <a:lumOff val="80000"/>
-                      </a:schemeClr>
-                    </a:solidFill>
-                  </a:tcPr>
-                </a:tc>
-                <a:tc>
-                  <a:txBody>
-                    <a:bodyPr/>
-                    <a:lstStyle/>
-                    <a:p>
-                      <a:pPr algn="ctr"/>
-                      <a:r>
-                        <a:rPr lang="en-SG" sz="1200" dirty="0">
-                          <a:solidFill>
-                            <a:schemeClr val="tx1"/>
-                          </a:solidFill>
-                        </a:rPr>
-                        <a:t>Dilution</a:t>
-                      </a:r>
-                    </a:p>
-                    <a:p>
-                      <a:pPr algn="ctr"/>
-                      <a:r>
-                        <a:rPr lang="en-SG" sz="1200" dirty="0">
-                          <a:solidFill>
-                            <a:schemeClr val="tx1"/>
-                          </a:solidFill>
-                        </a:rPr>
-                        <a:t>Annotation</a:t>
-                      </a:r>
-                    </a:p>
-                  </a:txBody>
-                  <a:tcPr anchor="ctr">
-                    <a:lnL w="12700" cap="flat" cmpd="sng" algn="ctr">
-                      <a:solidFill>
-                        <a:schemeClr val="tx1"/>
-                      </a:solidFill>
-                      <a:prstDash val="solid"/>
-                      <a:round/>
-                      <a:headEnd type="none" w="med" len="med"/>
-                      <a:tailEnd type="none" w="med" len="med"/>
-                    </a:lnL>
-                    <a:lnR w="12700" cap="flat" cmpd="sng" algn="ctr">
-                      <a:solidFill>
-                        <a:schemeClr val="tx1"/>
-                      </a:solidFill>
-                      <a:prstDash val="solid"/>
-                      <a:round/>
-                      <a:headEnd type="none" w="med" len="med"/>
-                      <a:tailEnd type="none" w="med" len="med"/>
-                    </a:lnR>
-                    <a:lnT w="12700" cap="flat" cmpd="sng" algn="ctr">
-                      <a:solidFill>
-                        <a:schemeClr val="tx1"/>
-                      </a:solidFill>
-                      <a:prstDash val="solid"/>
-                      <a:round/>
-                      <a:headEnd type="none" w="med" len="med"/>
-                      <a:tailEnd type="none" w="med" len="med"/>
-                    </a:lnT>
-                    <a:lnB w="12700" cap="flat" cmpd="sng" algn="ctr">
-                      <a:solidFill>
-                        <a:schemeClr val="tx1"/>
-                      </a:solidFill>
-                      <a:prstDash val="solid"/>
-                      <a:round/>
-                      <a:headEnd type="none" w="med" len="med"/>
-                      <a:tailEnd type="none" w="med" len="med"/>
-                    </a:lnB>
-                    <a:solidFill>
-                      <a:schemeClr val="accent6">
-                        <a:lumMod val="20000"/>
-                        <a:lumOff val="80000"/>
-                      </a:schemeClr>
-                    </a:solidFill>
-                  </a:tcPr>
-                </a:tc>
-                <a:extLst>
-                  <a:ext uri="{0D108BD9-81ED-4DB2-BD59-A6C34878D82A}">
-                    <a16:rowId xmlns:a16="http://schemas.microsoft.com/office/drawing/2014/main" val="1491974958"/>
-                  </a:ext>
-                </a:extLst>
-              </a:tr>
-            </a:tbl>
-          </a:graphicData>
-        </a:graphic>
-      </p:graphicFrame>
-      <p:graphicFrame>
-        <p:nvGraphicFramePr>
-          <p:cNvPr id="48" name="Table 47">
-            <a:extLst>
-              <a:ext uri="{FF2B5EF4-FFF2-40B4-BE49-F238E27FC236}">
-                <a16:creationId xmlns:a16="http://schemas.microsoft.com/office/drawing/2014/main" id="{7C76EEFD-A19F-4C50-8CF9-42E9E4D1CB3C}"/>
-              </a:ext>
-            </a:extLst>
-          </p:cNvPr>
-          <p:cNvGraphicFramePr>
-            <a:graphicFrameLocks noGrp="1"/>
-          </p:cNvGraphicFramePr>
-          <p:nvPr>
-            <p:extLst>
-              <p:ext uri="{D42A27DB-BD31-4B8C-83A1-F6EECF244321}">
-                <p14:modId xmlns:p14="http://schemas.microsoft.com/office/powerpoint/2010/main" val="3210867857"/>
-              </p:ext>
-            </p:extLst>
-          </p:nvPr>
-        </p:nvGraphicFramePr>
-        <p:xfrm>
-          <a:off x="-3831947" y="1530765"/>
-          <a:ext cx="2492982" cy="1422409"/>
-        </p:xfrm>
-        <a:graphic>
-          <a:graphicData uri="http://schemas.openxmlformats.org/drawingml/2006/table">
-            <a:tbl>
-              <a:tblPr firstRow="1" bandRow="1">
-                <a:tableStyleId>{5C22544A-7EE6-4342-B048-85BDC9FD1C3A}</a:tableStyleId>
-              </a:tblPr>
-              <a:tblGrid>
-                <a:gridCol w="649136">
-                  <a:extLst>
-                    <a:ext uri="{9D8B030D-6E8A-4147-A177-3AD203B41FA5}">
-                      <a16:colId xmlns:a16="http://schemas.microsoft.com/office/drawing/2014/main" val="3999788392"/>
-                    </a:ext>
-                  </a:extLst>
-                </a:gridCol>
-                <a:gridCol w="934478">
-                  <a:extLst>
-                    <a:ext uri="{9D8B030D-6E8A-4147-A177-3AD203B41FA5}">
-                      <a16:colId xmlns:a16="http://schemas.microsoft.com/office/drawing/2014/main" val="1983927"/>
-                    </a:ext>
-                  </a:extLst>
-                </a:gridCol>
-                <a:gridCol w="909368">
-                  <a:extLst>
-                    <a:ext uri="{9D8B030D-6E8A-4147-A177-3AD203B41FA5}">
-                      <a16:colId xmlns:a16="http://schemas.microsoft.com/office/drawing/2014/main" val="3048439930"/>
-                    </a:ext>
-                  </a:extLst>
-                </a:gridCol>
-              </a:tblGrid>
-              <a:tr h="313155">
-                <a:tc gridSpan="3">
-                  <a:txBody>
-                    <a:bodyPr/>
-                    <a:lstStyle/>
-                    <a:p>
-                      <a:pPr algn="ctr"/>
-                      <a:r>
-                        <a:rPr lang="en-SG" b="0" dirty="0">
-                          <a:solidFill>
-                            <a:schemeClr val="tx1"/>
-                          </a:solidFill>
-                        </a:rPr>
-                        <a:t>Transition Signal Data</a:t>
-                      </a:r>
-                    </a:p>
-                  </a:txBody>
-                  <a:tcPr anchor="ctr">
-                    <a:lnL w="12700" cap="flat" cmpd="sng" algn="ctr">
-                      <a:solidFill>
-                        <a:schemeClr val="tx1"/>
-                      </a:solidFill>
-                      <a:prstDash val="solid"/>
-                      <a:round/>
-                      <a:headEnd type="none" w="med" len="med"/>
-                      <a:tailEnd type="none" w="med" len="med"/>
-                    </a:lnL>
-                    <a:lnR w="12700" cap="flat" cmpd="sng" algn="ctr">
-                      <a:solidFill>
-                        <a:schemeClr val="tx1"/>
-                      </a:solidFill>
-                      <a:prstDash val="solid"/>
-                      <a:round/>
-                      <a:headEnd type="none" w="med" len="med"/>
-                      <a:tailEnd type="none" w="med" len="med"/>
-                    </a:lnR>
-                    <a:lnT w="12700" cap="flat" cmpd="sng" algn="ctr">
-                      <a:solidFill>
-                        <a:schemeClr val="tx1"/>
-                      </a:solidFill>
-                      <a:prstDash val="solid"/>
-                      <a:round/>
-                      <a:headEnd type="none" w="med" len="med"/>
-                      <a:tailEnd type="none" w="med" len="med"/>
-                    </a:lnT>
-                    <a:lnB w="12700" cap="flat" cmpd="sng" algn="ctr">
-                      <a:solidFill>
-                        <a:schemeClr val="tx1"/>
-                      </a:solidFill>
-                      <a:prstDash val="solid"/>
-                      <a:round/>
-                      <a:headEnd type="none" w="med" len="med"/>
-                      <a:tailEnd type="none" w="med" len="med"/>
-                    </a:lnB>
-                    <a:solidFill>
-                      <a:schemeClr val="accent5">
-                        <a:lumMod val="20000"/>
-                        <a:lumOff val="80000"/>
-                      </a:schemeClr>
-                    </a:solidFill>
-                  </a:tcPr>
-                </a:tc>
-                <a:tc hMerge="1">
-                  <a:txBody>
-                    <a:bodyPr/>
-                    <a:lstStyle/>
-                    <a:p>
-                      <a:endParaRPr lang="en-SG"/>
-                    </a:p>
-                  </a:txBody>
-                  <a:tcPr/>
-                </a:tc>
-                <a:tc hMerge="1">
-                  <a:txBody>
-                    <a:bodyPr/>
-                    <a:lstStyle/>
-                    <a:p>
-                      <a:endParaRPr lang="en-SG"/>
-                    </a:p>
-                  </a:txBody>
-                  <a:tcPr/>
-                </a:tc>
-                <a:extLst>
-                  <a:ext uri="{0D108BD9-81ED-4DB2-BD59-A6C34878D82A}">
-                    <a16:rowId xmlns:a16="http://schemas.microsoft.com/office/drawing/2014/main" val="3015718453"/>
-                  </a:ext>
-                </a:extLst>
-              </a:tr>
-              <a:tr h="167526">
-                <a:tc rowSpan="2">
-                  <a:txBody>
-                    <a:bodyPr/>
-                    <a:lstStyle/>
-                    <a:p>
-                      <a:pPr algn="ctr"/>
-                      <a:r>
-                        <a:rPr lang="en-SG" sz="1200" dirty="0">
-                          <a:solidFill>
-                            <a:schemeClr val="tx1"/>
-                          </a:solidFill>
-                        </a:rPr>
-                        <a:t>Sample Name</a:t>
-                      </a:r>
-                    </a:p>
-                  </a:txBody>
-                  <a:tcPr anchor="ctr">
-                    <a:lnL w="12700" cap="flat" cmpd="sng" algn="ctr">
-                      <a:solidFill>
-                        <a:schemeClr val="tx1"/>
-                      </a:solidFill>
-                      <a:prstDash val="solid"/>
-                      <a:round/>
-                      <a:headEnd type="none" w="med" len="med"/>
-                      <a:tailEnd type="none" w="med" len="med"/>
-                    </a:lnL>
-                    <a:lnR w="12700" cap="flat" cmpd="sng" algn="ctr">
-                      <a:solidFill>
-                        <a:schemeClr val="tx1"/>
-                      </a:solidFill>
-                      <a:prstDash val="solid"/>
-                      <a:round/>
-                      <a:headEnd type="none" w="med" len="med"/>
-                      <a:tailEnd type="none" w="med" len="med"/>
-                    </a:lnR>
-                    <a:lnT w="12700" cap="flat" cmpd="sng" algn="ctr">
-                      <a:solidFill>
-                        <a:schemeClr val="tx1"/>
-                      </a:solidFill>
-                      <a:prstDash val="solid"/>
-                      <a:round/>
-                      <a:headEnd type="none" w="med" len="med"/>
-                      <a:tailEnd type="none" w="med" len="med"/>
-                    </a:lnT>
-                    <a:lnB w="12700" cap="flat" cmpd="sng" algn="ctr">
-                      <a:solidFill>
-                        <a:schemeClr val="tx1"/>
-                      </a:solidFill>
-                      <a:prstDash val="solid"/>
-                      <a:round/>
-                      <a:headEnd type="none" w="med" len="med"/>
-                      <a:tailEnd type="none" w="med" len="med"/>
-                    </a:lnB>
-                    <a:solidFill>
-                      <a:schemeClr val="accent6">
-                        <a:lumMod val="20000"/>
-                        <a:lumOff val="80000"/>
-                      </a:schemeClr>
-                    </a:solidFill>
-                  </a:tcPr>
-                </a:tc>
-                <a:tc>
-                  <a:txBody>
-                    <a:bodyPr/>
-                    <a:lstStyle/>
-                    <a:p>
-                      <a:pPr marL="0" marR="0" lvl="0" indent="0" algn="ctr" defTabSz="914400" rtl="0" eaLnBrk="1" fontAlgn="auto" latinLnBrk="0" hangingPunct="1">
-                        <a:lnSpc>
-                          <a:spcPct val="100000"/>
-                        </a:lnSpc>
-                        <a:spcBef>
-                          <a:spcPts val="0"/>
-                        </a:spcBef>
-                        <a:spcAft>
-                          <a:spcPts val="0"/>
-                        </a:spcAft>
-                        <a:buClrTx/>
-                        <a:buSzTx/>
-                        <a:buFontTx/>
-                        <a:buNone/>
-                        <a:tabLst/>
-                        <a:defRPr/>
-                      </a:pPr>
-                      <a:r>
-                        <a:rPr lang="en-SG" sz="1200" dirty="0">
-                          <a:solidFill>
-                            <a:schemeClr val="tx1"/>
-                          </a:solidFill>
-                        </a:rPr>
-                        <a:t>Transition 1</a:t>
-                      </a:r>
-                    </a:p>
-                  </a:txBody>
-                  <a:tcPr anchor="ctr">
-                    <a:lnL w="12700" cap="flat" cmpd="sng" algn="ctr">
-                      <a:solidFill>
-                        <a:schemeClr val="tx1"/>
-                      </a:solidFill>
-                      <a:prstDash val="solid"/>
-                      <a:round/>
-                      <a:headEnd type="none" w="med" len="med"/>
-                      <a:tailEnd type="none" w="med" len="med"/>
-                    </a:lnL>
-                    <a:lnR w="12700" cap="flat" cmpd="sng" algn="ctr">
-                      <a:solidFill>
-                        <a:schemeClr val="tx1"/>
-                      </a:solidFill>
-                      <a:prstDash val="solid"/>
-                      <a:round/>
-                      <a:headEnd type="none" w="med" len="med"/>
-                      <a:tailEnd type="none" w="med" len="med"/>
-                    </a:lnR>
-                    <a:lnT w="12700" cap="flat" cmpd="sng" algn="ctr">
-                      <a:solidFill>
-                        <a:schemeClr val="tx1"/>
-                      </a:solidFill>
-                      <a:prstDash val="solid"/>
-                      <a:round/>
-                      <a:headEnd type="none" w="med" len="med"/>
-                      <a:tailEnd type="none" w="med" len="med"/>
-                    </a:lnT>
-                    <a:lnB w="12700" cap="flat" cmpd="sng" algn="ctr">
-                      <a:solidFill>
-                        <a:schemeClr val="tx1"/>
-                      </a:solidFill>
-                      <a:prstDash val="solid"/>
-                      <a:round/>
-                      <a:headEnd type="none" w="med" len="med"/>
-                      <a:tailEnd type="none" w="med" len="med"/>
-                    </a:lnB>
-                    <a:solidFill>
-                      <a:schemeClr val="accent6">
-                        <a:lumMod val="20000"/>
-                        <a:lumOff val="80000"/>
-                      </a:schemeClr>
-                    </a:solidFill>
-                  </a:tcPr>
-                </a:tc>
-                <a:tc>
-                  <a:txBody>
-                    <a:bodyPr/>
-                    <a:lstStyle/>
-                    <a:p>
-                      <a:pPr marL="0" marR="0" lvl="0" indent="0" algn="ctr" defTabSz="914400" rtl="0" eaLnBrk="1" fontAlgn="auto" latinLnBrk="0" hangingPunct="1">
-                        <a:lnSpc>
-                          <a:spcPct val="100000"/>
-                        </a:lnSpc>
-                        <a:spcBef>
-                          <a:spcPts val="0"/>
-                        </a:spcBef>
-                        <a:spcAft>
-                          <a:spcPts val="0"/>
-                        </a:spcAft>
-                        <a:buClrTx/>
-                        <a:buSzTx/>
-                        <a:buFontTx/>
-                        <a:buNone/>
-                        <a:tabLst/>
-                        <a:defRPr/>
-                      </a:pPr>
-                      <a:r>
-                        <a:rPr lang="en-SG" sz="1200" dirty="0">
-                          <a:solidFill>
-                            <a:schemeClr val="tx1"/>
-                          </a:solidFill>
-                        </a:rPr>
-                        <a:t>Transition 2</a:t>
-                      </a:r>
-                    </a:p>
-                  </a:txBody>
-                  <a:tcPr anchor="ctr">
-                    <a:lnL w="12700" cap="flat" cmpd="sng" algn="ctr">
-                      <a:solidFill>
-                        <a:schemeClr val="tx1"/>
-                      </a:solidFill>
-                      <a:prstDash val="solid"/>
-                      <a:round/>
-                      <a:headEnd type="none" w="med" len="med"/>
-                      <a:tailEnd type="none" w="med" len="med"/>
-                    </a:lnL>
-                    <a:lnR w="12700" cap="flat" cmpd="sng" algn="ctr">
-                      <a:solidFill>
-                        <a:schemeClr val="tx1"/>
-                      </a:solidFill>
-                      <a:prstDash val="solid"/>
-                      <a:round/>
-                      <a:headEnd type="none" w="med" len="med"/>
-                      <a:tailEnd type="none" w="med" len="med"/>
-                    </a:lnR>
-                    <a:lnT w="12700" cap="flat" cmpd="sng" algn="ctr">
-                      <a:solidFill>
-                        <a:schemeClr val="tx1"/>
-                      </a:solidFill>
-                      <a:prstDash val="solid"/>
-                      <a:round/>
-                      <a:headEnd type="none" w="med" len="med"/>
-                      <a:tailEnd type="none" w="med" len="med"/>
-                    </a:lnT>
-                    <a:lnB w="12700" cap="flat" cmpd="sng" algn="ctr">
-                      <a:solidFill>
-                        <a:schemeClr val="tx1"/>
-                      </a:solidFill>
-                      <a:prstDash val="solid"/>
-                      <a:round/>
-                      <a:headEnd type="none" w="med" len="med"/>
-                      <a:tailEnd type="none" w="med" len="med"/>
-                    </a:lnB>
-                    <a:solidFill>
-                      <a:schemeClr val="accent6">
-                        <a:lumMod val="20000"/>
-                        <a:lumOff val="80000"/>
-                      </a:schemeClr>
-                    </a:solidFill>
-                  </a:tcPr>
-                </a:tc>
-                <a:extLst>
-                  <a:ext uri="{0D108BD9-81ED-4DB2-BD59-A6C34878D82A}">
-                    <a16:rowId xmlns:a16="http://schemas.microsoft.com/office/drawing/2014/main" val="1491974958"/>
-                  </a:ext>
-                </a:extLst>
-              </a:tr>
-              <a:tr h="782329">
-                <a:tc vMerge="1">
-                  <a:txBody>
-                    <a:bodyPr/>
-                    <a:lstStyle/>
-                    <a:p>
-                      <a:pPr algn="ctr"/>
-                      <a:endParaRPr lang="en-SG" sz="1200" dirty="0">
-                        <a:solidFill>
-                          <a:schemeClr val="tx1"/>
-                        </a:solidFill>
-                      </a:endParaRPr>
-                    </a:p>
-                  </a:txBody>
-                  <a:tcPr anchor="ctr">
-                    <a:lnL w="12700" cap="flat" cmpd="sng" algn="ctr">
-                      <a:solidFill>
-                        <a:schemeClr val="tx1"/>
-                      </a:solidFill>
-                      <a:prstDash val="solid"/>
-                      <a:round/>
-                      <a:headEnd type="none" w="med" len="med"/>
-                      <a:tailEnd type="none" w="med" len="med"/>
-                    </a:lnL>
-                    <a:lnR w="12700" cap="flat" cmpd="sng" algn="ctr">
-                      <a:solidFill>
-                        <a:schemeClr val="tx1"/>
-                      </a:solidFill>
-                      <a:prstDash val="solid"/>
-                      <a:round/>
-                      <a:headEnd type="none" w="med" len="med"/>
-                      <a:tailEnd type="none" w="med" len="med"/>
-                    </a:lnR>
-                    <a:lnT w="12700" cap="flat" cmpd="sng" algn="ctr">
-                      <a:solidFill>
-                        <a:schemeClr val="tx1"/>
-                      </a:solidFill>
-                      <a:prstDash val="solid"/>
-                      <a:round/>
-                      <a:headEnd type="none" w="med" len="med"/>
-                      <a:tailEnd type="none" w="med" len="med"/>
-                    </a:lnT>
-                    <a:lnB w="12700" cap="flat" cmpd="sng" algn="ctr">
-                      <a:solidFill>
-                        <a:schemeClr val="tx1"/>
-                      </a:solidFill>
-                      <a:prstDash val="solid"/>
-                      <a:round/>
-                      <a:headEnd type="none" w="med" len="med"/>
-                      <a:tailEnd type="none" w="med" len="med"/>
-                    </a:lnB>
-                    <a:solidFill>
-                      <a:schemeClr val="accent6">
-                        <a:lumMod val="20000"/>
-                        <a:lumOff val="80000"/>
-                      </a:schemeClr>
-                    </a:solidFill>
-                  </a:tcPr>
-                </a:tc>
-                <a:tc gridSpan="2">
-                  <a:txBody>
-                    <a:bodyPr/>
-                    <a:lstStyle/>
-                    <a:p>
-                      <a:pPr marL="0" marR="0" lvl="0" indent="0" algn="ctr" defTabSz="914400" rtl="0" eaLnBrk="1" fontAlgn="auto" latinLnBrk="0" hangingPunct="1">
-                        <a:lnSpc>
-                          <a:spcPct val="100000"/>
-                        </a:lnSpc>
-                        <a:spcBef>
-                          <a:spcPts val="0"/>
-                        </a:spcBef>
-                        <a:spcAft>
-                          <a:spcPts val="0"/>
-                        </a:spcAft>
-                        <a:buClrTx/>
-                        <a:buSzTx/>
-                        <a:buFontTx/>
-                        <a:buNone/>
-                        <a:tabLst/>
-                        <a:defRPr/>
-                      </a:pPr>
-                      <a:r>
-                        <a:rPr lang="en-SG" sz="1200" dirty="0">
-                          <a:solidFill>
-                            <a:schemeClr val="tx1"/>
-                          </a:solidFill>
-                        </a:rPr>
-                        <a:t>Signal</a:t>
-                      </a:r>
-                    </a:p>
-                  </a:txBody>
-                  <a:tcPr anchor="ctr">
-                    <a:lnL w="12700" cap="flat" cmpd="sng" algn="ctr">
-                      <a:solidFill>
-                        <a:schemeClr val="tx1"/>
-                      </a:solidFill>
-                      <a:prstDash val="solid"/>
-                      <a:round/>
-                      <a:headEnd type="none" w="med" len="med"/>
-                      <a:tailEnd type="none" w="med" len="med"/>
-                    </a:lnL>
-                    <a:lnR w="12700" cap="flat" cmpd="sng" algn="ctr">
-                      <a:solidFill>
-                        <a:schemeClr val="tx1"/>
-                      </a:solidFill>
-                      <a:prstDash val="solid"/>
-                      <a:round/>
-                      <a:headEnd type="none" w="med" len="med"/>
-                      <a:tailEnd type="none" w="med" len="med"/>
-                    </a:lnR>
-                    <a:lnT w="12700" cap="flat" cmpd="sng" algn="ctr">
-                      <a:solidFill>
-                        <a:schemeClr val="tx1"/>
-                      </a:solidFill>
-                      <a:prstDash val="solid"/>
-                      <a:round/>
-                      <a:headEnd type="none" w="med" len="med"/>
-                      <a:tailEnd type="none" w="med" len="med"/>
-                    </a:lnT>
-                    <a:lnB w="12700" cap="flat" cmpd="sng" algn="ctr">
-                      <a:solidFill>
-                        <a:schemeClr val="tx1"/>
-                      </a:solidFill>
-                      <a:prstDash val="solid"/>
-                      <a:round/>
-                      <a:headEnd type="none" w="med" len="med"/>
-                      <a:tailEnd type="none" w="med" len="med"/>
-                    </a:lnB>
-                    <a:solidFill>
-                      <a:schemeClr val="accent6">
-                        <a:lumMod val="20000"/>
-                        <a:lumOff val="80000"/>
-                      </a:schemeClr>
-                    </a:solidFill>
-                  </a:tcPr>
-                </a:tc>
-                <a:tc hMerge="1">
-                  <a:txBody>
-                    <a:bodyPr/>
-                    <a:lstStyle/>
-                    <a:p>
-                      <a:pPr marL="0" marR="0" lvl="0" indent="0" algn="ctr" defTabSz="914400" rtl="0" eaLnBrk="1" fontAlgn="auto" latinLnBrk="0" hangingPunct="1">
-                        <a:lnSpc>
-                          <a:spcPct val="100000"/>
-                        </a:lnSpc>
-                        <a:spcBef>
-                          <a:spcPts val="0"/>
-                        </a:spcBef>
-                        <a:spcAft>
-                          <a:spcPts val="0"/>
-                        </a:spcAft>
-                        <a:buClrTx/>
-                        <a:buSzTx/>
-                        <a:buFontTx/>
-                        <a:buNone/>
-                        <a:tabLst/>
-                        <a:defRPr/>
-                      </a:pPr>
-                      <a:endParaRPr lang="en-SG" sz="1200" dirty="0">
-                        <a:solidFill>
-                          <a:schemeClr val="tx1"/>
-                        </a:solidFill>
-                      </a:endParaRPr>
-                    </a:p>
-                  </a:txBody>
-                  <a:tcPr anchor="ctr">
-                    <a:lnL w="12700" cap="flat" cmpd="sng" algn="ctr">
-                      <a:solidFill>
-                        <a:schemeClr val="tx1"/>
-                      </a:solidFill>
-                      <a:prstDash val="solid"/>
-                      <a:round/>
-                      <a:headEnd type="none" w="med" len="med"/>
-                      <a:tailEnd type="none" w="med" len="med"/>
-                    </a:lnL>
-                    <a:lnR w="12700" cap="flat" cmpd="sng" algn="ctr">
-                      <a:solidFill>
-                        <a:schemeClr val="tx1"/>
-                      </a:solidFill>
-                      <a:prstDash val="solid"/>
-                      <a:round/>
-                      <a:headEnd type="none" w="med" len="med"/>
-                      <a:tailEnd type="none" w="med" len="med"/>
-                    </a:lnR>
-                    <a:lnT w="12700" cap="flat" cmpd="sng" algn="ctr">
-                      <a:solidFill>
-                        <a:schemeClr val="tx1"/>
-                      </a:solidFill>
-                      <a:prstDash val="solid"/>
-                      <a:round/>
-                      <a:headEnd type="none" w="med" len="med"/>
-                      <a:tailEnd type="none" w="med" len="med"/>
-                    </a:lnT>
-                    <a:lnB w="12700" cap="flat" cmpd="sng" algn="ctr">
-                      <a:solidFill>
-                        <a:schemeClr val="tx1"/>
-                      </a:solidFill>
-                      <a:prstDash val="solid"/>
-                      <a:round/>
-                      <a:headEnd type="none" w="med" len="med"/>
-                      <a:tailEnd type="none" w="med" len="med"/>
-                    </a:lnB>
-                    <a:solidFill>
-                      <a:schemeClr val="accent6">
-                        <a:lumMod val="20000"/>
-                        <a:lumOff val="80000"/>
-                      </a:schemeClr>
-                    </a:solidFill>
-                  </a:tcPr>
-                </a:tc>
-                <a:extLst>
-                  <a:ext uri="{0D108BD9-81ED-4DB2-BD59-A6C34878D82A}">
-                    <a16:rowId xmlns:a16="http://schemas.microsoft.com/office/drawing/2014/main" val="3488319625"/>
-                  </a:ext>
-                </a:extLst>
-              </a:tr>
-            </a:tbl>
-          </a:graphicData>
-        </a:graphic>
-      </p:graphicFrame>
-      <p:sp>
-        <p:nvSpPr>
-          <p:cNvPr id="49" name="TextBox 48">
-            <a:extLst>
-              <a:ext uri="{FF2B5EF4-FFF2-40B4-BE49-F238E27FC236}">
-                <a16:creationId xmlns:a16="http://schemas.microsoft.com/office/drawing/2014/main" id="{66756901-EFA8-4F8B-AC47-49A3C47CB4F6}"/>
-              </a:ext>
-            </a:extLst>
-          </p:cNvPr>
-          <p:cNvSpPr txBox="1"/>
+          <p:cNvPicPr>
+            <a:picLocks noChangeAspect="1"/>
+          </p:cNvPicPr>
           <p:nvPr/>
-        </p:nvSpPr>
+        </p:nvPicPr>
+        <p:blipFill>
+          <a:blip r:embed="rId2"/>
+          <a:stretch>
+            <a:fillRect/>
+          </a:stretch>
+        </p:blipFill>
         <p:spPr>
           <a:xfrm>
-            <a:off x="-813815" y="574690"/>
-            <a:ext cx="2020143" cy="276999"/>
+            <a:off x="414186" y="0"/>
+            <a:ext cx="11363627" cy="6858000"/>
           </a:xfrm>
           <a:prstGeom prst="rect">
             <a:avLst/>
           </a:prstGeom>
-          <a:noFill/>
         </p:spPr>
-        <p:txBody>
-          <a:bodyPr wrap="square" rtlCol="0">
-            <a:spAutoFit/>
-          </a:bodyPr>
-          <a:lstStyle/>
-          <a:p>
-            <a:pPr algn="ctr"/>
-            <a:r>
-              <a:rPr lang="en-SG" sz="1200" dirty="0">
-                <a:latin typeface="Consolas" panose="020B0609020204030204" pitchFamily="49" charset="0"/>
-              </a:rPr>
-              <a:t>create_dilution_table</a:t>
-            </a:r>
-          </a:p>
-        </p:txBody>
-      </p:sp>
-      <p:cxnSp>
-        <p:nvCxnSpPr>
-          <p:cNvPr id="50" name="Straight Arrow Connector 49">
-            <a:extLst>
-              <a:ext uri="{FF2B5EF4-FFF2-40B4-BE49-F238E27FC236}">
-                <a16:creationId xmlns:a16="http://schemas.microsoft.com/office/drawing/2014/main" id="{B67F19FA-AE3C-4062-B9D4-2C6FBCE8B390}"/>
-              </a:ext>
-            </a:extLst>
-          </p:cNvPr>
-          <p:cNvCxnSpPr>
-            <a:cxnSpLocks/>
-            <a:stCxn id="46" idx="2"/>
-            <a:endCxn id="45" idx="0"/>
-          </p:cNvCxnSpPr>
-          <p:nvPr/>
-        </p:nvCxnSpPr>
-        <p:spPr>
-          <a:xfrm>
-            <a:off x="3300167" y="1299259"/>
-            <a:ext cx="0" cy="493406"/>
-          </a:xfrm>
-          <a:prstGeom prst="straightConnector1">
-            <a:avLst/>
-          </a:prstGeom>
-          <a:ln w="12700">
-            <a:solidFill>
-              <a:schemeClr val="tx1"/>
-            </a:solidFill>
-            <a:tailEnd type="triangle"/>
-          </a:ln>
-        </p:spPr>
-        <p:style>
-          <a:lnRef idx="1">
-            <a:schemeClr val="accent1"/>
-          </a:lnRef>
-          <a:fillRef idx="0">
-            <a:schemeClr val="accent1"/>
-          </a:fillRef>
-          <a:effectRef idx="0">
-            <a:schemeClr val="accent1"/>
-          </a:effectRef>
-          <a:fontRef idx="minor">
-            <a:schemeClr val="tx1"/>
-          </a:fontRef>
-        </p:style>
-      </p:cxnSp>
-      <p:sp>
-        <p:nvSpPr>
-          <p:cNvPr id="51" name="TextBox 50">
-            <a:extLst>
-              <a:ext uri="{FF2B5EF4-FFF2-40B4-BE49-F238E27FC236}">
-                <a16:creationId xmlns:a16="http://schemas.microsoft.com/office/drawing/2014/main" id="{6A803ABF-0A58-46EE-83E4-2069B0E5ABBE}"/>
-              </a:ext>
-            </a:extLst>
-          </p:cNvPr>
-          <p:cNvSpPr txBox="1"/>
-          <p:nvPr/>
-        </p:nvSpPr>
-        <p:spPr>
-          <a:xfrm>
-            <a:off x="1065144" y="1396840"/>
-            <a:ext cx="2331408" cy="276999"/>
-          </a:xfrm>
-          <a:prstGeom prst="rect">
-            <a:avLst/>
-          </a:prstGeom>
-          <a:noFill/>
-        </p:spPr>
-        <p:txBody>
-          <a:bodyPr wrap="square" rtlCol="0">
-            <a:spAutoFit/>
-          </a:bodyPr>
-          <a:lstStyle/>
-          <a:p>
-            <a:pPr algn="ctr"/>
-            <a:r>
-              <a:rPr lang="en-SG" sz="1200" dirty="0">
-                <a:latin typeface="Consolas" panose="020B0609020204030204" pitchFamily="49" charset="0"/>
-              </a:rPr>
-              <a:t>summarise_dilution_table</a:t>
-            </a:r>
-          </a:p>
-        </p:txBody>
-      </p:sp>
-      <p:cxnSp>
-        <p:nvCxnSpPr>
-          <p:cNvPr id="52" name="Straight Arrow Connector 51">
-            <a:extLst>
-              <a:ext uri="{FF2B5EF4-FFF2-40B4-BE49-F238E27FC236}">
-                <a16:creationId xmlns:a16="http://schemas.microsoft.com/office/drawing/2014/main" id="{797B07FB-5FE3-4DEF-8BEA-718B82005F60}"/>
-              </a:ext>
-            </a:extLst>
-          </p:cNvPr>
-          <p:cNvCxnSpPr>
-            <a:cxnSpLocks/>
-            <a:stCxn id="45" idx="2"/>
-            <a:endCxn id="42" idx="0"/>
-          </p:cNvCxnSpPr>
-          <p:nvPr/>
-        </p:nvCxnSpPr>
-        <p:spPr>
-          <a:xfrm flipH="1">
-            <a:off x="3297740" y="2679436"/>
-            <a:ext cx="2427" cy="465672"/>
-          </a:xfrm>
-          <a:prstGeom prst="straightConnector1">
-            <a:avLst/>
-          </a:prstGeom>
-          <a:ln w="12700">
-            <a:solidFill>
-              <a:schemeClr val="tx1"/>
-            </a:solidFill>
-            <a:tailEnd type="triangle"/>
-          </a:ln>
-        </p:spPr>
-        <p:style>
-          <a:lnRef idx="1">
-            <a:schemeClr val="accent1"/>
-          </a:lnRef>
-          <a:fillRef idx="0">
-            <a:schemeClr val="accent1"/>
-          </a:fillRef>
-          <a:effectRef idx="0">
-            <a:schemeClr val="accent1"/>
-          </a:effectRef>
-          <a:fontRef idx="minor">
-            <a:schemeClr val="tx1"/>
-          </a:fontRef>
-        </p:style>
-      </p:cxnSp>
-      <p:sp>
-        <p:nvSpPr>
-          <p:cNvPr id="53" name="TextBox 52">
-            <a:extLst>
-              <a:ext uri="{FF2B5EF4-FFF2-40B4-BE49-F238E27FC236}">
-                <a16:creationId xmlns:a16="http://schemas.microsoft.com/office/drawing/2014/main" id="{1D882931-2D18-4408-974F-C87EC54B4E67}"/>
-              </a:ext>
-            </a:extLst>
-          </p:cNvPr>
-          <p:cNvSpPr txBox="1"/>
-          <p:nvPr/>
-        </p:nvSpPr>
-        <p:spPr>
-          <a:xfrm>
-            <a:off x="1558657" y="2735070"/>
-            <a:ext cx="1787117" cy="276999"/>
-          </a:xfrm>
-          <a:prstGeom prst="rect">
-            <a:avLst/>
-          </a:prstGeom>
-          <a:noFill/>
-        </p:spPr>
-        <p:txBody>
-          <a:bodyPr wrap="square" rtlCol="0">
-            <a:spAutoFit/>
-          </a:bodyPr>
-          <a:lstStyle/>
-          <a:p>
-            <a:pPr algn="ctr"/>
-            <a:r>
-              <a:rPr lang="en-SG" sz="1200" dirty="0">
-                <a:latin typeface="Consolas" panose="020B0609020204030204" pitchFamily="49" charset="0"/>
-              </a:rPr>
-              <a:t>evaluate_linearity</a:t>
-            </a:r>
-          </a:p>
-        </p:txBody>
-      </p:sp>
-      <p:graphicFrame>
-        <p:nvGraphicFramePr>
-          <p:cNvPr id="54" name="Table 53">
-            <a:extLst>
-              <a:ext uri="{FF2B5EF4-FFF2-40B4-BE49-F238E27FC236}">
-                <a16:creationId xmlns:a16="http://schemas.microsoft.com/office/drawing/2014/main" id="{DB2790EC-5A2F-43B9-A152-96BAF4BF53C4}"/>
-              </a:ext>
-            </a:extLst>
-          </p:cNvPr>
-          <p:cNvGraphicFramePr>
-            <a:graphicFrameLocks noGrp="1"/>
-          </p:cNvGraphicFramePr>
-          <p:nvPr>
-            <p:extLst>
-              <p:ext uri="{D42A27DB-BD31-4B8C-83A1-F6EECF244321}">
-                <p14:modId xmlns:p14="http://schemas.microsoft.com/office/powerpoint/2010/main" val="2980727133"/>
-              </p:ext>
-            </p:extLst>
-          </p:nvPr>
-        </p:nvGraphicFramePr>
-        <p:xfrm>
-          <a:off x="1608376" y="5137123"/>
-          <a:ext cx="3378728" cy="365760"/>
-        </p:xfrm>
-        <a:graphic>
-          <a:graphicData uri="http://schemas.openxmlformats.org/drawingml/2006/table">
-            <a:tbl>
-              <a:tblPr firstRow="1" bandRow="1">
-                <a:tableStyleId>{5C22544A-7EE6-4342-B048-85BDC9FD1C3A}</a:tableStyleId>
-              </a:tblPr>
-              <a:tblGrid>
-                <a:gridCol w="3378728">
-                  <a:extLst>
-                    <a:ext uri="{9D8B030D-6E8A-4147-A177-3AD203B41FA5}">
-                      <a16:colId xmlns:a16="http://schemas.microsoft.com/office/drawing/2014/main" val="3999788392"/>
-                    </a:ext>
-                  </a:extLst>
-                </a:gridCol>
-              </a:tblGrid>
-              <a:tr h="312548">
-                <a:tc>
-                  <a:txBody>
-                    <a:bodyPr/>
-                    <a:lstStyle/>
-                    <a:p>
-                      <a:pPr algn="ctr"/>
-                      <a:r>
-                        <a:rPr lang="en-SG" sz="1800" b="0" dirty="0">
-                          <a:solidFill>
-                            <a:schemeClr val="tx1"/>
-                          </a:solidFill>
-                        </a:rPr>
-                        <a:t>Excel File</a:t>
-                      </a:r>
-                    </a:p>
-                  </a:txBody>
-                  <a:tcPr anchor="ctr">
-                    <a:lnL w="12700" cap="flat" cmpd="sng" algn="ctr">
-                      <a:solidFill>
-                        <a:schemeClr val="tx1"/>
-                      </a:solidFill>
-                      <a:prstDash val="solid"/>
-                      <a:round/>
-                      <a:headEnd type="none" w="med" len="med"/>
-                      <a:tailEnd type="none" w="med" len="med"/>
-                    </a:lnL>
-                    <a:lnR w="12700" cap="flat" cmpd="sng" algn="ctr">
-                      <a:solidFill>
-                        <a:schemeClr val="tx1"/>
-                      </a:solidFill>
-                      <a:prstDash val="solid"/>
-                      <a:round/>
-                      <a:headEnd type="none" w="med" len="med"/>
-                      <a:tailEnd type="none" w="med" len="med"/>
-                    </a:lnR>
-                    <a:lnT w="12700" cap="flat" cmpd="sng" algn="ctr">
-                      <a:solidFill>
-                        <a:schemeClr val="tx1"/>
-                      </a:solidFill>
-                      <a:prstDash val="solid"/>
-                      <a:round/>
-                      <a:headEnd type="none" w="med" len="med"/>
-                      <a:tailEnd type="none" w="med" len="med"/>
-                    </a:lnT>
-                    <a:lnB w="12700" cap="flat" cmpd="sng" algn="ctr">
-                      <a:solidFill>
-                        <a:schemeClr val="tx1"/>
-                      </a:solidFill>
-                      <a:prstDash val="solid"/>
-                      <a:round/>
-                      <a:headEnd type="none" w="med" len="med"/>
-                      <a:tailEnd type="none" w="med" len="med"/>
-                    </a:lnB>
-                    <a:solidFill>
-                      <a:schemeClr val="accent5">
-                        <a:lumMod val="20000"/>
-                        <a:lumOff val="80000"/>
-                      </a:schemeClr>
-                    </a:solidFill>
-                  </a:tcPr>
-                </a:tc>
-                <a:extLst>
-                  <a:ext uri="{0D108BD9-81ED-4DB2-BD59-A6C34878D82A}">
-                    <a16:rowId xmlns:a16="http://schemas.microsoft.com/office/drawing/2014/main" val="3015718453"/>
-                  </a:ext>
-                </a:extLst>
-              </a:tr>
-            </a:tbl>
-          </a:graphicData>
-        </a:graphic>
-      </p:graphicFrame>
-      <p:cxnSp>
-        <p:nvCxnSpPr>
-          <p:cNvPr id="55" name="Connector: Elbow 54">
-            <a:extLst>
-              <a:ext uri="{FF2B5EF4-FFF2-40B4-BE49-F238E27FC236}">
-                <a16:creationId xmlns:a16="http://schemas.microsoft.com/office/drawing/2014/main" id="{3EAB8E35-5849-439D-BC36-3762D7E64C4A}"/>
-              </a:ext>
-            </a:extLst>
-          </p:cNvPr>
-          <p:cNvCxnSpPr>
-            <a:cxnSpLocks/>
-            <a:stCxn id="45" idx="1"/>
-            <a:endCxn id="54" idx="0"/>
-          </p:cNvCxnSpPr>
-          <p:nvPr/>
-        </p:nvCxnSpPr>
-        <p:spPr>
-          <a:xfrm rot="10800000" flipH="1" flipV="1">
-            <a:off x="1610802" y="2236049"/>
-            <a:ext cx="1686937" cy="2901073"/>
-          </a:xfrm>
-          <a:prstGeom prst="bentConnector4">
-            <a:avLst>
-              <a:gd name="adj1" fmla="val -68616"/>
-              <a:gd name="adj2" fmla="val 67648"/>
-            </a:avLst>
-          </a:prstGeom>
-          <a:ln>
-            <a:solidFill>
-              <a:schemeClr val="tx1"/>
-            </a:solidFill>
-            <a:tailEnd type="triangle"/>
-          </a:ln>
-        </p:spPr>
-        <p:style>
-          <a:lnRef idx="1">
-            <a:schemeClr val="accent1"/>
-          </a:lnRef>
-          <a:fillRef idx="0">
-            <a:schemeClr val="accent1"/>
-          </a:fillRef>
-          <a:effectRef idx="0">
-            <a:schemeClr val="accent1"/>
-          </a:effectRef>
-          <a:fontRef idx="minor">
-            <a:schemeClr val="tx1"/>
-          </a:fontRef>
-        </p:style>
-      </p:cxnSp>
-      <p:cxnSp>
-        <p:nvCxnSpPr>
-          <p:cNvPr id="56" name="Connector: Elbow 55">
-            <a:extLst>
-              <a:ext uri="{FF2B5EF4-FFF2-40B4-BE49-F238E27FC236}">
-                <a16:creationId xmlns:a16="http://schemas.microsoft.com/office/drawing/2014/main" id="{BDC29CEE-083A-4CA4-B70D-D18655C0809A}"/>
-              </a:ext>
-            </a:extLst>
-          </p:cNvPr>
-          <p:cNvCxnSpPr>
-            <a:cxnSpLocks/>
-            <a:stCxn id="42" idx="1"/>
-            <a:endCxn id="54" idx="0"/>
-          </p:cNvCxnSpPr>
-          <p:nvPr/>
-        </p:nvCxnSpPr>
-        <p:spPr>
-          <a:xfrm rot="10800000" flipH="1" flipV="1">
-            <a:off x="1608376" y="3465147"/>
-            <a:ext cx="1689364" cy="1671975"/>
-          </a:xfrm>
-          <a:prstGeom prst="bentConnector4">
-            <a:avLst>
-              <a:gd name="adj1" fmla="val -67659"/>
-              <a:gd name="adj2" fmla="val 43078"/>
-            </a:avLst>
-          </a:prstGeom>
-          <a:ln>
-            <a:solidFill>
-              <a:schemeClr val="tx1"/>
-            </a:solidFill>
-            <a:tailEnd type="triangle"/>
-          </a:ln>
-        </p:spPr>
-        <p:style>
-          <a:lnRef idx="1">
-            <a:schemeClr val="accent1"/>
-          </a:lnRef>
-          <a:fillRef idx="0">
-            <a:schemeClr val="accent1"/>
-          </a:fillRef>
-          <a:effectRef idx="0">
-            <a:schemeClr val="accent1"/>
-          </a:effectRef>
-          <a:fontRef idx="minor">
-            <a:schemeClr val="tx1"/>
-          </a:fontRef>
-        </p:style>
-      </p:cxnSp>
-      <p:sp>
-        <p:nvSpPr>
-          <p:cNvPr id="57" name="TextBox 56">
-            <a:extLst>
-              <a:ext uri="{FF2B5EF4-FFF2-40B4-BE49-F238E27FC236}">
-                <a16:creationId xmlns:a16="http://schemas.microsoft.com/office/drawing/2014/main" id="{34F8BBE3-033C-47E9-A232-10AF93BADCDD}"/>
-              </a:ext>
-            </a:extLst>
-          </p:cNvPr>
-          <p:cNvSpPr txBox="1"/>
-          <p:nvPr/>
-        </p:nvSpPr>
-        <p:spPr>
-          <a:xfrm>
-            <a:off x="1510622" y="4215183"/>
-            <a:ext cx="1787117" cy="276999"/>
-          </a:xfrm>
-          <a:prstGeom prst="rect">
-            <a:avLst/>
-          </a:prstGeom>
-          <a:noFill/>
-        </p:spPr>
-        <p:txBody>
-          <a:bodyPr wrap="square" rtlCol="0">
-            <a:spAutoFit/>
-          </a:bodyPr>
-          <a:lstStyle/>
-          <a:p>
-            <a:pPr algn="ctr"/>
-            <a:r>
-              <a:rPr lang="en-SG" sz="1200" dirty="0">
-                <a:latin typeface="Consolas" panose="020B0609020204030204" pitchFamily="49" charset="0"/>
-              </a:rPr>
-              <a:t>write_summary_excel</a:t>
-            </a:r>
-          </a:p>
-        </p:txBody>
-      </p:sp>
-      <p:sp>
-        <p:nvSpPr>
-          <p:cNvPr id="58" name="TextBox 57">
-            <a:extLst>
-              <a:ext uri="{FF2B5EF4-FFF2-40B4-BE49-F238E27FC236}">
-                <a16:creationId xmlns:a16="http://schemas.microsoft.com/office/drawing/2014/main" id="{A8BBC215-85C6-45B4-9E05-7114F5B2EAC8}"/>
-              </a:ext>
-            </a:extLst>
-          </p:cNvPr>
-          <p:cNvSpPr txBox="1"/>
-          <p:nvPr/>
-        </p:nvSpPr>
-        <p:spPr>
-          <a:xfrm>
-            <a:off x="6416957" y="2853907"/>
-            <a:ext cx="1548809" cy="276999"/>
-          </a:xfrm>
-          <a:prstGeom prst="rect">
-            <a:avLst/>
-          </a:prstGeom>
-          <a:noFill/>
-        </p:spPr>
-        <p:txBody>
-          <a:bodyPr wrap="square" rtlCol="0">
-            <a:spAutoFit/>
-          </a:bodyPr>
-          <a:lstStyle/>
-          <a:p>
-            <a:pPr algn="ctr"/>
-            <a:r>
-              <a:rPr lang="en-SG" sz="1200" dirty="0">
-                <a:latin typeface="Consolas" panose="020B0609020204030204" pitchFamily="49" charset="0"/>
-              </a:rPr>
-              <a:t>add_ggplot_panel</a:t>
-            </a:r>
-          </a:p>
-        </p:txBody>
-      </p:sp>
-      <p:sp>
-        <p:nvSpPr>
-          <p:cNvPr id="59" name="TextBox 58">
-            <a:extLst>
-              <a:ext uri="{FF2B5EF4-FFF2-40B4-BE49-F238E27FC236}">
-                <a16:creationId xmlns:a16="http://schemas.microsoft.com/office/drawing/2014/main" id="{F543EBE0-D1C3-4731-A9C3-F3A9B759E254}"/>
-              </a:ext>
-            </a:extLst>
-          </p:cNvPr>
-          <p:cNvSpPr txBox="1"/>
-          <p:nvPr/>
-        </p:nvSpPr>
-        <p:spPr>
-          <a:xfrm>
-            <a:off x="6455057" y="647910"/>
-            <a:ext cx="1548809" cy="276999"/>
-          </a:xfrm>
-          <a:prstGeom prst="rect">
-            <a:avLst/>
-          </a:prstGeom>
-          <a:noFill/>
-        </p:spPr>
-        <p:txBody>
-          <a:bodyPr wrap="square" rtlCol="0">
-            <a:spAutoFit/>
-          </a:bodyPr>
-          <a:lstStyle/>
-          <a:p>
-            <a:pPr algn="ctr"/>
-            <a:r>
-              <a:rPr lang="en-SG" sz="1200" dirty="0">
-                <a:latin typeface="Consolas" panose="020B0609020204030204" pitchFamily="49" charset="0"/>
-              </a:rPr>
-              <a:t>add_plotly_panel</a:t>
-            </a:r>
-          </a:p>
-        </p:txBody>
-      </p:sp>
-      <p:graphicFrame>
-        <p:nvGraphicFramePr>
-          <p:cNvPr id="60" name="Table 59">
-            <a:extLst>
-              <a:ext uri="{FF2B5EF4-FFF2-40B4-BE49-F238E27FC236}">
-                <a16:creationId xmlns:a16="http://schemas.microsoft.com/office/drawing/2014/main" id="{B4E075B2-9E5A-4E01-900F-FA4E9E3E6715}"/>
-              </a:ext>
-            </a:extLst>
-          </p:cNvPr>
-          <p:cNvGraphicFramePr>
-            <a:graphicFrameLocks noGrp="1"/>
-          </p:cNvGraphicFramePr>
-          <p:nvPr>
-            <p:extLst>
-              <p:ext uri="{D42A27DB-BD31-4B8C-83A1-F6EECF244321}">
-                <p14:modId xmlns:p14="http://schemas.microsoft.com/office/powerpoint/2010/main" val="386341069"/>
-              </p:ext>
-            </p:extLst>
-          </p:nvPr>
-        </p:nvGraphicFramePr>
-        <p:xfrm>
-          <a:off x="7948780" y="5124953"/>
-          <a:ext cx="4294745" cy="365760"/>
-        </p:xfrm>
-        <a:graphic>
-          <a:graphicData uri="http://schemas.openxmlformats.org/drawingml/2006/table">
-            <a:tbl>
-              <a:tblPr firstRow="1" bandRow="1">
-                <a:tableStyleId>{5C22544A-7EE6-4342-B048-85BDC9FD1C3A}</a:tableStyleId>
-              </a:tblPr>
-              <a:tblGrid>
-                <a:gridCol w="4294745">
-                  <a:extLst>
-                    <a:ext uri="{9D8B030D-6E8A-4147-A177-3AD203B41FA5}">
-                      <a16:colId xmlns:a16="http://schemas.microsoft.com/office/drawing/2014/main" val="3999788392"/>
-                    </a:ext>
-                  </a:extLst>
-                </a:gridCol>
-              </a:tblGrid>
-              <a:tr h="329571">
-                <a:tc>
-                  <a:txBody>
-                    <a:bodyPr/>
-                    <a:lstStyle/>
-                    <a:p>
-                      <a:pPr algn="ctr"/>
-                      <a:r>
-                        <a:rPr lang="en-SG" sz="1800" b="0" dirty="0">
-                          <a:solidFill>
-                            <a:schemeClr val="tx1"/>
-                          </a:solidFill>
-                        </a:rPr>
-                        <a:t>PDF File</a:t>
-                      </a:r>
-                    </a:p>
-                  </a:txBody>
-                  <a:tcPr anchor="ctr">
-                    <a:lnL w="12700" cap="flat" cmpd="sng" algn="ctr">
-                      <a:solidFill>
-                        <a:schemeClr val="tx1"/>
-                      </a:solidFill>
-                      <a:prstDash val="solid"/>
-                      <a:round/>
-                      <a:headEnd type="none" w="med" len="med"/>
-                      <a:tailEnd type="none" w="med" len="med"/>
-                    </a:lnL>
-                    <a:lnR w="12700" cap="flat" cmpd="sng" algn="ctr">
-                      <a:solidFill>
-                        <a:schemeClr val="tx1"/>
-                      </a:solidFill>
-                      <a:prstDash val="solid"/>
-                      <a:round/>
-                      <a:headEnd type="none" w="med" len="med"/>
-                      <a:tailEnd type="none" w="med" len="med"/>
-                    </a:lnR>
-                    <a:lnT w="12700" cap="flat" cmpd="sng" algn="ctr">
-                      <a:solidFill>
-                        <a:schemeClr val="tx1"/>
-                      </a:solidFill>
-                      <a:prstDash val="solid"/>
-                      <a:round/>
-                      <a:headEnd type="none" w="med" len="med"/>
-                      <a:tailEnd type="none" w="med" len="med"/>
-                    </a:lnT>
-                    <a:lnB w="12700" cap="flat" cmpd="sng" algn="ctr">
-                      <a:solidFill>
-                        <a:schemeClr val="tx1"/>
-                      </a:solidFill>
-                      <a:prstDash val="solid"/>
-                      <a:round/>
-                      <a:headEnd type="none" w="med" len="med"/>
-                      <a:tailEnd type="none" w="med" len="med"/>
-                    </a:lnB>
-                    <a:solidFill>
-                      <a:schemeClr val="accent5">
-                        <a:lumMod val="20000"/>
-                        <a:lumOff val="80000"/>
-                      </a:schemeClr>
-                    </a:solidFill>
-                  </a:tcPr>
-                </a:tc>
-                <a:extLst>
-                  <a:ext uri="{0D108BD9-81ED-4DB2-BD59-A6C34878D82A}">
-                    <a16:rowId xmlns:a16="http://schemas.microsoft.com/office/drawing/2014/main" val="3015718453"/>
-                  </a:ext>
-                </a:extLst>
-              </a:tr>
-            </a:tbl>
-          </a:graphicData>
-        </a:graphic>
-      </p:graphicFrame>
-      <p:sp>
-        <p:nvSpPr>
-          <p:cNvPr id="61" name="TextBox 60">
-            <a:extLst>
-              <a:ext uri="{FF2B5EF4-FFF2-40B4-BE49-F238E27FC236}">
-                <a16:creationId xmlns:a16="http://schemas.microsoft.com/office/drawing/2014/main" id="{51C1EDFB-94F3-4032-85C5-900A8AEF3DDE}"/>
-              </a:ext>
-            </a:extLst>
-          </p:cNvPr>
-          <p:cNvSpPr txBox="1"/>
-          <p:nvPr/>
-        </p:nvSpPr>
-        <p:spPr>
-          <a:xfrm>
-            <a:off x="8381910" y="4255099"/>
-            <a:ext cx="1787117" cy="276999"/>
-          </a:xfrm>
-          <a:prstGeom prst="rect">
-            <a:avLst/>
-          </a:prstGeom>
-          <a:noFill/>
-        </p:spPr>
-        <p:txBody>
-          <a:bodyPr wrap="square" rtlCol="0">
-            <a:spAutoFit/>
-          </a:bodyPr>
-          <a:lstStyle/>
-          <a:p>
-            <a:pPr algn="ctr"/>
-            <a:r>
-              <a:rPr lang="en-SG" sz="1200" dirty="0">
-                <a:latin typeface="Consolas" panose="020B0609020204030204" pitchFamily="49" charset="0"/>
-              </a:rPr>
-              <a:t>view_ggplot_pdf</a:t>
-            </a:r>
-          </a:p>
-        </p:txBody>
-      </p:sp>
-      <p:cxnSp>
-        <p:nvCxnSpPr>
-          <p:cNvPr id="62" name="Straight Arrow Connector 61">
-            <a:extLst>
-              <a:ext uri="{FF2B5EF4-FFF2-40B4-BE49-F238E27FC236}">
-                <a16:creationId xmlns:a16="http://schemas.microsoft.com/office/drawing/2014/main" id="{BAED608E-D337-4A46-A43C-CC3326BC7524}"/>
-              </a:ext>
-            </a:extLst>
-          </p:cNvPr>
-          <p:cNvCxnSpPr>
-            <a:cxnSpLocks/>
-            <a:stCxn id="43" idx="2"/>
-            <a:endCxn id="60" idx="0"/>
-          </p:cNvCxnSpPr>
-          <p:nvPr/>
-        </p:nvCxnSpPr>
-        <p:spPr>
-          <a:xfrm flipH="1">
-            <a:off x="10096152" y="3308125"/>
-            <a:ext cx="18247" cy="1816828"/>
-          </a:xfrm>
-          <a:prstGeom prst="straightConnector1">
-            <a:avLst/>
-          </a:prstGeom>
-          <a:ln w="12700">
-            <a:solidFill>
-              <a:schemeClr val="tx1"/>
-            </a:solidFill>
-            <a:tailEnd type="triangle"/>
-          </a:ln>
-        </p:spPr>
-        <p:style>
-          <a:lnRef idx="1">
-            <a:schemeClr val="accent1"/>
-          </a:lnRef>
-          <a:fillRef idx="0">
-            <a:schemeClr val="accent1"/>
-          </a:fillRef>
-          <a:effectRef idx="0">
-            <a:schemeClr val="accent1"/>
-          </a:effectRef>
-          <a:fontRef idx="minor">
-            <a:schemeClr val="tx1"/>
-          </a:fontRef>
-        </p:style>
-      </p:cxnSp>
-      <p:graphicFrame>
-        <p:nvGraphicFramePr>
-          <p:cNvPr id="63" name="Table 62">
-            <a:extLst>
-              <a:ext uri="{FF2B5EF4-FFF2-40B4-BE49-F238E27FC236}">
-                <a16:creationId xmlns:a16="http://schemas.microsoft.com/office/drawing/2014/main" id="{ACF72483-323D-40C3-9769-0EBBCFBBF0C6}"/>
-              </a:ext>
-            </a:extLst>
-          </p:cNvPr>
-          <p:cNvGraphicFramePr>
-            <a:graphicFrameLocks noGrp="1"/>
-          </p:cNvGraphicFramePr>
-          <p:nvPr>
-            <p:extLst>
-              <p:ext uri="{D42A27DB-BD31-4B8C-83A1-F6EECF244321}">
-                <p14:modId xmlns:p14="http://schemas.microsoft.com/office/powerpoint/2010/main" val="1509696265"/>
-              </p:ext>
-            </p:extLst>
-          </p:nvPr>
-        </p:nvGraphicFramePr>
-        <p:xfrm>
-          <a:off x="13697327" y="429397"/>
-          <a:ext cx="4330323" cy="1266449"/>
-        </p:xfrm>
-        <a:graphic>
-          <a:graphicData uri="http://schemas.openxmlformats.org/drawingml/2006/table">
-            <a:tbl>
-              <a:tblPr firstRow="1" bandRow="1">
-                <a:tableStyleId>{5C22544A-7EE6-4342-B048-85BDC9FD1C3A}</a:tableStyleId>
-              </a:tblPr>
-              <a:tblGrid>
-                <a:gridCol w="1433356">
-                  <a:extLst>
-                    <a:ext uri="{9D8B030D-6E8A-4147-A177-3AD203B41FA5}">
-                      <a16:colId xmlns:a16="http://schemas.microsoft.com/office/drawing/2014/main" val="3999788392"/>
-                    </a:ext>
-                  </a:extLst>
-                </a:gridCol>
-                <a:gridCol w="1951694">
-                  <a:extLst>
-                    <a:ext uri="{9D8B030D-6E8A-4147-A177-3AD203B41FA5}">
-                      <a16:colId xmlns:a16="http://schemas.microsoft.com/office/drawing/2014/main" val="1361737304"/>
-                    </a:ext>
-                  </a:extLst>
-                </a:gridCol>
-                <a:gridCol w="945273">
-                  <a:extLst>
-                    <a:ext uri="{9D8B030D-6E8A-4147-A177-3AD203B41FA5}">
-                      <a16:colId xmlns:a16="http://schemas.microsoft.com/office/drawing/2014/main" val="3930359769"/>
-                    </a:ext>
-                  </a:extLst>
-                </a:gridCol>
-              </a:tblGrid>
-              <a:tr h="315002">
-                <a:tc gridSpan="3">
-                  <a:txBody>
-                    <a:bodyPr/>
-                    <a:lstStyle/>
-                    <a:p>
-                      <a:pPr algn="ctr"/>
-                      <a:r>
-                        <a:rPr lang="en-SG" sz="1800" b="0" dirty="0">
-                          <a:solidFill>
-                            <a:schemeClr val="tx1"/>
-                          </a:solidFill>
-                        </a:rPr>
-                        <a:t>Trellis Visualisation</a:t>
-                      </a:r>
-                    </a:p>
-                  </a:txBody>
-                  <a:tcPr anchor="ctr">
-                    <a:lnL w="12700" cap="flat" cmpd="sng" algn="ctr">
-                      <a:solidFill>
-                        <a:schemeClr val="tx1"/>
-                      </a:solidFill>
-                      <a:prstDash val="solid"/>
-                      <a:round/>
-                      <a:headEnd type="none" w="med" len="med"/>
-                      <a:tailEnd type="none" w="med" len="med"/>
-                    </a:lnL>
-                    <a:lnR w="12700" cap="flat" cmpd="sng" algn="ctr">
-                      <a:solidFill>
-                        <a:schemeClr val="tx1"/>
-                      </a:solidFill>
-                      <a:prstDash val="solid"/>
-                      <a:round/>
-                      <a:headEnd type="none" w="med" len="med"/>
-                      <a:tailEnd type="none" w="med" len="med"/>
-                    </a:lnR>
-                    <a:lnT w="12700" cap="flat" cmpd="sng" algn="ctr">
-                      <a:solidFill>
-                        <a:schemeClr val="tx1"/>
-                      </a:solidFill>
-                      <a:prstDash val="solid"/>
-                      <a:round/>
-                      <a:headEnd type="none" w="med" len="med"/>
-                      <a:tailEnd type="none" w="med" len="med"/>
-                    </a:lnT>
-                    <a:lnB w="12700" cap="flat" cmpd="sng" algn="ctr">
-                      <a:solidFill>
-                        <a:schemeClr val="tx1"/>
-                      </a:solidFill>
-                      <a:prstDash val="solid"/>
-                      <a:round/>
-                      <a:headEnd type="none" w="med" len="med"/>
-                      <a:tailEnd type="none" w="med" len="med"/>
-                    </a:lnB>
-                    <a:solidFill>
-                      <a:schemeClr val="accent5">
-                        <a:lumMod val="20000"/>
-                        <a:lumOff val="80000"/>
-                      </a:schemeClr>
-                    </a:solidFill>
-                  </a:tcPr>
-                </a:tc>
-                <a:tc hMerge="1">
-                  <a:txBody>
-                    <a:bodyPr/>
-                    <a:lstStyle/>
-                    <a:p>
-                      <a:pPr marL="0" marR="0" lvl="0" indent="0" algn="ctr" defTabSz="914400" rtl="0" eaLnBrk="1" fontAlgn="auto" latinLnBrk="0" hangingPunct="1">
-                        <a:lnSpc>
-                          <a:spcPct val="100000"/>
-                        </a:lnSpc>
-                        <a:spcBef>
-                          <a:spcPts val="0"/>
-                        </a:spcBef>
-                        <a:spcAft>
-                          <a:spcPts val="0"/>
-                        </a:spcAft>
-                        <a:buClrTx/>
-                        <a:buSzTx/>
-                        <a:buFontTx/>
-                        <a:buNone/>
-                        <a:tabLst/>
-                        <a:defRPr/>
-                      </a:pPr>
-                      <a:endParaRPr lang="en-SG" sz="1800" b="0" dirty="0">
-                        <a:solidFill>
-                          <a:schemeClr val="tx1"/>
-                        </a:solidFill>
-                      </a:endParaRPr>
-                    </a:p>
-                  </a:txBody>
-                  <a:tcPr anchor="ctr">
-                    <a:lnL w="12700" cap="flat" cmpd="sng" algn="ctr">
-                      <a:solidFill>
-                        <a:schemeClr val="tx1"/>
-                      </a:solidFill>
-                      <a:prstDash val="solid"/>
-                      <a:round/>
-                      <a:headEnd type="none" w="med" len="med"/>
-                      <a:tailEnd type="none" w="med" len="med"/>
-                    </a:lnL>
-                    <a:lnR w="12700" cap="flat" cmpd="sng" algn="ctr">
-                      <a:solidFill>
-                        <a:schemeClr val="tx1"/>
-                      </a:solidFill>
-                      <a:prstDash val="solid"/>
-                      <a:round/>
-                      <a:headEnd type="none" w="med" len="med"/>
-                      <a:tailEnd type="none" w="med" len="med"/>
-                    </a:lnR>
-                    <a:lnT w="12700" cap="flat" cmpd="sng" algn="ctr">
-                      <a:solidFill>
-                        <a:schemeClr val="tx1"/>
-                      </a:solidFill>
-                      <a:prstDash val="solid"/>
-                      <a:round/>
-                      <a:headEnd type="none" w="med" len="med"/>
-                      <a:tailEnd type="none" w="med" len="med"/>
-                    </a:lnT>
-                    <a:lnB w="12700" cap="flat" cmpd="sng" algn="ctr">
-                      <a:solidFill>
-                        <a:schemeClr val="tx1"/>
-                      </a:solidFill>
-                      <a:prstDash val="solid"/>
-                      <a:round/>
-                      <a:headEnd type="none" w="med" len="med"/>
-                      <a:tailEnd type="none" w="med" len="med"/>
-                    </a:lnB>
-                    <a:solidFill>
-                      <a:schemeClr val="accent5">
-                        <a:lumMod val="20000"/>
-                        <a:lumOff val="80000"/>
-                      </a:schemeClr>
-                    </a:solidFill>
-                  </a:tcPr>
-                </a:tc>
-                <a:tc hMerge="1">
-                  <a:txBody>
-                    <a:bodyPr/>
-                    <a:lstStyle/>
-                    <a:p>
-                      <a:pPr algn="ctr"/>
-                      <a:endParaRPr lang="en-SG" sz="1800" b="0" dirty="0">
-                        <a:solidFill>
-                          <a:schemeClr val="tx1"/>
-                        </a:solidFill>
-                      </a:endParaRPr>
-                    </a:p>
-                  </a:txBody>
-                  <a:tcPr anchor="ctr">
-                    <a:lnL w="12700" cap="flat" cmpd="sng" algn="ctr">
-                      <a:solidFill>
-                        <a:schemeClr val="tx1"/>
-                      </a:solidFill>
-                      <a:prstDash val="solid"/>
-                      <a:round/>
-                      <a:headEnd type="none" w="med" len="med"/>
-                      <a:tailEnd type="none" w="med" len="med"/>
-                    </a:lnL>
-                    <a:lnR w="12700" cap="flat" cmpd="sng" algn="ctr">
-                      <a:solidFill>
-                        <a:schemeClr val="tx1"/>
-                      </a:solidFill>
-                      <a:prstDash val="solid"/>
-                      <a:round/>
-                      <a:headEnd type="none" w="med" len="med"/>
-                      <a:tailEnd type="none" w="med" len="med"/>
-                    </a:lnR>
-                    <a:lnT w="12700" cap="flat" cmpd="sng" algn="ctr">
-                      <a:solidFill>
-                        <a:schemeClr val="tx1"/>
-                      </a:solidFill>
-                      <a:prstDash val="solid"/>
-                      <a:round/>
-                      <a:headEnd type="none" w="med" len="med"/>
-                      <a:tailEnd type="none" w="med" len="med"/>
-                    </a:lnT>
-                    <a:lnB w="12700" cap="flat" cmpd="sng" algn="ctr">
-                      <a:solidFill>
-                        <a:schemeClr val="tx1"/>
-                      </a:solidFill>
-                      <a:prstDash val="solid"/>
-                      <a:round/>
-                      <a:headEnd type="none" w="med" len="med"/>
-                      <a:tailEnd type="none" w="med" len="med"/>
-                    </a:lnB>
-                    <a:solidFill>
-                      <a:schemeClr val="accent5">
-                        <a:lumMod val="20000"/>
-                        <a:lumOff val="80000"/>
-                      </a:schemeClr>
-                    </a:solidFill>
-                  </a:tcPr>
-                </a:tc>
-                <a:extLst>
-                  <a:ext uri="{0D108BD9-81ED-4DB2-BD59-A6C34878D82A}">
-                    <a16:rowId xmlns:a16="http://schemas.microsoft.com/office/drawing/2014/main" val="3550696611"/>
-                  </a:ext>
-                </a:extLst>
-              </a:tr>
-              <a:tr h="315002">
-                <a:tc>
-                  <a:txBody>
-                    <a:bodyPr/>
-                    <a:lstStyle/>
-                    <a:p>
-                      <a:pPr algn="ctr"/>
-                      <a:r>
-                        <a:rPr lang="en-SG" sz="1800" b="0" dirty="0">
-                          <a:solidFill>
-                            <a:schemeClr val="tx1"/>
-                          </a:solidFill>
-                        </a:rPr>
-                        <a:t>Cognostics Id</a:t>
-                      </a:r>
-                    </a:p>
-                  </a:txBody>
-                  <a:tcPr anchor="ctr">
-                    <a:lnL w="12700" cap="flat" cmpd="sng" algn="ctr">
-                      <a:solidFill>
-                        <a:schemeClr val="tx1"/>
-                      </a:solidFill>
-                      <a:prstDash val="solid"/>
-                      <a:round/>
-                      <a:headEnd type="none" w="med" len="med"/>
-                      <a:tailEnd type="none" w="med" len="med"/>
-                    </a:lnL>
-                    <a:lnR w="12700" cap="flat" cmpd="sng" algn="ctr">
-                      <a:solidFill>
-                        <a:schemeClr val="tx1"/>
-                      </a:solidFill>
-                      <a:prstDash val="solid"/>
-                      <a:round/>
-                      <a:headEnd type="none" w="med" len="med"/>
-                      <a:tailEnd type="none" w="med" len="med"/>
-                    </a:lnR>
-                    <a:lnT w="12700" cap="flat" cmpd="sng" algn="ctr">
-                      <a:solidFill>
-                        <a:schemeClr val="tx1"/>
-                      </a:solidFill>
-                      <a:prstDash val="solid"/>
-                      <a:round/>
-                      <a:headEnd type="none" w="med" len="med"/>
-                      <a:tailEnd type="none" w="med" len="med"/>
-                    </a:lnT>
-                    <a:lnB w="12700" cap="flat" cmpd="sng" algn="ctr">
-                      <a:solidFill>
-                        <a:schemeClr val="tx1"/>
-                      </a:solidFill>
-                      <a:prstDash val="solid"/>
-                      <a:round/>
-                      <a:headEnd type="none" w="med" len="med"/>
-                      <a:tailEnd type="none" w="med" len="med"/>
-                    </a:lnB>
-                    <a:solidFill>
-                      <a:schemeClr val="accent5">
-                        <a:lumMod val="20000"/>
-                        <a:lumOff val="80000"/>
-                      </a:schemeClr>
-                    </a:solidFill>
-                  </a:tcPr>
-                </a:tc>
-                <a:tc>
-                  <a:txBody>
-                    <a:bodyPr/>
-                    <a:lstStyle/>
-                    <a:p>
-                      <a:pPr marL="0" marR="0" lvl="0" indent="0" algn="ctr" defTabSz="914400" rtl="0" eaLnBrk="1" fontAlgn="auto" latinLnBrk="0" hangingPunct="1">
-                        <a:lnSpc>
-                          <a:spcPct val="100000"/>
-                        </a:lnSpc>
-                        <a:spcBef>
-                          <a:spcPts val="0"/>
-                        </a:spcBef>
-                        <a:spcAft>
-                          <a:spcPts val="0"/>
-                        </a:spcAft>
-                        <a:buClrTx/>
-                        <a:buSzTx/>
-                        <a:buFontTx/>
-                        <a:buNone/>
-                        <a:tabLst/>
-                        <a:defRPr/>
-                      </a:pPr>
-                      <a:r>
-                        <a:rPr lang="en-SG" sz="1800" b="0" dirty="0">
-                          <a:solidFill>
-                            <a:schemeClr val="tx1"/>
-                          </a:solidFill>
-                        </a:rPr>
-                        <a:t>Cognostics Table</a:t>
-                      </a:r>
-                    </a:p>
-                  </a:txBody>
-                  <a:tcPr anchor="ctr">
-                    <a:lnL w="12700" cap="flat" cmpd="sng" algn="ctr">
-                      <a:solidFill>
-                        <a:schemeClr val="tx1"/>
-                      </a:solidFill>
-                      <a:prstDash val="solid"/>
-                      <a:round/>
-                      <a:headEnd type="none" w="med" len="med"/>
-                      <a:tailEnd type="none" w="med" len="med"/>
-                    </a:lnL>
-                    <a:lnR w="12700" cap="flat" cmpd="sng" algn="ctr">
-                      <a:solidFill>
-                        <a:schemeClr val="tx1"/>
-                      </a:solidFill>
-                      <a:prstDash val="solid"/>
-                      <a:round/>
-                      <a:headEnd type="none" w="med" len="med"/>
-                      <a:tailEnd type="none" w="med" len="med"/>
-                    </a:lnR>
-                    <a:lnT w="12700" cap="flat" cmpd="sng" algn="ctr">
-                      <a:solidFill>
-                        <a:schemeClr val="tx1"/>
-                      </a:solidFill>
-                      <a:prstDash val="solid"/>
-                      <a:round/>
-                      <a:headEnd type="none" w="med" len="med"/>
-                      <a:tailEnd type="none" w="med" len="med"/>
-                    </a:lnT>
-                    <a:lnB w="12700" cap="flat" cmpd="sng" algn="ctr">
-                      <a:solidFill>
-                        <a:schemeClr val="tx1"/>
-                      </a:solidFill>
-                      <a:prstDash val="solid"/>
-                      <a:round/>
-                      <a:headEnd type="none" w="med" len="med"/>
-                      <a:tailEnd type="none" w="med" len="med"/>
-                    </a:lnB>
-                    <a:solidFill>
-                      <a:schemeClr val="accent5">
-                        <a:lumMod val="20000"/>
-                        <a:lumOff val="80000"/>
-                      </a:schemeClr>
-                    </a:solidFill>
-                  </a:tcPr>
-                </a:tc>
-                <a:tc>
-                  <a:txBody>
-                    <a:bodyPr/>
-                    <a:lstStyle/>
-                    <a:p>
-                      <a:pPr algn="ctr"/>
-                      <a:r>
-                        <a:rPr lang="en-SG" sz="1800" b="0" dirty="0">
-                          <a:solidFill>
-                            <a:schemeClr val="tx1"/>
-                          </a:solidFill>
-                        </a:rPr>
-                        <a:t>Panel</a:t>
-                      </a:r>
-                    </a:p>
-                  </a:txBody>
-                  <a:tcPr anchor="ctr">
-                    <a:lnL w="12700" cap="flat" cmpd="sng" algn="ctr">
-                      <a:solidFill>
-                        <a:schemeClr val="tx1"/>
-                      </a:solidFill>
-                      <a:prstDash val="solid"/>
-                      <a:round/>
-                      <a:headEnd type="none" w="med" len="med"/>
-                      <a:tailEnd type="none" w="med" len="med"/>
-                    </a:lnL>
-                    <a:lnR w="12700" cap="flat" cmpd="sng" algn="ctr">
-                      <a:solidFill>
-                        <a:schemeClr val="tx1"/>
-                      </a:solidFill>
-                      <a:prstDash val="solid"/>
-                      <a:round/>
-                      <a:headEnd type="none" w="med" len="med"/>
-                      <a:tailEnd type="none" w="med" len="med"/>
-                    </a:lnR>
-                    <a:lnT w="12700" cap="flat" cmpd="sng" algn="ctr">
-                      <a:solidFill>
-                        <a:schemeClr val="tx1"/>
-                      </a:solidFill>
-                      <a:prstDash val="solid"/>
-                      <a:round/>
-                      <a:headEnd type="none" w="med" len="med"/>
-                      <a:tailEnd type="none" w="med" len="med"/>
-                    </a:lnT>
-                    <a:lnB w="12700" cap="flat" cmpd="sng" algn="ctr">
-                      <a:solidFill>
-                        <a:schemeClr val="tx1"/>
-                      </a:solidFill>
-                      <a:prstDash val="solid"/>
-                      <a:round/>
-                      <a:headEnd type="none" w="med" len="med"/>
-                      <a:tailEnd type="none" w="med" len="med"/>
-                    </a:lnB>
-                    <a:solidFill>
-                      <a:schemeClr val="accent5">
-                        <a:lumMod val="20000"/>
-                        <a:lumOff val="80000"/>
-                      </a:schemeClr>
-                    </a:solidFill>
-                  </a:tcPr>
-                </a:tc>
-                <a:extLst>
-                  <a:ext uri="{0D108BD9-81ED-4DB2-BD59-A6C34878D82A}">
-                    <a16:rowId xmlns:a16="http://schemas.microsoft.com/office/drawing/2014/main" val="3015718453"/>
-                  </a:ext>
-                </a:extLst>
-              </a:tr>
-              <a:tr h="534929">
-                <a:tc>
-                  <a:txBody>
-                    <a:bodyPr/>
-                    <a:lstStyle/>
-                    <a:p>
-                      <a:pPr algn="ctr"/>
-                      <a:r>
-                        <a:rPr lang="en-SG" sz="1200" b="0" dirty="0">
-                          <a:solidFill>
-                            <a:schemeClr val="tx1"/>
-                          </a:solidFill>
-                        </a:rPr>
-                        <a:t>Transition Name</a:t>
-                      </a:r>
-                    </a:p>
-                  </a:txBody>
-                  <a:tcPr anchor="ctr">
-                    <a:lnL w="12700" cap="flat" cmpd="sng" algn="ctr">
-                      <a:solidFill>
-                        <a:schemeClr val="tx1"/>
-                      </a:solidFill>
-                      <a:prstDash val="solid"/>
-                      <a:round/>
-                      <a:headEnd type="none" w="med" len="med"/>
-                      <a:tailEnd type="none" w="med" len="med"/>
-                    </a:lnL>
-                    <a:lnR w="12700" cap="flat" cmpd="sng" algn="ctr">
-                      <a:solidFill>
-                        <a:schemeClr val="tx1"/>
-                      </a:solidFill>
-                      <a:prstDash val="solid"/>
-                      <a:round/>
-                      <a:headEnd type="none" w="med" len="med"/>
-                      <a:tailEnd type="none" w="med" len="med"/>
-                    </a:lnR>
-                    <a:lnT w="12700" cap="flat" cmpd="sng" algn="ctr">
-                      <a:solidFill>
-                        <a:schemeClr val="tx1"/>
-                      </a:solidFill>
-                      <a:prstDash val="solid"/>
-                      <a:round/>
-                      <a:headEnd type="none" w="med" len="med"/>
-                      <a:tailEnd type="none" w="med" len="med"/>
-                    </a:lnT>
-                    <a:lnB w="12700" cap="flat" cmpd="sng" algn="ctr">
-                      <a:solidFill>
-                        <a:schemeClr val="tx1"/>
-                      </a:solidFill>
-                      <a:prstDash val="solid"/>
-                      <a:round/>
-                      <a:headEnd type="none" w="med" len="med"/>
-                      <a:tailEnd type="none" w="med" len="med"/>
-                    </a:lnB>
-                    <a:solidFill>
-                      <a:schemeClr val="accent6">
-                        <a:lumMod val="20000"/>
-                        <a:lumOff val="80000"/>
-                      </a:schemeClr>
-                    </a:solidFill>
-                  </a:tcPr>
-                </a:tc>
-                <a:tc>
-                  <a:txBody>
-                    <a:bodyPr/>
-                    <a:lstStyle/>
-                    <a:p>
-                      <a:pPr algn="ctr"/>
-                      <a:r>
-                        <a:rPr lang="en-SG" sz="1200" b="0" dirty="0">
-                          <a:solidFill>
-                            <a:schemeClr val="tx1"/>
-                          </a:solidFill>
-                        </a:rPr>
-                        <a:t>Dilution</a:t>
-                      </a:r>
-                    </a:p>
-                    <a:p>
-                      <a:pPr algn="ctr"/>
-                      <a:r>
-                        <a:rPr lang="en-SG" sz="1200" b="0" dirty="0">
-                          <a:solidFill>
-                            <a:schemeClr val="tx1"/>
-                          </a:solidFill>
-                        </a:rPr>
-                        <a:t>Statistics Summary</a:t>
-                      </a:r>
-                      <a:endParaRPr lang="en-SG" dirty="0"/>
-                    </a:p>
-                  </a:txBody>
-                  <a:tcPr anchor="ctr">
-                    <a:lnL w="12700" cap="flat" cmpd="sng" algn="ctr">
-                      <a:solidFill>
-                        <a:schemeClr val="tx1"/>
-                      </a:solidFill>
-                      <a:prstDash val="solid"/>
-                      <a:round/>
-                      <a:headEnd type="none" w="med" len="med"/>
-                      <a:tailEnd type="none" w="med" len="med"/>
-                    </a:lnL>
-                    <a:lnR w="12700" cap="flat" cmpd="sng" algn="ctr">
-                      <a:solidFill>
-                        <a:schemeClr val="tx1"/>
-                      </a:solidFill>
-                      <a:prstDash val="solid"/>
-                      <a:round/>
-                      <a:headEnd type="none" w="med" len="med"/>
-                      <a:tailEnd type="none" w="med" len="med"/>
-                    </a:lnR>
-                    <a:lnT w="12700" cap="flat" cmpd="sng" algn="ctr">
-                      <a:solidFill>
-                        <a:schemeClr val="tx1"/>
-                      </a:solidFill>
-                      <a:prstDash val="solid"/>
-                      <a:round/>
-                      <a:headEnd type="none" w="med" len="med"/>
-                      <a:tailEnd type="none" w="med" len="med"/>
-                    </a:lnT>
-                    <a:lnB w="12700" cap="flat" cmpd="sng" algn="ctr">
-                      <a:solidFill>
-                        <a:schemeClr val="tx1"/>
-                      </a:solidFill>
-                      <a:prstDash val="solid"/>
-                      <a:round/>
-                      <a:headEnd type="none" w="med" len="med"/>
-                      <a:tailEnd type="none" w="med" len="med"/>
-                    </a:lnB>
-                    <a:solidFill>
-                      <a:schemeClr val="accent6">
-                        <a:lumMod val="20000"/>
-                        <a:lumOff val="80000"/>
-                      </a:schemeClr>
-                    </a:solidFill>
-                  </a:tcPr>
-                </a:tc>
-                <a:tc>
-                  <a:txBody>
-                    <a:bodyPr/>
-                    <a:lstStyle/>
-                    <a:p>
-                      <a:pPr algn="ctr"/>
-                      <a:r>
-                        <a:rPr lang="en-SG" sz="1200" b="0" dirty="0">
-                          <a:solidFill>
-                            <a:schemeClr val="tx1"/>
-                          </a:solidFill>
-                        </a:rPr>
-                        <a:t>Figures</a:t>
-                      </a:r>
-                    </a:p>
-                  </a:txBody>
-                  <a:tcPr anchor="ctr">
-                    <a:lnL w="12700" cap="flat" cmpd="sng" algn="ctr">
-                      <a:solidFill>
-                        <a:schemeClr val="tx1"/>
-                      </a:solidFill>
-                      <a:prstDash val="solid"/>
-                      <a:round/>
-                      <a:headEnd type="none" w="med" len="med"/>
-                      <a:tailEnd type="none" w="med" len="med"/>
-                    </a:lnL>
-                    <a:lnR w="12700" cap="flat" cmpd="sng" algn="ctr">
-                      <a:solidFill>
-                        <a:schemeClr val="tx1"/>
-                      </a:solidFill>
-                      <a:prstDash val="solid"/>
-                      <a:round/>
-                      <a:headEnd type="none" w="med" len="med"/>
-                      <a:tailEnd type="none" w="med" len="med"/>
-                    </a:lnR>
-                    <a:lnT w="12700" cap="flat" cmpd="sng" algn="ctr">
-                      <a:solidFill>
-                        <a:schemeClr val="tx1"/>
-                      </a:solidFill>
-                      <a:prstDash val="solid"/>
-                      <a:round/>
-                      <a:headEnd type="none" w="med" len="med"/>
-                      <a:tailEnd type="none" w="med" len="med"/>
-                    </a:lnT>
-                    <a:lnB w="12700" cap="flat" cmpd="sng" algn="ctr">
-                      <a:solidFill>
-                        <a:schemeClr val="tx1"/>
-                      </a:solidFill>
-                      <a:prstDash val="solid"/>
-                      <a:round/>
-                      <a:headEnd type="none" w="med" len="med"/>
-                      <a:tailEnd type="none" w="med" len="med"/>
-                    </a:lnB>
-                    <a:solidFill>
-                      <a:schemeClr val="accent6">
-                        <a:lumMod val="20000"/>
-                        <a:lumOff val="80000"/>
-                      </a:schemeClr>
-                    </a:solidFill>
-                  </a:tcPr>
-                </a:tc>
-                <a:extLst>
-                  <a:ext uri="{0D108BD9-81ED-4DB2-BD59-A6C34878D82A}">
-                    <a16:rowId xmlns:a16="http://schemas.microsoft.com/office/drawing/2014/main" val="1491974958"/>
-                  </a:ext>
-                </a:extLst>
-              </a:tr>
-            </a:tbl>
-          </a:graphicData>
-        </a:graphic>
-      </p:graphicFrame>
-      <p:sp>
-        <p:nvSpPr>
-          <p:cNvPr id="64" name="TextBox 63">
-            <a:extLst>
-              <a:ext uri="{FF2B5EF4-FFF2-40B4-BE49-F238E27FC236}">
-                <a16:creationId xmlns:a16="http://schemas.microsoft.com/office/drawing/2014/main" id="{EA482EA5-46DB-4394-8F0F-0A08CFE4DE9E}"/>
-              </a:ext>
-            </a:extLst>
-          </p:cNvPr>
-          <p:cNvSpPr txBox="1"/>
-          <p:nvPr/>
-        </p:nvSpPr>
-        <p:spPr>
-          <a:xfrm>
-            <a:off x="12228931" y="724249"/>
-            <a:ext cx="1548809" cy="276999"/>
-          </a:xfrm>
-          <a:prstGeom prst="rect">
-            <a:avLst/>
-          </a:prstGeom>
-          <a:noFill/>
-        </p:spPr>
-        <p:txBody>
-          <a:bodyPr wrap="square" rtlCol="0">
-            <a:spAutoFit/>
-          </a:bodyPr>
-          <a:lstStyle/>
-          <a:p>
-            <a:pPr algn="ctr"/>
-            <a:r>
-              <a:rPr lang="en-SG" sz="1200" dirty="0">
-                <a:latin typeface="Consolas" panose="020B0609020204030204" pitchFamily="49" charset="0"/>
-              </a:rPr>
-              <a:t>convert_to_cog</a:t>
-            </a:r>
-          </a:p>
-        </p:txBody>
-      </p:sp>
-      <p:graphicFrame>
-        <p:nvGraphicFramePr>
-          <p:cNvPr id="65" name="Table 64">
-            <a:extLst>
-              <a:ext uri="{FF2B5EF4-FFF2-40B4-BE49-F238E27FC236}">
-                <a16:creationId xmlns:a16="http://schemas.microsoft.com/office/drawing/2014/main" id="{C3631228-29B6-45AB-BDF1-B0CE6E0E5126}"/>
-              </a:ext>
-            </a:extLst>
-          </p:cNvPr>
-          <p:cNvGraphicFramePr>
-            <a:graphicFrameLocks noGrp="1"/>
-          </p:cNvGraphicFramePr>
-          <p:nvPr>
-            <p:extLst>
-              <p:ext uri="{D42A27DB-BD31-4B8C-83A1-F6EECF244321}">
-                <p14:modId xmlns:p14="http://schemas.microsoft.com/office/powerpoint/2010/main" val="4054192242"/>
-              </p:ext>
-            </p:extLst>
-          </p:nvPr>
-        </p:nvGraphicFramePr>
-        <p:xfrm>
-          <a:off x="14203223" y="5124953"/>
-          <a:ext cx="3370210" cy="365760"/>
-        </p:xfrm>
-        <a:graphic>
-          <a:graphicData uri="http://schemas.openxmlformats.org/drawingml/2006/table">
-            <a:tbl>
-              <a:tblPr firstRow="1" bandRow="1">
-                <a:tableStyleId>{5C22544A-7EE6-4342-B048-85BDC9FD1C3A}</a:tableStyleId>
-              </a:tblPr>
-              <a:tblGrid>
-                <a:gridCol w="3370210">
-                  <a:extLst>
-                    <a:ext uri="{9D8B030D-6E8A-4147-A177-3AD203B41FA5}">
-                      <a16:colId xmlns:a16="http://schemas.microsoft.com/office/drawing/2014/main" val="3999788392"/>
-                    </a:ext>
-                  </a:extLst>
-                </a:gridCol>
-              </a:tblGrid>
-              <a:tr h="329571">
-                <a:tc>
-                  <a:txBody>
-                    <a:bodyPr/>
-                    <a:lstStyle/>
-                    <a:p>
-                      <a:pPr algn="ctr"/>
-                      <a:r>
-                        <a:rPr lang="en-SG" sz="1800" b="0" dirty="0">
-                          <a:solidFill>
-                            <a:schemeClr val="tx1"/>
-                          </a:solidFill>
-                        </a:rPr>
-                        <a:t>HTML Folder</a:t>
-                      </a:r>
-                    </a:p>
-                  </a:txBody>
-                  <a:tcPr anchor="ctr">
-                    <a:lnL w="12700" cap="flat" cmpd="sng" algn="ctr">
-                      <a:solidFill>
-                        <a:schemeClr val="tx1"/>
-                      </a:solidFill>
-                      <a:prstDash val="solid"/>
-                      <a:round/>
-                      <a:headEnd type="none" w="med" len="med"/>
-                      <a:tailEnd type="none" w="med" len="med"/>
-                    </a:lnL>
-                    <a:lnR w="12700" cap="flat" cmpd="sng" algn="ctr">
-                      <a:solidFill>
-                        <a:schemeClr val="tx1"/>
-                      </a:solidFill>
-                      <a:prstDash val="solid"/>
-                      <a:round/>
-                      <a:headEnd type="none" w="med" len="med"/>
-                      <a:tailEnd type="none" w="med" len="med"/>
-                    </a:lnR>
-                    <a:lnT w="12700" cap="flat" cmpd="sng" algn="ctr">
-                      <a:solidFill>
-                        <a:schemeClr val="tx1"/>
-                      </a:solidFill>
-                      <a:prstDash val="solid"/>
-                      <a:round/>
-                      <a:headEnd type="none" w="med" len="med"/>
-                      <a:tailEnd type="none" w="med" len="med"/>
-                    </a:lnT>
-                    <a:lnB w="12700" cap="flat" cmpd="sng" algn="ctr">
-                      <a:solidFill>
-                        <a:schemeClr val="tx1"/>
-                      </a:solidFill>
-                      <a:prstDash val="solid"/>
-                      <a:round/>
-                      <a:headEnd type="none" w="med" len="med"/>
-                      <a:tailEnd type="none" w="med" len="med"/>
-                    </a:lnB>
-                    <a:solidFill>
-                      <a:schemeClr val="accent5">
-                        <a:lumMod val="20000"/>
-                        <a:lumOff val="80000"/>
-                      </a:schemeClr>
-                    </a:solidFill>
-                  </a:tcPr>
-                </a:tc>
-                <a:extLst>
-                  <a:ext uri="{0D108BD9-81ED-4DB2-BD59-A6C34878D82A}">
-                    <a16:rowId xmlns:a16="http://schemas.microsoft.com/office/drawing/2014/main" val="3015718453"/>
-                  </a:ext>
-                </a:extLst>
-              </a:tr>
-            </a:tbl>
-          </a:graphicData>
-        </a:graphic>
-      </p:graphicFrame>
-      <p:cxnSp>
-        <p:nvCxnSpPr>
-          <p:cNvPr id="66" name="Straight Arrow Connector 65">
-            <a:extLst>
-              <a:ext uri="{FF2B5EF4-FFF2-40B4-BE49-F238E27FC236}">
-                <a16:creationId xmlns:a16="http://schemas.microsoft.com/office/drawing/2014/main" id="{72A91BB4-ED29-4270-B32F-F8908725AA23}"/>
-              </a:ext>
-            </a:extLst>
-          </p:cNvPr>
-          <p:cNvCxnSpPr>
-            <a:cxnSpLocks/>
-            <a:stCxn id="63" idx="2"/>
-            <a:endCxn id="65" idx="0"/>
-          </p:cNvCxnSpPr>
-          <p:nvPr/>
-        </p:nvCxnSpPr>
-        <p:spPr>
-          <a:xfrm>
-            <a:off x="15862488" y="1695846"/>
-            <a:ext cx="25840" cy="3429107"/>
-          </a:xfrm>
-          <a:prstGeom prst="straightConnector1">
-            <a:avLst/>
-          </a:prstGeom>
-          <a:ln w="12700">
-            <a:solidFill>
-              <a:schemeClr val="tx1"/>
-            </a:solidFill>
-            <a:tailEnd type="triangle"/>
-          </a:ln>
-        </p:spPr>
-        <p:style>
-          <a:lnRef idx="1">
-            <a:schemeClr val="accent1"/>
-          </a:lnRef>
-          <a:fillRef idx="0">
-            <a:schemeClr val="accent1"/>
-          </a:fillRef>
-          <a:effectRef idx="0">
-            <a:schemeClr val="accent1"/>
-          </a:effectRef>
-          <a:fontRef idx="minor">
-            <a:schemeClr val="tx1"/>
-          </a:fontRef>
-        </p:style>
-      </p:cxnSp>
-      <p:sp>
-        <p:nvSpPr>
-          <p:cNvPr id="67" name="TextBox 66">
-            <a:extLst>
-              <a:ext uri="{FF2B5EF4-FFF2-40B4-BE49-F238E27FC236}">
-                <a16:creationId xmlns:a16="http://schemas.microsoft.com/office/drawing/2014/main" id="{8D725DFD-0784-4C61-8AB1-373BC4DC6C5B}"/>
-              </a:ext>
-            </a:extLst>
-          </p:cNvPr>
-          <p:cNvSpPr txBox="1"/>
-          <p:nvPr/>
-        </p:nvSpPr>
-        <p:spPr>
-          <a:xfrm>
-            <a:off x="14169175" y="4300790"/>
-            <a:ext cx="1787117" cy="276999"/>
-          </a:xfrm>
-          <a:prstGeom prst="rect">
-            <a:avLst/>
-          </a:prstGeom>
-          <a:noFill/>
-        </p:spPr>
-        <p:txBody>
-          <a:bodyPr wrap="square" rtlCol="0">
-            <a:spAutoFit/>
-          </a:bodyPr>
-          <a:lstStyle/>
-          <a:p>
-            <a:pPr algn="ctr"/>
-            <a:r>
-              <a:rPr lang="en-SG" sz="1200" dirty="0">
-                <a:latin typeface="Consolas" panose="020B0609020204030204" pitchFamily="49" charset="0"/>
-              </a:rPr>
-              <a:t>view_trellis_html</a:t>
-            </a:r>
-          </a:p>
-        </p:txBody>
-      </p:sp>
-      <p:cxnSp>
-        <p:nvCxnSpPr>
-          <p:cNvPr id="68" name="Connector: Elbow 67">
-            <a:extLst>
-              <a:ext uri="{FF2B5EF4-FFF2-40B4-BE49-F238E27FC236}">
-                <a16:creationId xmlns:a16="http://schemas.microsoft.com/office/drawing/2014/main" id="{DA6F78AB-5C57-457E-A466-9F57525AD363}"/>
-              </a:ext>
-            </a:extLst>
-          </p:cNvPr>
-          <p:cNvCxnSpPr>
-            <a:cxnSpLocks/>
-            <a:stCxn id="41" idx="3"/>
-            <a:endCxn id="46" idx="1"/>
-          </p:cNvCxnSpPr>
-          <p:nvPr/>
-        </p:nvCxnSpPr>
-        <p:spPr>
-          <a:xfrm flipV="1">
-            <a:off x="-1062888" y="855873"/>
-            <a:ext cx="2673691" cy="662032"/>
-          </a:xfrm>
-          <a:prstGeom prst="bentConnector3">
-            <a:avLst>
-              <a:gd name="adj1" fmla="val 6572"/>
-            </a:avLst>
-          </a:prstGeom>
-          <a:ln>
-            <a:solidFill>
-              <a:schemeClr val="tx1"/>
-            </a:solidFill>
-            <a:tailEnd type="triangle"/>
-          </a:ln>
-        </p:spPr>
-        <p:style>
-          <a:lnRef idx="1">
-            <a:schemeClr val="accent1"/>
-          </a:lnRef>
-          <a:fillRef idx="0">
-            <a:schemeClr val="accent1"/>
-          </a:fillRef>
-          <a:effectRef idx="0">
-            <a:schemeClr val="accent1"/>
-          </a:effectRef>
-          <a:fontRef idx="minor">
-            <a:schemeClr val="tx1"/>
-          </a:fontRef>
-        </p:style>
-      </p:cxnSp>
-      <p:cxnSp>
-        <p:nvCxnSpPr>
-          <p:cNvPr id="69" name="Connector: Elbow 68">
-            <a:extLst>
-              <a:ext uri="{FF2B5EF4-FFF2-40B4-BE49-F238E27FC236}">
-                <a16:creationId xmlns:a16="http://schemas.microsoft.com/office/drawing/2014/main" id="{4459022B-484B-4D7D-8B8F-289981F64A0F}"/>
-              </a:ext>
-            </a:extLst>
-          </p:cNvPr>
-          <p:cNvCxnSpPr>
-            <a:cxnSpLocks/>
-            <a:stCxn id="38" idx="3"/>
-            <a:endCxn id="44" idx="1"/>
-          </p:cNvCxnSpPr>
-          <p:nvPr/>
-        </p:nvCxnSpPr>
-        <p:spPr>
-          <a:xfrm flipV="1">
-            <a:off x="5202445" y="1060924"/>
-            <a:ext cx="2801421" cy="781995"/>
-          </a:xfrm>
-          <a:prstGeom prst="bentConnector3">
-            <a:avLst>
-              <a:gd name="adj1" fmla="val 50000"/>
-            </a:avLst>
-          </a:prstGeom>
-          <a:ln>
-            <a:solidFill>
-              <a:schemeClr val="tx1"/>
-            </a:solidFill>
-            <a:tailEnd type="triangle"/>
-          </a:ln>
-        </p:spPr>
-        <p:style>
-          <a:lnRef idx="1">
-            <a:schemeClr val="accent1"/>
-          </a:lnRef>
-          <a:fillRef idx="0">
-            <a:schemeClr val="accent1"/>
-          </a:fillRef>
-          <a:effectRef idx="0">
-            <a:schemeClr val="accent1"/>
-          </a:effectRef>
-          <a:fontRef idx="minor">
-            <a:schemeClr val="tx1"/>
-          </a:fontRef>
-        </p:style>
-      </p:cxnSp>
-      <p:cxnSp>
-        <p:nvCxnSpPr>
-          <p:cNvPr id="70" name="Connector: Elbow 69">
-            <a:extLst>
-              <a:ext uri="{FF2B5EF4-FFF2-40B4-BE49-F238E27FC236}">
-                <a16:creationId xmlns:a16="http://schemas.microsoft.com/office/drawing/2014/main" id="{8DF96401-D396-46B8-B870-6264BE7CB39F}"/>
-              </a:ext>
-            </a:extLst>
-          </p:cNvPr>
-          <p:cNvCxnSpPr>
-            <a:cxnSpLocks/>
-            <a:stCxn id="38" idx="3"/>
-            <a:endCxn id="43" idx="1"/>
-          </p:cNvCxnSpPr>
-          <p:nvPr/>
-        </p:nvCxnSpPr>
-        <p:spPr>
-          <a:xfrm>
-            <a:off x="5202445" y="1842919"/>
-            <a:ext cx="2746793" cy="884660"/>
-          </a:xfrm>
-          <a:prstGeom prst="bentConnector3">
-            <a:avLst>
-              <a:gd name="adj1" fmla="val 50000"/>
-            </a:avLst>
-          </a:prstGeom>
-          <a:ln>
-            <a:solidFill>
-              <a:schemeClr val="tx1"/>
-            </a:solidFill>
-            <a:tailEnd type="triangle"/>
-          </a:ln>
-        </p:spPr>
-        <p:style>
-          <a:lnRef idx="1">
-            <a:schemeClr val="accent1"/>
-          </a:lnRef>
-          <a:fillRef idx="0">
-            <a:schemeClr val="accent1"/>
-          </a:fillRef>
-          <a:effectRef idx="0">
-            <a:schemeClr val="accent1"/>
-          </a:effectRef>
-          <a:fontRef idx="minor">
-            <a:schemeClr val="tx1"/>
-          </a:fontRef>
-        </p:style>
-      </p:cxnSp>
-      <p:cxnSp>
-        <p:nvCxnSpPr>
-          <p:cNvPr id="71" name="Connector: Elbow 70">
-            <a:extLst>
-              <a:ext uri="{FF2B5EF4-FFF2-40B4-BE49-F238E27FC236}">
-                <a16:creationId xmlns:a16="http://schemas.microsoft.com/office/drawing/2014/main" id="{5DC744BB-4019-420C-9A6C-375D0CD2D83A}"/>
-              </a:ext>
-            </a:extLst>
-          </p:cNvPr>
-          <p:cNvCxnSpPr>
-            <a:cxnSpLocks/>
-            <a:stCxn id="44" idx="3"/>
-            <a:endCxn id="63" idx="1"/>
-          </p:cNvCxnSpPr>
-          <p:nvPr/>
-        </p:nvCxnSpPr>
-        <p:spPr>
-          <a:xfrm>
-            <a:off x="12334189" y="1060924"/>
-            <a:ext cx="1363138" cy="1697"/>
-          </a:xfrm>
-          <a:prstGeom prst="bentConnector3">
-            <a:avLst>
-              <a:gd name="adj1" fmla="val 50000"/>
-            </a:avLst>
-          </a:prstGeom>
-          <a:ln>
-            <a:solidFill>
-              <a:schemeClr val="tx1"/>
-            </a:solidFill>
-            <a:tailEnd type="triangle"/>
-          </a:ln>
-        </p:spPr>
-        <p:style>
-          <a:lnRef idx="1">
-            <a:schemeClr val="accent1"/>
-          </a:lnRef>
-          <a:fillRef idx="0">
-            <a:schemeClr val="accent1"/>
-          </a:fillRef>
-          <a:effectRef idx="0">
-            <a:schemeClr val="accent1"/>
-          </a:effectRef>
-          <a:fontRef idx="minor">
-            <a:schemeClr val="tx1"/>
-          </a:fontRef>
-        </p:style>
-      </p:cxnSp>
-      <p:cxnSp>
-        <p:nvCxnSpPr>
-          <p:cNvPr id="72" name="Connector: Elbow 71">
-            <a:extLst>
-              <a:ext uri="{FF2B5EF4-FFF2-40B4-BE49-F238E27FC236}">
-                <a16:creationId xmlns:a16="http://schemas.microsoft.com/office/drawing/2014/main" id="{54DC15BA-3D83-4973-B46E-7AC7E352E8F2}"/>
-              </a:ext>
-            </a:extLst>
-          </p:cNvPr>
-          <p:cNvCxnSpPr>
-            <a:cxnSpLocks/>
-            <a:stCxn id="43" idx="3"/>
-            <a:endCxn id="63" idx="1"/>
-          </p:cNvCxnSpPr>
-          <p:nvPr/>
-        </p:nvCxnSpPr>
-        <p:spPr>
-          <a:xfrm flipV="1">
-            <a:off x="12279561" y="1062621"/>
-            <a:ext cx="1417766" cy="1664958"/>
-          </a:xfrm>
-          <a:prstGeom prst="bentConnector3">
-            <a:avLst>
-              <a:gd name="adj1" fmla="val 50000"/>
-            </a:avLst>
-          </a:prstGeom>
-          <a:ln>
-            <a:solidFill>
-              <a:schemeClr val="tx1"/>
-            </a:solidFill>
-            <a:tailEnd type="triangle"/>
-          </a:ln>
-        </p:spPr>
-        <p:style>
-          <a:lnRef idx="1">
-            <a:schemeClr val="accent1"/>
-          </a:lnRef>
-          <a:fillRef idx="0">
-            <a:schemeClr val="accent1"/>
-          </a:fillRef>
-          <a:effectRef idx="0">
-            <a:schemeClr val="accent1"/>
-          </a:effectRef>
-          <a:fontRef idx="minor">
-            <a:schemeClr val="tx1"/>
-          </a:fontRef>
-        </p:style>
-      </p:cxnSp>
+      </p:pic>
     </p:spTree>
     <p:extLst>
       <p:ext uri="{BB962C8B-B14F-4D97-AF65-F5344CB8AC3E}">
